--- a/Lending Club Case Study.pptx
+++ b/Lending Club Case Study.pptx
@@ -7,10 +7,12 @@
   <p:sldIdLst>
     <p:sldId id="256" r:id="rId2"/>
     <p:sldId id="257" r:id="rId3"/>
-    <p:sldId id="258" r:id="rId4"/>
-    <p:sldId id="259" r:id="rId5"/>
-    <p:sldId id="260" r:id="rId6"/>
-    <p:sldId id="261" r:id="rId7"/>
+    <p:sldId id="262" r:id="rId4"/>
+    <p:sldId id="258" r:id="rId5"/>
+    <p:sldId id="259" r:id="rId6"/>
+    <p:sldId id="260" r:id="rId7"/>
+    <p:sldId id="263" r:id="rId8"/>
+    <p:sldId id="261" r:id="rId9"/>
   </p:sldIdLst>
   <p:sldSz cx="9144000" cy="6858000" type="screen4x3"/>
   <p:notesSz cx="6858000" cy="9144000"/>
@@ -109,6 +111,11 @@
       </a:defRPr>
     </a:lvl9pPr>
   </p:defaultTextStyle>
+  <p:extLst>
+    <p:ext uri="{EFAFB233-063F-42B5-8137-9DF3F51BA10A}">
+      <p15:sldGuideLst xmlns:p15="http://schemas.microsoft.com/office/powerpoint/2012/main"/>
+    </p:ext>
+  </p:extLst>
 </p:presentation>
 </file>
 
@@ -3830,7 +3837,7 @@
           <a:p>
             <a:r>
               <a:rPr lang="en-AU" sz="6000" dirty="0"/>
-              <a:t>Lending Club Case Study</a:t>
+              <a:t>Lending Club - Case Study</a:t>
             </a:r>
             <a:br>
               <a:rPr lang="en-AU" sz="6000" dirty="0"/>
@@ -4001,8 +4008,8 @@
         </p:nvSpPr>
         <p:spPr>
           <a:xfrm>
-            <a:off x="939567" y="1737361"/>
-            <a:ext cx="6542625" cy="369332"/>
+            <a:off x="822960" y="1737361"/>
+            <a:ext cx="7744353" cy="3785652"/>
           </a:xfrm>
           <a:prstGeom prst="rect">
             <a:avLst/>
@@ -4010,54 +4017,90 @@
           <a:noFill/>
         </p:spPr>
         <p:txBody>
-          <a:bodyPr wrap="none" rtlCol="0">
+          <a:bodyPr wrap="square" rtlCol="0">
             <a:spAutoFit/>
           </a:bodyPr>
           <a:lstStyle/>
           <a:p>
             <a:r>
+              <a:rPr lang="en-AU" b="1" dirty="0"/>
+              <a:t>Business Understanding:</a:t>
+            </a:r>
+          </a:p>
+          <a:p>
+            <a:r>
               <a:rPr lang="en-AU" dirty="0"/>
-              <a:t>Background of the lending club business and the problem of default</a:t>
-            </a:r>
-          </a:p>
-        </p:txBody>
-      </p:sp>
-      <p:pic>
-        <p:nvPicPr>
-          <p:cNvPr id="10" name="Picture 9">
-            <a:extLst>
-              <a:ext uri="{FF2B5EF4-FFF2-40B4-BE49-F238E27FC236}">
-                <a16:creationId xmlns:a16="http://schemas.microsoft.com/office/drawing/2014/main" id="{FDDFD14E-E2ED-4ACC-AB9E-0AF7AD7398FF}"/>
-              </a:ext>
-            </a:extLst>
-          </p:cNvPr>
-          <p:cNvPicPr>
-            <a:picLocks noChangeAspect="1"/>
-          </p:cNvPicPr>
-          <p:nvPr/>
-        </p:nvPicPr>
-        <p:blipFill>
-          <a:blip r:embed="rId2">
-            <a:extLst>
-              <a:ext uri="{28A0092B-C50C-407E-A947-70E740481C1C}">
-                <a14:useLocalDpi xmlns:a14="http://schemas.microsoft.com/office/drawing/2010/main" val="0"/>
-              </a:ext>
-            </a:extLst>
-          </a:blip>
-          <a:stretch>
-            <a:fillRect/>
-          </a:stretch>
-        </p:blipFill>
-        <p:spPr>
-          <a:xfrm>
-            <a:off x="125835" y="3557450"/>
-            <a:ext cx="5304002" cy="2720153"/>
-          </a:xfrm>
-          <a:prstGeom prst="rect">
-            <a:avLst/>
-          </a:prstGeom>
-        </p:spPr>
-      </p:pic>
+              <a:t>Lending Club is a </a:t>
+            </a:r>
+            <a:r>
+              <a:rPr lang="en-US" dirty="0"/>
+              <a:t>consumer finance company which specializes in  lending various types of loans. The company receives a loan application, the company must decide for loan approval based on the applicant’s profile. Certain factors of risks are associated while making this decision.</a:t>
+            </a:r>
+          </a:p>
+          <a:p>
+            <a:endParaRPr lang="en-US" sz="1400" dirty="0"/>
+          </a:p>
+          <a:p>
+            <a:pPr lvl="1"/>
+            <a:r>
+              <a:rPr lang="en-US" b="1" dirty="0"/>
+              <a:t>Loss of business - </a:t>
+            </a:r>
+            <a:r>
+              <a:rPr lang="en-US" dirty="0"/>
+              <a:t>Applicant is likely to pay the loan, and company is  not approving the loan. </a:t>
+            </a:r>
+          </a:p>
+          <a:p>
+            <a:pPr lvl="1"/>
+            <a:r>
+              <a:rPr lang="en-US" b="1" dirty="0"/>
+              <a:t>Financial Loss </a:t>
+            </a:r>
+            <a:r>
+              <a:rPr lang="en-US" dirty="0"/>
+              <a:t>-  Applicant may default on the loan, i.e. not pay.</a:t>
+            </a:r>
+          </a:p>
+          <a:p>
+            <a:endParaRPr lang="en-US" sz="1400" dirty="0"/>
+          </a:p>
+          <a:p>
+            <a:r>
+              <a:rPr lang="en-US" b="1" dirty="0"/>
+              <a:t>Objective: </a:t>
+            </a:r>
+          </a:p>
+          <a:p>
+            <a:pPr marL="285750" indent="-285750">
+              <a:buFont typeface="Arial" panose="020B0604020202020204" pitchFamily="34" charset="0"/>
+              <a:buChar char="•"/>
+            </a:pPr>
+            <a:r>
+              <a:rPr lang="en-US" dirty="0"/>
+              <a:t>Identify driving factors(strong indicators) behind loan defaults.</a:t>
+            </a:r>
+          </a:p>
+          <a:p>
+            <a:pPr marL="285750" indent="-285750">
+              <a:buFont typeface="Arial" panose="020B0604020202020204" pitchFamily="34" charset="0"/>
+              <a:buChar char="•"/>
+            </a:pPr>
+            <a:r>
+              <a:rPr lang="en-US" dirty="0"/>
+              <a:t>identify risky loan applicants.</a:t>
+            </a:r>
+          </a:p>
+          <a:p>
+            <a:endParaRPr lang="en-US" sz="1400" dirty="0">
+              <a:solidFill>
+                <a:srgbClr val="091E42"/>
+              </a:solidFill>
+              <a:latin typeface="freight-text-pro"/>
+            </a:endParaRPr>
+          </a:p>
+        </p:txBody>
+      </p:sp>
     </p:spTree>
     <p:extLst>
       <p:ext uri="{BB962C8B-B14F-4D97-AF65-F5344CB8AC3E}">
@@ -4090,10 +4133,10 @@
       </p:grpSpPr>
       <p:sp>
         <p:nvSpPr>
-          <p:cNvPr id="7" name="Title 6">
+          <p:cNvPr id="2" name="Title 1">
             <a:extLst>
               <a:ext uri="{FF2B5EF4-FFF2-40B4-BE49-F238E27FC236}">
-                <a16:creationId xmlns:a16="http://schemas.microsoft.com/office/drawing/2014/main" id="{AB3CB3D9-D307-40FB-A6EA-7E4EB0B248AB}"/>
+                <a16:creationId xmlns:a16="http://schemas.microsoft.com/office/drawing/2014/main" id="{C2938C08-651A-4275-A680-4C9FB5BDE7FD}"/>
               </a:ext>
             </a:extLst>
           </p:cNvPr>
@@ -4104,21 +4147,29 @@
             <p:ph type="title"/>
           </p:nvPr>
         </p:nvSpPr>
-        <p:spPr/>
+        <p:spPr>
+          <a:xfrm>
+            <a:off x="822960" y="286605"/>
+            <a:ext cx="7543800" cy="1119574"/>
+          </a:xfrm>
+        </p:spPr>
         <p:txBody>
           <a:bodyPr/>
           <a:lstStyle/>
           <a:p>
-            <a:endParaRPr lang="en-AU" dirty="0"/>
-          </a:p>
-        </p:txBody>
-      </p:sp>
-      <p:sp>
-        <p:nvSpPr>
-          <p:cNvPr id="8" name="TextBox 7">
+            <a:r>
+              <a:rPr lang="en-US" dirty="0"/>
+              <a:t>Problem statement</a:t>
+            </a:r>
+          </a:p>
+        </p:txBody>
+      </p:sp>
+      <p:sp>
+        <p:nvSpPr>
+          <p:cNvPr id="3" name="TextBox 2">
             <a:extLst>
               <a:ext uri="{FF2B5EF4-FFF2-40B4-BE49-F238E27FC236}">
-                <a16:creationId xmlns:a16="http://schemas.microsoft.com/office/drawing/2014/main" id="{99BE0F2E-B999-487B-82E5-0F284D8437BE}"/>
+                <a16:creationId xmlns:a16="http://schemas.microsoft.com/office/drawing/2014/main" id="{8410CC92-EA88-4B3C-B0FF-803964217A90}"/>
               </a:ext>
             </a:extLst>
           </p:cNvPr>
@@ -4127,8 +4178,8 @@
         </p:nvSpPr>
         <p:spPr>
           <a:xfrm>
-            <a:off x="1149292" y="2843868"/>
-            <a:ext cx="1776705" cy="369332"/>
+            <a:off x="822960" y="1836649"/>
+            <a:ext cx="7191487" cy="3970318"/>
           </a:xfrm>
           <a:prstGeom prst="rect">
             <a:avLst/>
@@ -4136,22 +4187,239 @@
           <a:noFill/>
         </p:spPr>
         <p:txBody>
-          <a:bodyPr wrap="none" rtlCol="0">
+          <a:bodyPr wrap="square" rtlCol="0">
             <a:spAutoFit/>
           </a:bodyPr>
           <a:lstStyle/>
           <a:p>
             <a:r>
+              <a:rPr lang="en-US" sz="1800" dirty="0"/>
+              <a:t>To do, exploratory data analysis to </a:t>
+            </a:r>
+            <a:r>
               <a:rPr lang="en-AU" dirty="0"/>
-              <a:t>Approach to EDA</a:t>
-            </a:r>
-          </a:p>
-        </p:txBody>
-      </p:sp>
+              <a:t>the </a:t>
+            </a:r>
+            <a:r>
+              <a:rPr lang="en-US" sz="1800" dirty="0"/>
+              <a:t>past loan applicant’s dataset to understand consumer attributes and loan attributes that influence loan defaults.</a:t>
+            </a:r>
+            <a:endParaRPr lang="en-AU" dirty="0"/>
+          </a:p>
+          <a:p>
+            <a:endParaRPr lang="en-AU" dirty="0"/>
+          </a:p>
+          <a:p>
+            <a:pPr algn="l" rtl="0"/>
+            <a:r>
+              <a:rPr lang="en-US" b="0" i="0" dirty="0">
+                <a:solidFill>
+                  <a:srgbClr val="091E42"/>
+                </a:solidFill>
+                <a:effectLst/>
+                <a:latin typeface="freight-text-pro"/>
+              </a:rPr>
+              <a:t>When a person applies for a loan,</a:t>
+            </a:r>
+            <a:r>
+              <a:rPr lang="en-US" b="1" i="0" dirty="0">
+                <a:solidFill>
+                  <a:srgbClr val="091E42"/>
+                </a:solidFill>
+                <a:effectLst/>
+                <a:latin typeface="freight-text-pro"/>
+              </a:rPr>
+              <a:t> </a:t>
+            </a:r>
+            <a:r>
+              <a:rPr lang="en-US" b="0" i="0" dirty="0">
+                <a:solidFill>
+                  <a:srgbClr val="091E42"/>
+                </a:solidFill>
+                <a:effectLst/>
+                <a:latin typeface="freight-text-pro"/>
+              </a:rPr>
+              <a:t>there are</a:t>
+            </a:r>
+            <a:r>
+              <a:rPr lang="en-US" b="1" i="0" dirty="0">
+                <a:solidFill>
+                  <a:srgbClr val="091E42"/>
+                </a:solidFill>
+                <a:effectLst/>
+                <a:latin typeface="freight-text-pro"/>
+              </a:rPr>
+              <a:t> two types of decisions</a:t>
+            </a:r>
+            <a:r>
+              <a:rPr lang="en-US" b="0" i="0" dirty="0">
+                <a:solidFill>
+                  <a:srgbClr val="091E42"/>
+                </a:solidFill>
+                <a:effectLst/>
+                <a:latin typeface="freight-text-pro"/>
+              </a:rPr>
+              <a:t> that could be taken by the company:</a:t>
+            </a:r>
+          </a:p>
+          <a:p>
+            <a:pPr marL="285750" indent="-285750" algn="l" rtl="0">
+              <a:buFont typeface="Arial" panose="020B0604020202020204" pitchFamily="34" charset="0"/>
+              <a:buChar char="•"/>
+            </a:pPr>
+            <a:r>
+              <a:rPr lang="en-US" b="1" i="0" dirty="0">
+                <a:solidFill>
+                  <a:srgbClr val="091E42"/>
+                </a:solidFill>
+                <a:effectLst/>
+                <a:latin typeface="freight-text-pro"/>
+              </a:rPr>
+              <a:t>Loan accepted</a:t>
+            </a:r>
+            <a:endParaRPr lang="en-US" b="0" i="0" dirty="0">
+              <a:solidFill>
+                <a:srgbClr val="091E42"/>
+              </a:solidFill>
+              <a:effectLst/>
+              <a:latin typeface="freight-text-pro"/>
+            </a:endParaRPr>
+          </a:p>
+          <a:p>
+            <a:pPr marL="285750" indent="-285750" algn="l" rtl="0">
+              <a:buFont typeface="Arial" panose="020B0604020202020204" pitchFamily="34" charset="0"/>
+              <a:buChar char="•"/>
+            </a:pPr>
+            <a:r>
+              <a:rPr lang="en-US" b="1" i="0" dirty="0">
+                <a:solidFill>
+                  <a:srgbClr val="091E42"/>
+                </a:solidFill>
+                <a:effectLst/>
+                <a:latin typeface="freight-text-pro"/>
+              </a:rPr>
+              <a:t>Loan rejected</a:t>
+            </a:r>
+          </a:p>
+          <a:p>
+            <a:pPr marL="285750" indent="-285750" algn="l" rtl="0">
+              <a:buFont typeface="Arial" panose="020B0604020202020204" pitchFamily="34" charset="0"/>
+              <a:buChar char="•"/>
+            </a:pPr>
+            <a:endParaRPr lang="en-US" b="1" dirty="0">
+              <a:solidFill>
+                <a:srgbClr val="091E42"/>
+              </a:solidFill>
+              <a:latin typeface="freight-text-pro"/>
+            </a:endParaRPr>
+          </a:p>
+          <a:p>
+            <a:pPr algn="l" rtl="0"/>
+            <a:r>
+              <a:rPr lang="en-US" b="1" i="0" dirty="0">
+                <a:solidFill>
+                  <a:srgbClr val="091E42"/>
+                </a:solidFill>
+                <a:effectLst/>
+                <a:latin typeface="freight-text-pro"/>
+              </a:rPr>
+              <a:t>Finding Default!!</a:t>
+            </a:r>
+          </a:p>
+          <a:p>
+            <a:pPr algn="l" rtl="0"/>
+            <a:r>
+              <a:rPr lang="en-US" i="0" dirty="0">
+                <a:solidFill>
+                  <a:srgbClr val="091E42"/>
+                </a:solidFill>
+                <a:effectLst/>
+                <a:latin typeface="freight-text-pro"/>
+              </a:rPr>
+              <a:t>aka defaulters, someone</a:t>
+            </a:r>
+            <a:endParaRPr lang="en-US" b="1" i="0" dirty="0">
+              <a:solidFill>
+                <a:srgbClr val="091E42"/>
+              </a:solidFill>
+              <a:effectLst/>
+              <a:latin typeface="freight-text-pro"/>
+            </a:endParaRPr>
+          </a:p>
+          <a:p>
+            <a:pPr algn="l" rtl="0"/>
+            <a:r>
+              <a:rPr lang="en-US" i="0" dirty="0">
+                <a:solidFill>
+                  <a:srgbClr val="091E42"/>
+                </a:solidFill>
+                <a:effectLst/>
+                <a:latin typeface="freight-text-pro"/>
+              </a:rPr>
+              <a:t>not paying installments.</a:t>
+            </a:r>
+            <a:endParaRPr lang="en-US" b="0" i="0" dirty="0">
+              <a:solidFill>
+                <a:srgbClr val="091E42"/>
+              </a:solidFill>
+              <a:effectLst/>
+              <a:latin typeface="freight-text-pro"/>
+            </a:endParaRPr>
+          </a:p>
+          <a:p>
+            <a:br>
+              <a:rPr lang="en-US" b="0" i="0" dirty="0">
+                <a:solidFill>
+                  <a:srgbClr val="091E42"/>
+                </a:solidFill>
+                <a:effectLst/>
+                <a:latin typeface="freight-text-pro"/>
+              </a:rPr>
+            </a:br>
+            <a:endParaRPr lang="en-AU" dirty="0"/>
+          </a:p>
+        </p:txBody>
+      </p:sp>
+      <p:pic>
+        <p:nvPicPr>
+          <p:cNvPr id="4" name="Picture 3">
+            <a:extLst>
+              <a:ext uri="{FF2B5EF4-FFF2-40B4-BE49-F238E27FC236}">
+                <a16:creationId xmlns:a16="http://schemas.microsoft.com/office/drawing/2014/main" id="{85088AFA-20E7-4BDC-A2D9-89ECEE284462}"/>
+              </a:ext>
+            </a:extLst>
+          </p:cNvPr>
+          <p:cNvPicPr>
+            <a:picLocks noChangeAspect="1"/>
+          </p:cNvPicPr>
+          <p:nvPr/>
+        </p:nvPicPr>
+        <p:blipFill>
+          <a:blip r:embed="rId2">
+            <a:extLst>
+              <a:ext uri="{28A0092B-C50C-407E-A947-70E740481C1C}">
+                <a14:useLocalDpi xmlns:a14="http://schemas.microsoft.com/office/drawing/2010/main" val="0"/>
+              </a:ext>
+            </a:extLst>
+          </a:blip>
+          <a:stretch>
+            <a:fillRect/>
+          </a:stretch>
+        </p:blipFill>
+        <p:spPr>
+          <a:xfrm>
+            <a:off x="3496234" y="3583416"/>
+            <a:ext cx="5578608" cy="2720153"/>
+          </a:xfrm>
+          <a:prstGeom prst="rect">
+            <a:avLst/>
+          </a:prstGeom>
+        </p:spPr>
+      </p:pic>
     </p:spTree>
     <p:extLst>
       <p:ext uri="{BB962C8B-B14F-4D97-AF65-F5344CB8AC3E}">
-        <p14:creationId xmlns:p14="http://schemas.microsoft.com/office/powerpoint/2010/main" val="3399604581"/>
+        <p14:creationId xmlns:p14="http://schemas.microsoft.com/office/powerpoint/2010/main" val="1797120908"/>
       </p:ext>
     </p:extLst>
   </p:cSld>
@@ -4194,21 +4462,29 @@
             <p:ph type="title"/>
           </p:nvPr>
         </p:nvSpPr>
-        <p:spPr/>
+        <p:spPr>
+          <a:xfrm>
+            <a:off x="822960" y="286605"/>
+            <a:ext cx="7543800" cy="1075764"/>
+          </a:xfrm>
+        </p:spPr>
         <p:txBody>
           <a:bodyPr/>
           <a:lstStyle/>
           <a:p>
-            <a:endParaRPr lang="en-AU" dirty="0"/>
-          </a:p>
-        </p:txBody>
-      </p:sp>
-      <p:sp>
-        <p:nvSpPr>
-          <p:cNvPr id="8" name="TextBox 7">
+            <a:r>
+              <a:rPr lang="en-AU" dirty="0"/>
+              <a:t>Indicator of loan defaults</a:t>
+            </a:r>
+          </a:p>
+        </p:txBody>
+      </p:sp>
+      <p:sp>
+        <p:nvSpPr>
+          <p:cNvPr id="5" name="TextBox 4">
             <a:extLst>
               <a:ext uri="{FF2B5EF4-FFF2-40B4-BE49-F238E27FC236}">
-                <a16:creationId xmlns:a16="http://schemas.microsoft.com/office/drawing/2014/main" id="{99BE0F2E-B999-487B-82E5-0F284D8437BE}"/>
+                <a16:creationId xmlns:a16="http://schemas.microsoft.com/office/drawing/2014/main" id="{3A60EAD9-24C2-4D5D-8316-4E8B22F18C30}"/>
               </a:ext>
             </a:extLst>
           </p:cNvPr>
@@ -4217,8 +4493,8 @@
         </p:nvSpPr>
         <p:spPr>
           <a:xfrm>
-            <a:off x="1342239" y="2290194"/>
-            <a:ext cx="5897460" cy="1477328"/>
+            <a:off x="950353" y="2282510"/>
+            <a:ext cx="2976188" cy="646331"/>
           </a:xfrm>
           <a:prstGeom prst="rect">
             <a:avLst/>
@@ -4233,7 +4509,7 @@
           <a:p>
             <a:r>
               <a:rPr lang="en-AU" dirty="0"/>
-              <a:t>Example of categorical variable and how we analysed it, came up with findings, insights &amp; recommendation</a:t>
+              <a:t>Consumer Attributes</a:t>
             </a:r>
           </a:p>
           <a:p>
@@ -4243,7 +4519,42 @@
             </a:pPr>
             <a:r>
               <a:rPr lang="en-AU" dirty="0"/>
-              <a:t>All related charts form python notebook</a:t>
+              <a:t>Employee Length</a:t>
+            </a:r>
+          </a:p>
+        </p:txBody>
+      </p:sp>
+      <p:sp>
+        <p:nvSpPr>
+          <p:cNvPr id="6" name="TextBox 5">
+            <a:extLst>
+              <a:ext uri="{FF2B5EF4-FFF2-40B4-BE49-F238E27FC236}">
+                <a16:creationId xmlns:a16="http://schemas.microsoft.com/office/drawing/2014/main" id="{4C68F882-69FA-4583-A395-0FF93BC7FBC1}"/>
+              </a:ext>
+            </a:extLst>
+          </p:cNvPr>
+          <p:cNvSpPr txBox="1"/>
+          <p:nvPr/>
+        </p:nvSpPr>
+        <p:spPr>
+          <a:xfrm>
+            <a:off x="4983190" y="2282510"/>
+            <a:ext cx="2976188" cy="1200329"/>
+          </a:xfrm>
+          <a:prstGeom prst="rect">
+            <a:avLst/>
+          </a:prstGeom>
+          <a:noFill/>
+        </p:spPr>
+        <p:txBody>
+          <a:bodyPr wrap="square" rtlCol="0">
+            <a:spAutoFit/>
+          </a:bodyPr>
+          <a:lstStyle/>
+          <a:p>
+            <a:r>
+              <a:rPr lang="en-AU" dirty="0"/>
+              <a:t>Loan Attributes</a:t>
             </a:r>
           </a:p>
           <a:p>
@@ -4253,7 +4564,17 @@
             </a:pPr>
             <a:r>
               <a:rPr lang="en-AU" dirty="0"/>
-              <a:t>Write some text box comments</a:t>
+              <a:t>Loan Purpose</a:t>
+            </a:r>
+          </a:p>
+          <a:p>
+            <a:pPr marL="285750" indent="-285750">
+              <a:buFontTx/>
+              <a:buChar char="-"/>
+            </a:pPr>
+            <a:r>
+              <a:rPr lang="en-AU" dirty="0"/>
+              <a:t>Interest rate</a:t>
             </a:r>
           </a:p>
           <a:p>
@@ -4268,7 +4589,7 @@
     </p:spTree>
     <p:extLst>
       <p:ext uri="{BB962C8B-B14F-4D97-AF65-F5344CB8AC3E}">
-        <p14:creationId xmlns:p14="http://schemas.microsoft.com/office/powerpoint/2010/main" val="151704015"/>
+        <p14:creationId xmlns:p14="http://schemas.microsoft.com/office/powerpoint/2010/main" val="3399604581"/>
       </p:ext>
     </p:extLst>
   </p:cSld>
@@ -4316,7 +4637,192 @@
           <a:bodyPr/>
           <a:lstStyle/>
           <a:p>
+            <a:r>
+              <a:rPr lang="en-AU" dirty="0"/>
+              <a:t>Finding and recommendation</a:t>
+            </a:r>
+          </a:p>
+        </p:txBody>
+      </p:sp>
+      <p:sp>
+        <p:nvSpPr>
+          <p:cNvPr id="4" name="TextBox 3">
+            <a:extLst>
+              <a:ext uri="{FF2B5EF4-FFF2-40B4-BE49-F238E27FC236}">
+                <a16:creationId xmlns:a16="http://schemas.microsoft.com/office/drawing/2014/main" id="{02B71A8F-11E9-4591-81FE-429CACCDD67B}"/>
+              </a:ext>
+            </a:extLst>
+          </p:cNvPr>
+          <p:cNvSpPr txBox="1"/>
+          <p:nvPr/>
+        </p:nvSpPr>
+        <p:spPr>
+          <a:xfrm>
+            <a:off x="1018663" y="2075465"/>
+            <a:ext cx="5897460" cy="3139321"/>
+          </a:xfrm>
+          <a:prstGeom prst="rect">
+            <a:avLst/>
+          </a:prstGeom>
+          <a:noFill/>
+        </p:spPr>
+        <p:txBody>
+          <a:bodyPr wrap="square" rtlCol="0">
+            <a:spAutoFit/>
+          </a:bodyPr>
+          <a:lstStyle/>
+          <a:p>
+            <a:pPr marL="285750" indent="-285750">
+              <a:buFontTx/>
+              <a:buChar char="-"/>
+            </a:pPr>
+            <a:r>
+              <a:rPr lang="en-US" dirty="0"/>
+              <a:t>Any loan applicant with </a:t>
+            </a:r>
+            <a:r>
+              <a:rPr lang="en-US" b="1" dirty="0"/>
+              <a:t>annual income less than 100K </a:t>
+            </a:r>
+            <a:r>
+              <a:rPr lang="en-US" dirty="0"/>
+              <a:t>should go through heightened scrutiny</a:t>
+            </a:r>
+          </a:p>
+          <a:p>
+            <a:pPr marL="285750" indent="-285750">
+              <a:buFontTx/>
+              <a:buChar char="-"/>
+            </a:pPr>
+            <a:r>
+              <a:rPr lang="en-US" dirty="0"/>
+              <a:t>It's </a:t>
+            </a:r>
+            <a:r>
+              <a:rPr lang="en-US" b="1" dirty="0"/>
+              <a:t>risky</a:t>
+            </a:r>
+            <a:r>
+              <a:rPr lang="en-US" dirty="0"/>
+              <a:t> to offer loan to applicants with </a:t>
+            </a:r>
+            <a:r>
+              <a:rPr lang="en-US" b="1" dirty="0"/>
+              <a:t>higher DTI and Loan to income ratio</a:t>
+            </a:r>
+            <a:r>
+              <a:rPr lang="en-US" dirty="0"/>
+              <a:t>.</a:t>
+            </a:r>
+          </a:p>
+          <a:p>
+            <a:pPr marL="285750" indent="-285750">
+              <a:buFontTx/>
+              <a:buChar char="-"/>
+            </a:pPr>
+            <a:r>
+              <a:rPr lang="en-US" dirty="0"/>
+              <a:t>The higher default rate in </a:t>
+            </a:r>
+            <a:r>
+              <a:rPr lang="en-US" b="1" dirty="0"/>
+              <a:t>high interest rate </a:t>
+            </a:r>
+            <a:r>
+              <a:rPr lang="en-US" dirty="0"/>
+              <a:t>category evidently says it's </a:t>
+            </a:r>
+            <a:r>
+              <a:rPr lang="en-US" b="1" dirty="0"/>
+              <a:t>risky to offer high interest </a:t>
+            </a:r>
+            <a:r>
+              <a:rPr lang="en-US" dirty="0"/>
+              <a:t>loan to customers.</a:t>
+            </a:r>
+          </a:p>
+          <a:p>
+            <a:pPr marL="285750" indent="-285750">
+              <a:buFontTx/>
+              <a:buChar char="-"/>
+            </a:pPr>
+            <a:r>
+              <a:rPr lang="en-US" dirty="0"/>
+              <a:t>Any loan applicant who has a credit age  below 5 years should go through heightened scrutiny.</a:t>
+            </a:r>
+          </a:p>
+          <a:p>
+            <a:pPr marL="285750" indent="-285750">
+              <a:buFontTx/>
+              <a:buChar char="-"/>
+            </a:pPr>
+            <a:endParaRPr lang="en-US" dirty="0"/>
+          </a:p>
+          <a:p>
             <a:endParaRPr lang="en-AU" dirty="0"/>
+          </a:p>
+        </p:txBody>
+      </p:sp>
+    </p:spTree>
+    <p:extLst>
+      <p:ext uri="{BB962C8B-B14F-4D97-AF65-F5344CB8AC3E}">
+        <p14:creationId xmlns:p14="http://schemas.microsoft.com/office/powerpoint/2010/main" val="151704015"/>
+      </p:ext>
+    </p:extLst>
+  </p:cSld>
+  <p:clrMapOvr>
+    <a:masterClrMapping/>
+  </p:clrMapOvr>
+</p:sld>
+</file>
+
+<file path=ppt/slides/slide6.xml><?xml version="1.0" encoding="utf-8"?>
+<p:sld xmlns:a="http://schemas.openxmlformats.org/drawingml/2006/main" xmlns:r="http://schemas.openxmlformats.org/officeDocument/2006/relationships" xmlns:p="http://schemas.openxmlformats.org/presentationml/2006/main">
+  <p:cSld>
+    <p:spTree>
+      <p:nvGrpSpPr>
+        <p:cNvPr id="1" name=""/>
+        <p:cNvGrpSpPr/>
+        <p:nvPr/>
+      </p:nvGrpSpPr>
+      <p:grpSpPr>
+        <a:xfrm>
+          <a:off x="0" y="0"/>
+          <a:ext cx="0" cy="0"/>
+          <a:chOff x="0" y="0"/>
+          <a:chExt cx="0" cy="0"/>
+        </a:xfrm>
+      </p:grpSpPr>
+      <p:sp>
+        <p:nvSpPr>
+          <p:cNvPr id="7" name="Title 6">
+            <a:extLst>
+              <a:ext uri="{FF2B5EF4-FFF2-40B4-BE49-F238E27FC236}">
+                <a16:creationId xmlns:a16="http://schemas.microsoft.com/office/drawing/2014/main" id="{AB3CB3D9-D307-40FB-A6EA-7E4EB0B248AB}"/>
+              </a:ext>
+            </a:extLst>
+          </p:cNvPr>
+          <p:cNvSpPr>
+            <a:spLocks noGrp="1"/>
+          </p:cNvSpPr>
+          <p:nvPr>
+            <p:ph type="title"/>
+          </p:nvPr>
+        </p:nvSpPr>
+        <p:spPr>
+          <a:xfrm>
+            <a:off x="800100" y="578597"/>
+            <a:ext cx="7543800" cy="912105"/>
+          </a:xfrm>
+        </p:spPr>
+        <p:txBody>
+          <a:bodyPr/>
+          <a:lstStyle/>
+          <a:p>
+            <a:r>
+              <a:rPr lang="en-AU" dirty="0"/>
+              <a:t>Data Analysis- Numerical</a:t>
+            </a:r>
           </a:p>
         </p:txBody>
       </p:sp>
@@ -4391,7 +4897,128 @@
 </p:sld>
 </file>
 
-<file path=ppt/slides/slide6.xml><?xml version="1.0" encoding="utf-8"?>
+<file path=ppt/slides/slide7.xml><?xml version="1.0" encoding="utf-8"?>
+<p:sld xmlns:a="http://schemas.openxmlformats.org/drawingml/2006/main" xmlns:r="http://schemas.openxmlformats.org/officeDocument/2006/relationships" xmlns:p="http://schemas.openxmlformats.org/presentationml/2006/main">
+  <p:cSld>
+    <p:spTree>
+      <p:nvGrpSpPr>
+        <p:cNvPr id="1" name=""/>
+        <p:cNvGrpSpPr/>
+        <p:nvPr/>
+      </p:nvGrpSpPr>
+      <p:grpSpPr>
+        <a:xfrm>
+          <a:off x="0" y="0"/>
+          <a:ext cx="0" cy="0"/>
+          <a:chOff x="0" y="0"/>
+          <a:chExt cx="0" cy="0"/>
+        </a:xfrm>
+      </p:grpSpPr>
+      <p:sp>
+        <p:nvSpPr>
+          <p:cNvPr id="7" name="Title 6">
+            <a:extLst>
+              <a:ext uri="{FF2B5EF4-FFF2-40B4-BE49-F238E27FC236}">
+                <a16:creationId xmlns:a16="http://schemas.microsoft.com/office/drawing/2014/main" id="{AB3CB3D9-D307-40FB-A6EA-7E4EB0B248AB}"/>
+              </a:ext>
+            </a:extLst>
+          </p:cNvPr>
+          <p:cNvSpPr>
+            <a:spLocks noGrp="1"/>
+          </p:cNvSpPr>
+          <p:nvPr>
+            <p:ph type="title"/>
+          </p:nvPr>
+        </p:nvSpPr>
+        <p:spPr>
+          <a:xfrm>
+            <a:off x="800100" y="607038"/>
+            <a:ext cx="7543800" cy="906717"/>
+          </a:xfrm>
+        </p:spPr>
+        <p:txBody>
+          <a:bodyPr/>
+          <a:lstStyle/>
+          <a:p>
+            <a:r>
+              <a:rPr lang="en-AU" dirty="0"/>
+              <a:t>Data Analysis- Categorical</a:t>
+            </a:r>
+          </a:p>
+        </p:txBody>
+      </p:sp>
+      <p:sp>
+        <p:nvSpPr>
+          <p:cNvPr id="8" name="TextBox 7">
+            <a:extLst>
+              <a:ext uri="{FF2B5EF4-FFF2-40B4-BE49-F238E27FC236}">
+                <a16:creationId xmlns:a16="http://schemas.microsoft.com/office/drawing/2014/main" id="{99BE0F2E-B999-487B-82E5-0F284D8437BE}"/>
+              </a:ext>
+            </a:extLst>
+          </p:cNvPr>
+          <p:cNvSpPr txBox="1"/>
+          <p:nvPr/>
+        </p:nvSpPr>
+        <p:spPr>
+          <a:xfrm>
+            <a:off x="1149292" y="2843868"/>
+            <a:ext cx="5897460" cy="1477328"/>
+          </a:xfrm>
+          <a:prstGeom prst="rect">
+            <a:avLst/>
+          </a:prstGeom>
+          <a:noFill/>
+        </p:spPr>
+        <p:txBody>
+          <a:bodyPr wrap="square" rtlCol="0">
+            <a:spAutoFit/>
+          </a:bodyPr>
+          <a:lstStyle/>
+          <a:p>
+            <a:r>
+              <a:rPr lang="en-AU" dirty="0"/>
+              <a:t>Example of numerical variable and how we analysed it, came up with findings, insights &amp; recommendation</a:t>
+            </a:r>
+          </a:p>
+          <a:p>
+            <a:pPr marL="285750" indent="-285750">
+              <a:buFontTx/>
+              <a:buChar char="-"/>
+            </a:pPr>
+            <a:r>
+              <a:rPr lang="en-AU" dirty="0"/>
+              <a:t>All related charts form python notebook</a:t>
+            </a:r>
+          </a:p>
+          <a:p>
+            <a:pPr marL="285750" indent="-285750">
+              <a:buFontTx/>
+              <a:buChar char="-"/>
+            </a:pPr>
+            <a:r>
+              <a:rPr lang="en-AU" dirty="0"/>
+              <a:t>Write some text box comments</a:t>
+            </a:r>
+          </a:p>
+          <a:p>
+            <a:endParaRPr lang="en-AU" dirty="0"/>
+          </a:p>
+        </p:txBody>
+      </p:sp>
+    </p:spTree>
+    <p:extLst>
+      <p:ext uri="{BB962C8B-B14F-4D97-AF65-F5344CB8AC3E}">
+        <p14:creationId xmlns:p14="http://schemas.microsoft.com/office/powerpoint/2010/main" val="1485716438"/>
+      </p:ext>
+    </p:extLst>
+  </p:cSld>
+  <p:clrMapOvr>
+    <a:masterClrMapping/>
+  </p:clrMapOvr>
+</p:sld>
+</file>
+
+<file path=ppt/slides/slide8.xml><?xml version="1.0" encoding="utf-8"?>
 <p:sld xmlns:a="http://schemas.openxmlformats.org/drawingml/2006/main" xmlns:r="http://schemas.openxmlformats.org/officeDocument/2006/relationships" xmlns:p="http://schemas.openxmlformats.org/presentationml/2006/main">
   <p:cSld>
     <p:spTree>

--- a/Lending Club Case Study.pptx
+++ b/Lending Club Case Study.pptx
@@ -8,11 +8,15 @@
     <p:sldId id="256" r:id="rId2"/>
     <p:sldId id="257" r:id="rId3"/>
     <p:sldId id="262" r:id="rId4"/>
-    <p:sldId id="258" r:id="rId5"/>
-    <p:sldId id="259" r:id="rId6"/>
+    <p:sldId id="264" r:id="rId5"/>
+    <p:sldId id="258" r:id="rId6"/>
     <p:sldId id="260" r:id="rId7"/>
-    <p:sldId id="263" r:id="rId8"/>
-    <p:sldId id="261" r:id="rId9"/>
+    <p:sldId id="265" r:id="rId8"/>
+    <p:sldId id="263" r:id="rId9"/>
+    <p:sldId id="266" r:id="rId10"/>
+    <p:sldId id="259" r:id="rId11"/>
+    <p:sldId id="267" r:id="rId12"/>
+    <p:sldId id="261" r:id="rId13"/>
   </p:sldIdLst>
   <p:sldSz cx="9144000" cy="6858000" type="screen4x3"/>
   <p:notesSz cx="6858000" cy="9144000"/>
@@ -119,6 +123,3005 @@
 </p:presentation>
 </file>
 
+<file path=ppt/diagrams/colors1.xml><?xml version="1.0" encoding="utf-8"?>
+<dgm:colorsDef xmlns:dgm="http://schemas.openxmlformats.org/drawingml/2006/diagram" xmlns:a="http://schemas.openxmlformats.org/drawingml/2006/main" uniqueId="urn:microsoft.com/office/officeart/2005/8/colors/colorful1">
+  <dgm:title val=""/>
+  <dgm:desc val=""/>
+  <dgm:catLst>
+    <dgm:cat type="colorful" pri="10100"/>
+  </dgm:catLst>
+  <dgm:styleLbl name="node0">
+    <dgm:fillClrLst meth="repeat">
+      <a:schemeClr val="accent1"/>
+    </dgm:fillClrLst>
+    <dgm:linClrLst meth="repeat">
+      <a:schemeClr val="lt1"/>
+    </dgm:linClrLst>
+    <dgm:effectClrLst/>
+    <dgm:txLinClrLst/>
+    <dgm:txFillClrLst/>
+    <dgm:txEffectClrLst/>
+  </dgm:styleLbl>
+  <dgm:styleLbl name="node1">
+    <dgm:fillClrLst meth="repeat">
+      <a:schemeClr val="accent2"/>
+      <a:schemeClr val="accent3"/>
+      <a:schemeClr val="accent4"/>
+      <a:schemeClr val="accent5"/>
+      <a:schemeClr val="accent6"/>
+    </dgm:fillClrLst>
+    <dgm:linClrLst meth="repeat">
+      <a:schemeClr val="lt1"/>
+    </dgm:linClrLst>
+    <dgm:effectClrLst/>
+    <dgm:txLinClrLst/>
+    <dgm:txFillClrLst/>
+    <dgm:txEffectClrLst/>
+  </dgm:styleLbl>
+  <dgm:styleLbl name="alignNode1">
+    <dgm:fillClrLst meth="repeat">
+      <a:schemeClr val="accent2"/>
+      <a:schemeClr val="accent3"/>
+      <a:schemeClr val="accent4"/>
+      <a:schemeClr val="accent5"/>
+      <a:schemeClr val="accent6"/>
+    </dgm:fillClrLst>
+    <dgm:linClrLst meth="repeat">
+      <a:schemeClr val="accent2"/>
+      <a:schemeClr val="accent3"/>
+      <a:schemeClr val="accent4"/>
+      <a:schemeClr val="accent5"/>
+      <a:schemeClr val="accent6"/>
+    </dgm:linClrLst>
+    <dgm:effectClrLst/>
+    <dgm:txLinClrLst/>
+    <dgm:txFillClrLst/>
+    <dgm:txEffectClrLst/>
+  </dgm:styleLbl>
+  <dgm:styleLbl name="lnNode1">
+    <dgm:fillClrLst meth="repeat">
+      <a:schemeClr val="accent2"/>
+      <a:schemeClr val="accent3"/>
+      <a:schemeClr val="accent4"/>
+      <a:schemeClr val="accent5"/>
+      <a:schemeClr val="accent6"/>
+    </dgm:fillClrLst>
+    <dgm:linClrLst meth="repeat">
+      <a:schemeClr val="lt1"/>
+    </dgm:linClrLst>
+    <dgm:effectClrLst/>
+    <dgm:txLinClrLst/>
+    <dgm:txFillClrLst/>
+    <dgm:txEffectClrLst/>
+  </dgm:styleLbl>
+  <dgm:styleLbl name="vennNode1">
+    <dgm:fillClrLst meth="repeat">
+      <a:schemeClr val="accent2">
+        <a:alpha val="50000"/>
+      </a:schemeClr>
+      <a:schemeClr val="accent3">
+        <a:alpha val="50000"/>
+      </a:schemeClr>
+      <a:schemeClr val="accent4">
+        <a:alpha val="50000"/>
+      </a:schemeClr>
+      <a:schemeClr val="accent5">
+        <a:alpha val="50000"/>
+      </a:schemeClr>
+      <a:schemeClr val="accent6">
+        <a:alpha val="50000"/>
+      </a:schemeClr>
+    </dgm:fillClrLst>
+    <dgm:linClrLst meth="repeat">
+      <a:schemeClr val="lt1"/>
+    </dgm:linClrLst>
+    <dgm:effectClrLst/>
+    <dgm:txLinClrLst/>
+    <dgm:txFillClrLst/>
+    <dgm:txEffectClrLst/>
+  </dgm:styleLbl>
+  <dgm:styleLbl name="node2">
+    <dgm:fillClrLst>
+      <a:schemeClr val="accent2"/>
+    </dgm:fillClrLst>
+    <dgm:linClrLst meth="repeat">
+      <a:schemeClr val="lt1"/>
+    </dgm:linClrLst>
+    <dgm:effectClrLst/>
+    <dgm:txLinClrLst/>
+    <dgm:txFillClrLst/>
+    <dgm:txEffectClrLst/>
+  </dgm:styleLbl>
+  <dgm:styleLbl name="node3">
+    <dgm:fillClrLst>
+      <a:schemeClr val="accent3"/>
+    </dgm:fillClrLst>
+    <dgm:linClrLst meth="repeat">
+      <a:schemeClr val="lt1"/>
+    </dgm:linClrLst>
+    <dgm:effectClrLst/>
+    <dgm:txLinClrLst/>
+    <dgm:txFillClrLst/>
+    <dgm:txEffectClrLst/>
+  </dgm:styleLbl>
+  <dgm:styleLbl name="node4">
+    <dgm:fillClrLst>
+      <a:schemeClr val="accent4"/>
+    </dgm:fillClrLst>
+    <dgm:linClrLst meth="repeat">
+      <a:schemeClr val="lt1"/>
+    </dgm:linClrLst>
+    <dgm:effectClrLst/>
+    <dgm:txLinClrLst/>
+    <dgm:txFillClrLst/>
+    <dgm:txEffectClrLst/>
+  </dgm:styleLbl>
+  <dgm:styleLbl name="fgImgPlace1">
+    <dgm:fillClrLst meth="repeat">
+      <a:schemeClr val="accent2">
+        <a:tint val="50000"/>
+      </a:schemeClr>
+      <a:schemeClr val="accent3">
+        <a:tint val="50000"/>
+      </a:schemeClr>
+      <a:schemeClr val="accent4">
+        <a:tint val="50000"/>
+      </a:schemeClr>
+      <a:schemeClr val="accent5">
+        <a:tint val="50000"/>
+      </a:schemeClr>
+      <a:schemeClr val="accent6">
+        <a:tint val="50000"/>
+      </a:schemeClr>
+    </dgm:fillClrLst>
+    <dgm:linClrLst meth="repeat">
+      <a:schemeClr val="lt1"/>
+    </dgm:linClrLst>
+    <dgm:effectClrLst/>
+    <dgm:txLinClrLst/>
+    <dgm:txFillClrLst meth="repeat">
+      <a:schemeClr val="lt1"/>
+    </dgm:txFillClrLst>
+    <dgm:txEffectClrLst/>
+  </dgm:styleLbl>
+  <dgm:styleLbl name="alignImgPlace1">
+    <dgm:fillClrLst>
+      <a:schemeClr val="accent1">
+        <a:tint val="50000"/>
+      </a:schemeClr>
+      <a:schemeClr val="accent2">
+        <a:tint val="20000"/>
+      </a:schemeClr>
+    </dgm:fillClrLst>
+    <dgm:linClrLst meth="repeat">
+      <a:schemeClr val="lt1"/>
+    </dgm:linClrLst>
+    <dgm:effectClrLst/>
+    <dgm:txLinClrLst/>
+    <dgm:txFillClrLst meth="repeat">
+      <a:schemeClr val="lt1"/>
+    </dgm:txFillClrLst>
+    <dgm:txEffectClrLst/>
+  </dgm:styleLbl>
+  <dgm:styleLbl name="bgImgPlace1">
+    <dgm:fillClrLst>
+      <a:schemeClr val="accent1">
+        <a:tint val="50000"/>
+      </a:schemeClr>
+      <a:schemeClr val="accent2">
+        <a:tint val="20000"/>
+      </a:schemeClr>
+    </dgm:fillClrLst>
+    <dgm:linClrLst meth="repeat">
+      <a:schemeClr val="lt1"/>
+    </dgm:linClrLst>
+    <dgm:effectClrLst/>
+    <dgm:txLinClrLst/>
+    <dgm:txFillClrLst meth="repeat">
+      <a:schemeClr val="lt1"/>
+    </dgm:txFillClrLst>
+    <dgm:txEffectClrLst/>
+  </dgm:styleLbl>
+  <dgm:styleLbl name="sibTrans2D1">
+    <dgm:fillClrLst meth="repeat">
+      <a:schemeClr val="accent2"/>
+      <a:schemeClr val="accent3"/>
+      <a:schemeClr val="accent4"/>
+      <a:schemeClr val="accent5"/>
+      <a:schemeClr val="accent6"/>
+    </dgm:fillClrLst>
+    <dgm:linClrLst meth="cycle">
+      <a:schemeClr val="lt1"/>
+    </dgm:linClrLst>
+    <dgm:effectClrLst/>
+    <dgm:txLinClrLst/>
+    <dgm:txFillClrLst/>
+    <dgm:txEffectClrLst/>
+  </dgm:styleLbl>
+  <dgm:styleLbl name="fgSibTrans2D1">
+    <dgm:fillClrLst meth="repeat">
+      <a:schemeClr val="accent2"/>
+      <a:schemeClr val="accent3"/>
+      <a:schemeClr val="accent4"/>
+      <a:schemeClr val="accent5"/>
+      <a:schemeClr val="accent6"/>
+    </dgm:fillClrLst>
+    <dgm:linClrLst meth="cycle">
+      <a:schemeClr val="lt1"/>
+    </dgm:linClrLst>
+    <dgm:effectClrLst/>
+    <dgm:txLinClrLst/>
+    <dgm:txFillClrLst meth="repeat">
+      <a:schemeClr val="lt1"/>
+    </dgm:txFillClrLst>
+    <dgm:txEffectClrLst/>
+  </dgm:styleLbl>
+  <dgm:styleLbl name="bgSibTrans2D1">
+    <dgm:fillClrLst meth="repeat">
+      <a:schemeClr val="accent2"/>
+      <a:schemeClr val="accent3"/>
+      <a:schemeClr val="accent4"/>
+      <a:schemeClr val="accent5"/>
+      <a:schemeClr val="accent6"/>
+    </dgm:fillClrLst>
+    <dgm:linClrLst meth="cycle">
+      <a:schemeClr val="lt1"/>
+    </dgm:linClrLst>
+    <dgm:effectClrLst/>
+    <dgm:txLinClrLst/>
+    <dgm:txFillClrLst meth="repeat">
+      <a:schemeClr val="lt1"/>
+    </dgm:txFillClrLst>
+    <dgm:txEffectClrLst/>
+  </dgm:styleLbl>
+  <dgm:styleLbl name="sibTrans1D1">
+    <dgm:fillClrLst meth="repeat">
+      <a:schemeClr val="accent2"/>
+      <a:schemeClr val="accent3"/>
+      <a:schemeClr val="accent4"/>
+      <a:schemeClr val="accent5"/>
+      <a:schemeClr val="accent6"/>
+    </dgm:fillClrLst>
+    <dgm:linClrLst meth="repeat">
+      <a:schemeClr val="accent2"/>
+      <a:schemeClr val="accent3"/>
+      <a:schemeClr val="accent4"/>
+      <a:schemeClr val="accent5"/>
+      <a:schemeClr val="accent6"/>
+    </dgm:linClrLst>
+    <dgm:effectClrLst/>
+    <dgm:txLinClrLst/>
+    <dgm:txFillClrLst meth="repeat">
+      <a:schemeClr val="tx1"/>
+    </dgm:txFillClrLst>
+    <dgm:txEffectClrLst/>
+  </dgm:styleLbl>
+  <dgm:styleLbl name="callout">
+    <dgm:fillClrLst meth="repeat">
+      <a:schemeClr val="accent2"/>
+    </dgm:fillClrLst>
+    <dgm:linClrLst meth="repeat">
+      <a:schemeClr val="accent2">
+        <a:tint val="50000"/>
+      </a:schemeClr>
+    </dgm:linClrLst>
+    <dgm:effectClrLst/>
+    <dgm:txLinClrLst/>
+    <dgm:txFillClrLst meth="repeat">
+      <a:schemeClr val="tx1"/>
+    </dgm:txFillClrLst>
+    <dgm:txEffectClrLst/>
+  </dgm:styleLbl>
+  <dgm:styleLbl name="asst0">
+    <dgm:fillClrLst meth="repeat">
+      <a:schemeClr val="accent1"/>
+    </dgm:fillClrLst>
+    <dgm:linClrLst meth="repeat">
+      <a:schemeClr val="lt1"/>
+    </dgm:linClrLst>
+    <dgm:effectClrLst/>
+    <dgm:txLinClrLst/>
+    <dgm:txFillClrLst/>
+    <dgm:txEffectClrLst/>
+  </dgm:styleLbl>
+  <dgm:styleLbl name="asst1">
+    <dgm:fillClrLst meth="repeat">
+      <a:schemeClr val="accent2"/>
+    </dgm:fillClrLst>
+    <dgm:linClrLst meth="repeat">
+      <a:schemeClr val="lt1"/>
+    </dgm:linClrLst>
+    <dgm:effectClrLst/>
+    <dgm:txLinClrLst/>
+    <dgm:txFillClrLst/>
+    <dgm:txEffectClrLst/>
+  </dgm:styleLbl>
+  <dgm:styleLbl name="asst2">
+    <dgm:fillClrLst>
+      <a:schemeClr val="accent3"/>
+    </dgm:fillClrLst>
+    <dgm:linClrLst meth="repeat">
+      <a:schemeClr val="lt1"/>
+    </dgm:linClrLst>
+    <dgm:effectClrLst/>
+    <dgm:txLinClrLst/>
+    <dgm:txFillClrLst/>
+    <dgm:txEffectClrLst/>
+  </dgm:styleLbl>
+  <dgm:styleLbl name="asst3">
+    <dgm:fillClrLst>
+      <a:schemeClr val="accent4"/>
+    </dgm:fillClrLst>
+    <dgm:linClrLst meth="repeat">
+      <a:schemeClr val="lt1"/>
+    </dgm:linClrLst>
+    <dgm:effectClrLst/>
+    <dgm:txLinClrLst/>
+    <dgm:txFillClrLst/>
+    <dgm:txEffectClrLst/>
+  </dgm:styleLbl>
+  <dgm:styleLbl name="asst4">
+    <dgm:fillClrLst>
+      <a:schemeClr val="accent5"/>
+    </dgm:fillClrLst>
+    <dgm:linClrLst meth="repeat">
+      <a:schemeClr val="lt1"/>
+    </dgm:linClrLst>
+    <dgm:effectClrLst/>
+    <dgm:txLinClrLst/>
+    <dgm:txFillClrLst/>
+    <dgm:txEffectClrLst/>
+  </dgm:styleLbl>
+  <dgm:styleLbl name="parChTrans2D1">
+    <dgm:fillClrLst meth="repeat">
+      <a:schemeClr val="accent2"/>
+    </dgm:fillClrLst>
+    <dgm:linClrLst meth="repeat">
+      <a:schemeClr val="lt1"/>
+    </dgm:linClrLst>
+    <dgm:effectClrLst/>
+    <dgm:txLinClrLst/>
+    <dgm:txFillClrLst meth="repeat">
+      <a:schemeClr val="lt1"/>
+    </dgm:txFillClrLst>
+    <dgm:txEffectClrLst/>
+  </dgm:styleLbl>
+  <dgm:styleLbl name="parChTrans2D2">
+    <dgm:fillClrLst meth="repeat">
+      <a:schemeClr val="accent3"/>
+    </dgm:fillClrLst>
+    <dgm:linClrLst meth="repeat">
+      <a:schemeClr val="lt1"/>
+    </dgm:linClrLst>
+    <dgm:effectClrLst/>
+    <dgm:txLinClrLst/>
+    <dgm:txFillClrLst/>
+    <dgm:txEffectClrLst/>
+  </dgm:styleLbl>
+  <dgm:styleLbl name="parChTrans2D3">
+    <dgm:fillClrLst meth="repeat">
+      <a:schemeClr val="accent4"/>
+    </dgm:fillClrLst>
+    <dgm:linClrLst meth="repeat">
+      <a:schemeClr val="lt1"/>
+    </dgm:linClrLst>
+    <dgm:effectClrLst/>
+    <dgm:txLinClrLst/>
+    <dgm:txFillClrLst/>
+    <dgm:txEffectClrLst/>
+  </dgm:styleLbl>
+  <dgm:styleLbl name="parChTrans2D4">
+    <dgm:fillClrLst meth="repeat">
+      <a:schemeClr val="accent5"/>
+    </dgm:fillClrLst>
+    <dgm:linClrLst meth="repeat">
+      <a:schemeClr val="lt1"/>
+    </dgm:linClrLst>
+    <dgm:effectClrLst/>
+    <dgm:txLinClrLst/>
+    <dgm:txFillClrLst meth="repeat">
+      <a:schemeClr val="lt1"/>
+    </dgm:txFillClrLst>
+    <dgm:txEffectClrLst/>
+  </dgm:styleLbl>
+  <dgm:styleLbl name="parChTrans1D1">
+    <dgm:fillClrLst meth="repeat">
+      <a:schemeClr val="accent2"/>
+    </dgm:fillClrLst>
+    <dgm:linClrLst meth="repeat">
+      <a:schemeClr val="accent1"/>
+    </dgm:linClrLst>
+    <dgm:effectClrLst/>
+    <dgm:txLinClrLst/>
+    <dgm:txFillClrLst meth="repeat">
+      <a:schemeClr val="tx1"/>
+    </dgm:txFillClrLst>
+    <dgm:txEffectClrLst/>
+  </dgm:styleLbl>
+  <dgm:styleLbl name="parChTrans1D2">
+    <dgm:fillClrLst meth="repeat">
+      <a:schemeClr val="accent3">
+        <a:tint val="90000"/>
+      </a:schemeClr>
+    </dgm:fillClrLst>
+    <dgm:linClrLst meth="repeat">
+      <a:schemeClr val="accent2"/>
+    </dgm:linClrLst>
+    <dgm:effectClrLst/>
+    <dgm:txLinClrLst/>
+    <dgm:txFillClrLst meth="repeat">
+      <a:schemeClr val="tx1"/>
+    </dgm:txFillClrLst>
+    <dgm:txEffectClrLst/>
+  </dgm:styleLbl>
+  <dgm:styleLbl name="parChTrans1D3">
+    <dgm:fillClrLst meth="repeat">
+      <a:schemeClr val="accent4">
+        <a:tint val="70000"/>
+      </a:schemeClr>
+    </dgm:fillClrLst>
+    <dgm:linClrLst meth="repeat">
+      <a:schemeClr val="accent3"/>
+    </dgm:linClrLst>
+    <dgm:effectClrLst/>
+    <dgm:txLinClrLst/>
+    <dgm:txFillClrLst meth="repeat">
+      <a:schemeClr val="tx1"/>
+    </dgm:txFillClrLst>
+    <dgm:txEffectClrLst/>
+  </dgm:styleLbl>
+  <dgm:styleLbl name="parChTrans1D4">
+    <dgm:fillClrLst meth="repeat">
+      <a:schemeClr val="accent5">
+        <a:tint val="50000"/>
+      </a:schemeClr>
+    </dgm:fillClrLst>
+    <dgm:linClrLst meth="repeat">
+      <a:schemeClr val="accent4"/>
+    </dgm:linClrLst>
+    <dgm:effectClrLst/>
+    <dgm:txLinClrLst/>
+    <dgm:txFillClrLst meth="repeat">
+      <a:schemeClr val="tx1"/>
+    </dgm:txFillClrLst>
+    <dgm:txEffectClrLst/>
+  </dgm:styleLbl>
+  <dgm:styleLbl name="fgAcc1">
+    <dgm:fillClrLst meth="repeat">
+      <a:schemeClr val="lt1">
+        <a:alpha val="90000"/>
+      </a:schemeClr>
+    </dgm:fillClrLst>
+    <dgm:linClrLst meth="repeat">
+      <a:schemeClr val="accent2"/>
+      <a:schemeClr val="accent3"/>
+      <a:schemeClr val="accent4"/>
+      <a:schemeClr val="accent5"/>
+      <a:schemeClr val="accent6"/>
+    </dgm:linClrLst>
+    <dgm:effectClrLst/>
+    <dgm:txLinClrLst/>
+    <dgm:txFillClrLst meth="repeat">
+      <a:schemeClr val="dk1"/>
+    </dgm:txFillClrLst>
+    <dgm:txEffectClrLst/>
+  </dgm:styleLbl>
+  <dgm:styleLbl name="conFgAcc1">
+    <dgm:fillClrLst meth="repeat">
+      <a:schemeClr val="lt1">
+        <a:alpha val="90000"/>
+      </a:schemeClr>
+    </dgm:fillClrLst>
+    <dgm:linClrLst meth="repeat">
+      <a:schemeClr val="accent2"/>
+      <a:schemeClr val="accent3"/>
+      <a:schemeClr val="accent4"/>
+      <a:schemeClr val="accent5"/>
+      <a:schemeClr val="accent6"/>
+    </dgm:linClrLst>
+    <dgm:effectClrLst/>
+    <dgm:txLinClrLst/>
+    <dgm:txFillClrLst meth="repeat">
+      <a:schemeClr val="dk1"/>
+    </dgm:txFillClrLst>
+    <dgm:txEffectClrLst/>
+  </dgm:styleLbl>
+  <dgm:styleLbl name="alignAcc1">
+    <dgm:fillClrLst meth="repeat">
+      <a:schemeClr val="lt1">
+        <a:alpha val="90000"/>
+      </a:schemeClr>
+    </dgm:fillClrLst>
+    <dgm:linClrLst meth="repeat">
+      <a:schemeClr val="accent2"/>
+      <a:schemeClr val="accent3"/>
+      <a:schemeClr val="accent4"/>
+      <a:schemeClr val="accent5"/>
+      <a:schemeClr val="accent6"/>
+    </dgm:linClrLst>
+    <dgm:effectClrLst/>
+    <dgm:txLinClrLst/>
+    <dgm:txFillClrLst meth="repeat">
+      <a:schemeClr val="dk1"/>
+    </dgm:txFillClrLst>
+    <dgm:txEffectClrLst/>
+  </dgm:styleLbl>
+  <dgm:styleLbl name="trAlignAcc1">
+    <dgm:fillClrLst meth="repeat">
+      <a:schemeClr val="lt1">
+        <a:alpha val="40000"/>
+      </a:schemeClr>
+    </dgm:fillClrLst>
+    <dgm:linClrLst meth="repeat">
+      <a:schemeClr val="accent1"/>
+    </dgm:linClrLst>
+    <dgm:effectClrLst/>
+    <dgm:txLinClrLst/>
+    <dgm:txFillClrLst meth="repeat">
+      <a:schemeClr val="dk1"/>
+    </dgm:txFillClrLst>
+    <dgm:txEffectClrLst/>
+  </dgm:styleLbl>
+  <dgm:styleLbl name="bgAcc1">
+    <dgm:fillClrLst meth="repeat">
+      <a:schemeClr val="lt1">
+        <a:alpha val="90000"/>
+      </a:schemeClr>
+    </dgm:fillClrLst>
+    <dgm:linClrLst meth="repeat">
+      <a:schemeClr val="accent2"/>
+      <a:schemeClr val="accent3"/>
+      <a:schemeClr val="accent4"/>
+      <a:schemeClr val="accent5"/>
+      <a:schemeClr val="accent6"/>
+    </dgm:linClrLst>
+    <dgm:effectClrLst/>
+    <dgm:txLinClrLst/>
+    <dgm:txFillClrLst meth="repeat">
+      <a:schemeClr val="dk1"/>
+    </dgm:txFillClrLst>
+    <dgm:txEffectClrLst/>
+  </dgm:styleLbl>
+  <dgm:styleLbl name="solidFgAcc1">
+    <dgm:fillClrLst meth="repeat">
+      <a:schemeClr val="lt1"/>
+    </dgm:fillClrLst>
+    <dgm:linClrLst meth="repeat">
+      <a:schemeClr val="accent2"/>
+      <a:schemeClr val="accent3"/>
+      <a:schemeClr val="accent4"/>
+      <a:schemeClr val="accent5"/>
+      <a:schemeClr val="accent6"/>
+    </dgm:linClrLst>
+    <dgm:effectClrLst/>
+    <dgm:txLinClrLst/>
+    <dgm:txFillClrLst meth="repeat">
+      <a:schemeClr val="dk1"/>
+    </dgm:txFillClrLst>
+    <dgm:txEffectClrLst/>
+  </dgm:styleLbl>
+  <dgm:styleLbl name="solidAlignAcc1">
+    <dgm:fillClrLst meth="repeat">
+      <a:schemeClr val="lt1"/>
+    </dgm:fillClrLst>
+    <dgm:linClrLst meth="repeat">
+      <a:schemeClr val="accent2"/>
+      <a:schemeClr val="accent3"/>
+      <a:schemeClr val="accent4"/>
+      <a:schemeClr val="accent5"/>
+      <a:schemeClr val="accent6"/>
+    </dgm:linClrLst>
+    <dgm:effectClrLst/>
+    <dgm:txLinClrLst/>
+    <dgm:txFillClrLst meth="repeat">
+      <a:schemeClr val="dk1"/>
+    </dgm:txFillClrLst>
+    <dgm:txEffectClrLst/>
+  </dgm:styleLbl>
+  <dgm:styleLbl name="solidBgAcc1">
+    <dgm:fillClrLst meth="repeat">
+      <a:schemeClr val="lt1"/>
+    </dgm:fillClrLst>
+    <dgm:linClrLst meth="repeat">
+      <a:schemeClr val="accent2"/>
+      <a:schemeClr val="accent3"/>
+      <a:schemeClr val="accent4"/>
+      <a:schemeClr val="accent5"/>
+      <a:schemeClr val="accent6"/>
+    </dgm:linClrLst>
+    <dgm:effectClrLst/>
+    <dgm:txLinClrLst/>
+    <dgm:txFillClrLst meth="repeat">
+      <a:schemeClr val="dk1"/>
+    </dgm:txFillClrLst>
+    <dgm:txEffectClrLst/>
+  </dgm:styleLbl>
+  <dgm:styleLbl name="fgAccFollowNode1">
+    <dgm:fillClrLst meth="repeat">
+      <a:schemeClr val="accent2">
+        <a:tint val="40000"/>
+        <a:alpha val="90000"/>
+      </a:schemeClr>
+      <a:schemeClr val="accent3">
+        <a:tint val="40000"/>
+        <a:alpha val="90000"/>
+      </a:schemeClr>
+      <a:schemeClr val="accent4">
+        <a:tint val="40000"/>
+        <a:alpha val="90000"/>
+      </a:schemeClr>
+      <a:schemeClr val="accent5">
+        <a:tint val="40000"/>
+        <a:alpha val="90000"/>
+      </a:schemeClr>
+      <a:schemeClr val="accent6">
+        <a:tint val="40000"/>
+        <a:alpha val="90000"/>
+      </a:schemeClr>
+    </dgm:fillClrLst>
+    <dgm:linClrLst meth="repeat">
+      <a:schemeClr val="accent2">
+        <a:tint val="40000"/>
+        <a:alpha val="90000"/>
+      </a:schemeClr>
+      <a:schemeClr val="accent3">
+        <a:tint val="40000"/>
+        <a:alpha val="90000"/>
+      </a:schemeClr>
+      <a:schemeClr val="accent4">
+        <a:tint val="40000"/>
+        <a:alpha val="90000"/>
+      </a:schemeClr>
+      <a:schemeClr val="accent5">
+        <a:tint val="40000"/>
+        <a:alpha val="90000"/>
+      </a:schemeClr>
+      <a:schemeClr val="accent6">
+        <a:tint val="40000"/>
+        <a:alpha val="90000"/>
+      </a:schemeClr>
+    </dgm:linClrLst>
+    <dgm:effectClrLst/>
+    <dgm:txLinClrLst/>
+    <dgm:txFillClrLst meth="repeat">
+      <a:schemeClr val="dk1"/>
+    </dgm:txFillClrLst>
+    <dgm:txEffectClrLst/>
+  </dgm:styleLbl>
+  <dgm:styleLbl name="alignAccFollowNode1">
+    <dgm:fillClrLst meth="repeat">
+      <a:schemeClr val="accent2">
+        <a:tint val="40000"/>
+        <a:alpha val="90000"/>
+      </a:schemeClr>
+      <a:schemeClr val="accent3">
+        <a:tint val="40000"/>
+        <a:alpha val="90000"/>
+      </a:schemeClr>
+      <a:schemeClr val="accent4">
+        <a:tint val="40000"/>
+        <a:alpha val="90000"/>
+      </a:schemeClr>
+      <a:schemeClr val="accent5">
+        <a:tint val="40000"/>
+        <a:alpha val="90000"/>
+      </a:schemeClr>
+      <a:schemeClr val="accent6">
+        <a:tint val="40000"/>
+        <a:alpha val="90000"/>
+      </a:schemeClr>
+    </dgm:fillClrLst>
+    <dgm:linClrLst meth="repeat">
+      <a:schemeClr val="accent2">
+        <a:tint val="40000"/>
+        <a:alpha val="90000"/>
+      </a:schemeClr>
+      <a:schemeClr val="accent3">
+        <a:tint val="40000"/>
+        <a:alpha val="90000"/>
+      </a:schemeClr>
+      <a:schemeClr val="accent4">
+        <a:tint val="40000"/>
+        <a:alpha val="90000"/>
+      </a:schemeClr>
+      <a:schemeClr val="accent5">
+        <a:tint val="40000"/>
+        <a:alpha val="90000"/>
+      </a:schemeClr>
+      <a:schemeClr val="accent6">
+        <a:tint val="40000"/>
+        <a:alpha val="90000"/>
+      </a:schemeClr>
+    </dgm:linClrLst>
+    <dgm:effectClrLst/>
+    <dgm:txLinClrLst/>
+    <dgm:txFillClrLst meth="repeat">
+      <a:schemeClr val="dk1"/>
+    </dgm:txFillClrLst>
+    <dgm:txEffectClrLst/>
+  </dgm:styleLbl>
+  <dgm:styleLbl name="bgAccFollowNode1">
+    <dgm:fillClrLst meth="repeat">
+      <a:schemeClr val="accent2">
+        <a:tint val="40000"/>
+        <a:alpha val="90000"/>
+      </a:schemeClr>
+      <a:schemeClr val="accent3">
+        <a:tint val="40000"/>
+        <a:alpha val="90000"/>
+      </a:schemeClr>
+      <a:schemeClr val="accent4">
+        <a:tint val="40000"/>
+        <a:alpha val="90000"/>
+      </a:schemeClr>
+      <a:schemeClr val="accent5">
+        <a:tint val="40000"/>
+        <a:alpha val="90000"/>
+      </a:schemeClr>
+      <a:schemeClr val="accent6">
+        <a:tint val="40000"/>
+        <a:alpha val="90000"/>
+      </a:schemeClr>
+    </dgm:fillClrLst>
+    <dgm:linClrLst meth="repeat">
+      <a:schemeClr val="accent2">
+        <a:tint val="40000"/>
+        <a:alpha val="90000"/>
+      </a:schemeClr>
+      <a:schemeClr val="accent3">
+        <a:tint val="40000"/>
+        <a:alpha val="90000"/>
+      </a:schemeClr>
+      <a:schemeClr val="accent4">
+        <a:tint val="40000"/>
+        <a:alpha val="90000"/>
+      </a:schemeClr>
+      <a:schemeClr val="accent5">
+        <a:tint val="40000"/>
+        <a:alpha val="90000"/>
+      </a:schemeClr>
+      <a:schemeClr val="accent6">
+        <a:tint val="40000"/>
+        <a:alpha val="90000"/>
+      </a:schemeClr>
+    </dgm:linClrLst>
+    <dgm:effectClrLst/>
+    <dgm:txLinClrLst/>
+    <dgm:txFillClrLst meth="repeat">
+      <a:schemeClr val="dk1"/>
+    </dgm:txFillClrLst>
+    <dgm:txEffectClrLst/>
+  </dgm:styleLbl>
+  <dgm:styleLbl name="fgAcc0">
+    <dgm:fillClrLst meth="repeat">
+      <a:schemeClr val="lt1">
+        <a:alpha val="90000"/>
+      </a:schemeClr>
+    </dgm:fillClrLst>
+    <dgm:linClrLst>
+      <a:schemeClr val="accent1"/>
+    </dgm:linClrLst>
+    <dgm:effectClrLst/>
+    <dgm:txLinClrLst/>
+    <dgm:txFillClrLst meth="repeat">
+      <a:schemeClr val="dk1"/>
+    </dgm:txFillClrLst>
+    <dgm:txEffectClrLst/>
+  </dgm:styleLbl>
+  <dgm:styleLbl name="fgAcc2">
+    <dgm:fillClrLst meth="repeat">
+      <a:schemeClr val="lt1">
+        <a:alpha val="90000"/>
+      </a:schemeClr>
+    </dgm:fillClrLst>
+    <dgm:linClrLst>
+      <a:schemeClr val="accent2"/>
+    </dgm:linClrLst>
+    <dgm:effectClrLst/>
+    <dgm:txLinClrLst/>
+    <dgm:txFillClrLst meth="repeat">
+      <a:schemeClr val="dk1"/>
+    </dgm:txFillClrLst>
+    <dgm:txEffectClrLst/>
+  </dgm:styleLbl>
+  <dgm:styleLbl name="fgAcc3">
+    <dgm:fillClrLst meth="repeat">
+      <a:schemeClr val="lt1">
+        <a:alpha val="90000"/>
+      </a:schemeClr>
+    </dgm:fillClrLst>
+    <dgm:linClrLst>
+      <a:schemeClr val="accent3"/>
+    </dgm:linClrLst>
+    <dgm:effectClrLst/>
+    <dgm:txLinClrLst/>
+    <dgm:txFillClrLst meth="repeat">
+      <a:schemeClr val="dk1"/>
+    </dgm:txFillClrLst>
+    <dgm:txEffectClrLst/>
+  </dgm:styleLbl>
+  <dgm:styleLbl name="fgAcc4">
+    <dgm:fillClrLst meth="repeat">
+      <a:schemeClr val="lt1">
+        <a:alpha val="90000"/>
+      </a:schemeClr>
+    </dgm:fillClrLst>
+    <dgm:linClrLst>
+      <a:schemeClr val="accent4"/>
+    </dgm:linClrLst>
+    <dgm:effectClrLst/>
+    <dgm:txLinClrLst/>
+    <dgm:txFillClrLst meth="repeat">
+      <a:schemeClr val="dk1"/>
+    </dgm:txFillClrLst>
+    <dgm:txEffectClrLst/>
+  </dgm:styleLbl>
+  <dgm:styleLbl name="bgShp">
+    <dgm:fillClrLst meth="repeat">
+      <a:schemeClr val="accent2">
+        <a:tint val="40000"/>
+      </a:schemeClr>
+    </dgm:fillClrLst>
+    <dgm:linClrLst meth="repeat">
+      <a:schemeClr val="dk1"/>
+    </dgm:linClrLst>
+    <dgm:effectClrLst/>
+    <dgm:txLinClrLst/>
+    <dgm:txFillClrLst meth="repeat">
+      <a:schemeClr val="dk1"/>
+    </dgm:txFillClrLst>
+    <dgm:txEffectClrLst/>
+  </dgm:styleLbl>
+  <dgm:styleLbl name="dkBgShp">
+    <dgm:fillClrLst meth="repeat">
+      <a:schemeClr val="accent2">
+        <a:shade val="90000"/>
+      </a:schemeClr>
+    </dgm:fillClrLst>
+    <dgm:linClrLst meth="repeat">
+      <a:schemeClr val="dk1"/>
+    </dgm:linClrLst>
+    <dgm:effectClrLst/>
+    <dgm:txLinClrLst/>
+    <dgm:txFillClrLst meth="repeat">
+      <a:schemeClr val="lt1"/>
+    </dgm:txFillClrLst>
+    <dgm:txEffectClrLst/>
+  </dgm:styleLbl>
+  <dgm:styleLbl name="trBgShp">
+    <dgm:fillClrLst meth="repeat">
+      <a:schemeClr val="accent1">
+        <a:tint val="50000"/>
+        <a:alpha val="40000"/>
+      </a:schemeClr>
+    </dgm:fillClrLst>
+    <dgm:linClrLst meth="repeat">
+      <a:schemeClr val="accent2"/>
+    </dgm:linClrLst>
+    <dgm:effectClrLst/>
+    <dgm:txLinClrLst/>
+    <dgm:txFillClrLst meth="repeat">
+      <a:schemeClr val="lt1"/>
+    </dgm:txFillClrLst>
+    <dgm:txEffectClrLst/>
+  </dgm:styleLbl>
+  <dgm:styleLbl name="fgShp">
+    <dgm:fillClrLst meth="repeat">
+      <a:schemeClr val="accent2">
+        <a:tint val="40000"/>
+      </a:schemeClr>
+    </dgm:fillClrLst>
+    <dgm:linClrLst meth="repeat">
+      <a:schemeClr val="lt1"/>
+    </dgm:linClrLst>
+    <dgm:effectClrLst/>
+    <dgm:txLinClrLst/>
+    <dgm:txFillClrLst meth="repeat">
+      <a:schemeClr val="dk1"/>
+    </dgm:txFillClrLst>
+    <dgm:txEffectClrLst/>
+  </dgm:styleLbl>
+  <dgm:styleLbl name="revTx">
+    <dgm:fillClrLst meth="repeat">
+      <a:schemeClr val="lt1">
+        <a:alpha val="0"/>
+      </a:schemeClr>
+    </dgm:fillClrLst>
+    <dgm:linClrLst meth="repeat">
+      <a:schemeClr val="dk1">
+        <a:alpha val="0"/>
+      </a:schemeClr>
+    </dgm:linClrLst>
+    <dgm:effectClrLst/>
+    <dgm:txLinClrLst/>
+    <dgm:txFillClrLst meth="repeat">
+      <a:schemeClr val="tx1"/>
+    </dgm:txFillClrLst>
+    <dgm:txEffectClrLst/>
+  </dgm:styleLbl>
+</dgm:colorsDef>
+</file>
+
+<file path=ppt/diagrams/data1.xml><?xml version="1.0" encoding="utf-8"?>
+<dgm:dataModel xmlns:dgm="http://schemas.openxmlformats.org/drawingml/2006/diagram" xmlns:a="http://schemas.openxmlformats.org/drawingml/2006/main">
+  <dgm:ptLst>
+    <dgm:pt modelId="{54ED84A7-5BC0-47C8-AC2D-A5F818EA97D8}" type="doc">
+      <dgm:prSet loTypeId="urn:microsoft.com/office/officeart/2005/8/layout/hProcess9" loCatId="process" qsTypeId="urn:microsoft.com/office/officeart/2005/8/quickstyle/simple1" qsCatId="simple" csTypeId="urn:microsoft.com/office/officeart/2005/8/colors/colorful1" csCatId="colorful" phldr="1"/>
+      <dgm:spPr/>
+      <dgm:t>
+        <a:bodyPr/>
+        <a:lstStyle/>
+        <a:p>
+          <a:endParaRPr lang="en-AU"/>
+        </a:p>
+      </dgm:t>
+    </dgm:pt>
+    <dgm:pt modelId="{E09D69F1-83A1-4262-BF1E-582D2FE1E818}">
+      <dgm:prSet phldrT="[Text]" custT="1"/>
+      <dgm:spPr/>
+      <dgm:t>
+        <a:bodyPr/>
+        <a:lstStyle/>
+        <a:p>
+          <a:r>
+            <a:rPr lang="en-AU" sz="1500" dirty="0"/>
+            <a:t>Business problem framing</a:t>
+          </a:r>
+        </a:p>
+      </dgm:t>
+    </dgm:pt>
+    <dgm:pt modelId="{56BEA9F5-5B5F-4859-B9A1-1515DE3DF445}" type="parTrans" cxnId="{48DA1BDF-A931-400A-BD0F-6A4235B57F83}">
+      <dgm:prSet/>
+      <dgm:spPr/>
+      <dgm:t>
+        <a:bodyPr/>
+        <a:lstStyle/>
+        <a:p>
+          <a:endParaRPr lang="en-AU" sz="1200"/>
+        </a:p>
+      </dgm:t>
+    </dgm:pt>
+    <dgm:pt modelId="{A03DBBB1-8EFC-4D6B-B004-EEB0E8B542DA}" type="sibTrans" cxnId="{48DA1BDF-A931-400A-BD0F-6A4235B57F83}">
+      <dgm:prSet/>
+      <dgm:spPr/>
+      <dgm:t>
+        <a:bodyPr/>
+        <a:lstStyle/>
+        <a:p>
+          <a:endParaRPr lang="en-AU" sz="1200"/>
+        </a:p>
+      </dgm:t>
+    </dgm:pt>
+    <dgm:pt modelId="{5604A66B-D8EB-4080-AF10-18555A4408D1}">
+      <dgm:prSet phldrT="[Text]" custT="1"/>
+      <dgm:spPr/>
+      <dgm:t>
+        <a:bodyPr/>
+        <a:lstStyle/>
+        <a:p>
+          <a:r>
+            <a:rPr lang="en-AU" sz="1500" dirty="0"/>
+            <a:t>Data Sourcing &amp; understanding</a:t>
+          </a:r>
+        </a:p>
+      </dgm:t>
+    </dgm:pt>
+    <dgm:pt modelId="{ECD3FEBE-4113-4A65-90F8-1F098F532A41}" type="parTrans" cxnId="{B73C6DF8-0CAD-471A-8642-F3DD074BCAA2}">
+      <dgm:prSet/>
+      <dgm:spPr/>
+      <dgm:t>
+        <a:bodyPr/>
+        <a:lstStyle/>
+        <a:p>
+          <a:endParaRPr lang="en-AU" sz="1200"/>
+        </a:p>
+      </dgm:t>
+    </dgm:pt>
+    <dgm:pt modelId="{0A70B360-C839-4FA8-A4CA-B94A05C18172}" type="sibTrans" cxnId="{B73C6DF8-0CAD-471A-8642-F3DD074BCAA2}">
+      <dgm:prSet/>
+      <dgm:spPr/>
+      <dgm:t>
+        <a:bodyPr/>
+        <a:lstStyle/>
+        <a:p>
+          <a:endParaRPr lang="en-AU" sz="1200"/>
+        </a:p>
+      </dgm:t>
+    </dgm:pt>
+    <dgm:pt modelId="{033FA196-D399-41E9-B701-E1E8F15A27DF}">
+      <dgm:prSet phldrT="[Text]" custT="1"/>
+      <dgm:spPr/>
+      <dgm:t>
+        <a:bodyPr/>
+        <a:lstStyle/>
+        <a:p>
+          <a:r>
+            <a:rPr lang="en-AU" sz="1500" dirty="0"/>
+            <a:t>Data cleaning &amp; handling</a:t>
+          </a:r>
+        </a:p>
+      </dgm:t>
+    </dgm:pt>
+    <dgm:pt modelId="{A3F8E8FD-6C78-4333-B545-42702163C682}" type="parTrans" cxnId="{86EA5A51-F1EC-4C76-9178-72049953B888}">
+      <dgm:prSet/>
+      <dgm:spPr/>
+      <dgm:t>
+        <a:bodyPr/>
+        <a:lstStyle/>
+        <a:p>
+          <a:endParaRPr lang="en-AU" sz="1200"/>
+        </a:p>
+      </dgm:t>
+    </dgm:pt>
+    <dgm:pt modelId="{44AEE0EF-B606-4250-85BB-D3DD5B84030F}" type="sibTrans" cxnId="{86EA5A51-F1EC-4C76-9178-72049953B888}">
+      <dgm:prSet/>
+      <dgm:spPr/>
+      <dgm:t>
+        <a:bodyPr/>
+        <a:lstStyle/>
+        <a:p>
+          <a:endParaRPr lang="en-AU" sz="1200"/>
+        </a:p>
+      </dgm:t>
+    </dgm:pt>
+    <dgm:pt modelId="{A2231D13-9892-4647-A340-948F9E635F3F}">
+      <dgm:prSet custT="1"/>
+      <dgm:spPr/>
+      <dgm:t>
+        <a:bodyPr/>
+        <a:lstStyle/>
+        <a:p>
+          <a:r>
+            <a:rPr lang="en-AU" sz="1500" dirty="0"/>
+            <a:t>Exploratory</a:t>
+          </a:r>
+        </a:p>
+        <a:p>
+          <a:r>
+            <a:rPr lang="en-AU" sz="1500" dirty="0"/>
+            <a:t>Analysis - univariates </a:t>
+          </a:r>
+        </a:p>
+      </dgm:t>
+    </dgm:pt>
+    <dgm:pt modelId="{1F4D6E0F-CCA8-46EB-8E98-2D1DEC8FC197}" type="parTrans" cxnId="{60B3D954-9D57-4983-821D-AFB0BD0467D5}">
+      <dgm:prSet/>
+      <dgm:spPr/>
+      <dgm:t>
+        <a:bodyPr/>
+        <a:lstStyle/>
+        <a:p>
+          <a:endParaRPr lang="en-AU" sz="1200"/>
+        </a:p>
+      </dgm:t>
+    </dgm:pt>
+    <dgm:pt modelId="{658850A3-A2D0-4764-8F44-2327F9628D8E}" type="sibTrans" cxnId="{60B3D954-9D57-4983-821D-AFB0BD0467D5}">
+      <dgm:prSet/>
+      <dgm:spPr/>
+      <dgm:t>
+        <a:bodyPr/>
+        <a:lstStyle/>
+        <a:p>
+          <a:endParaRPr lang="en-AU" sz="1200"/>
+        </a:p>
+      </dgm:t>
+    </dgm:pt>
+    <dgm:pt modelId="{02D83235-B9E8-4C4F-A658-A273EF3C65CD}">
+      <dgm:prSet custT="1"/>
+      <dgm:spPr/>
+      <dgm:t>
+        <a:bodyPr/>
+        <a:lstStyle/>
+        <a:p>
+          <a:r>
+            <a:rPr lang="en-AU" sz="1500" dirty="0"/>
+            <a:t>Exploratory analysis of Target variable relationships</a:t>
+          </a:r>
+        </a:p>
+      </dgm:t>
+    </dgm:pt>
+    <dgm:pt modelId="{A9F91AEE-9055-46B7-BDDE-0ED2C8120822}" type="parTrans" cxnId="{DA7D5A93-9879-49BD-B9FC-CDFA9D73A3DD}">
+      <dgm:prSet/>
+      <dgm:spPr/>
+      <dgm:t>
+        <a:bodyPr/>
+        <a:lstStyle/>
+        <a:p>
+          <a:endParaRPr lang="en-AU" sz="1200"/>
+        </a:p>
+      </dgm:t>
+    </dgm:pt>
+    <dgm:pt modelId="{C38DEA3D-3BD8-4CF7-826A-4F55AB6EA0B9}" type="sibTrans" cxnId="{DA7D5A93-9879-49BD-B9FC-CDFA9D73A3DD}">
+      <dgm:prSet/>
+      <dgm:spPr/>
+      <dgm:t>
+        <a:bodyPr/>
+        <a:lstStyle/>
+        <a:p>
+          <a:endParaRPr lang="en-AU" sz="1200"/>
+        </a:p>
+      </dgm:t>
+    </dgm:pt>
+    <dgm:pt modelId="{A737A7A5-523E-4CDB-94CC-32037395ECFC}">
+      <dgm:prSet custT="1"/>
+      <dgm:spPr/>
+      <dgm:t>
+        <a:bodyPr/>
+        <a:lstStyle/>
+        <a:p>
+          <a:r>
+            <a:rPr lang="en-AU" sz="1500" dirty="0"/>
+            <a:t>Summary of findings, insights &amp; recommendations</a:t>
+          </a:r>
+        </a:p>
+      </dgm:t>
+    </dgm:pt>
+    <dgm:pt modelId="{D0855ACC-4048-459D-B8DB-C13F814805DE}" type="parTrans" cxnId="{43726C77-8FEF-4BDF-B17F-0F2C02263398}">
+      <dgm:prSet/>
+      <dgm:spPr/>
+      <dgm:t>
+        <a:bodyPr/>
+        <a:lstStyle/>
+        <a:p>
+          <a:endParaRPr lang="en-AU" sz="1200"/>
+        </a:p>
+      </dgm:t>
+    </dgm:pt>
+    <dgm:pt modelId="{E8F9B60C-4821-46DD-AC35-BA2EBBD0C7B7}" type="sibTrans" cxnId="{43726C77-8FEF-4BDF-B17F-0F2C02263398}">
+      <dgm:prSet/>
+      <dgm:spPr/>
+      <dgm:t>
+        <a:bodyPr/>
+        <a:lstStyle/>
+        <a:p>
+          <a:endParaRPr lang="en-AU" sz="1200"/>
+        </a:p>
+      </dgm:t>
+    </dgm:pt>
+    <dgm:pt modelId="{CA1D5615-313E-4537-A64D-FAB114E23519}" type="pres">
+      <dgm:prSet presAssocID="{54ED84A7-5BC0-47C8-AC2D-A5F818EA97D8}" presName="CompostProcess" presStyleCnt="0">
+        <dgm:presLayoutVars>
+          <dgm:dir/>
+          <dgm:resizeHandles val="exact"/>
+        </dgm:presLayoutVars>
+      </dgm:prSet>
+      <dgm:spPr/>
+    </dgm:pt>
+    <dgm:pt modelId="{B11908C9-4E3A-41FC-ABF2-0739056ED29B}" type="pres">
+      <dgm:prSet presAssocID="{54ED84A7-5BC0-47C8-AC2D-A5F818EA97D8}" presName="arrow" presStyleLbl="bgShp" presStyleIdx="0" presStyleCnt="1"/>
+      <dgm:spPr/>
+    </dgm:pt>
+    <dgm:pt modelId="{444983D7-CB36-4FAB-AE19-D4AA48F6EBF3}" type="pres">
+      <dgm:prSet presAssocID="{54ED84A7-5BC0-47C8-AC2D-A5F818EA97D8}" presName="linearProcess" presStyleCnt="0"/>
+      <dgm:spPr/>
+    </dgm:pt>
+    <dgm:pt modelId="{8FD3C57E-B26D-418E-9791-99574964FEAA}" type="pres">
+      <dgm:prSet presAssocID="{E09D69F1-83A1-4262-BF1E-582D2FE1E818}" presName="textNode" presStyleLbl="node1" presStyleIdx="0" presStyleCnt="6">
+        <dgm:presLayoutVars>
+          <dgm:bulletEnabled val="1"/>
+        </dgm:presLayoutVars>
+      </dgm:prSet>
+      <dgm:spPr/>
+    </dgm:pt>
+    <dgm:pt modelId="{65F3CCB6-45CF-43C0-9943-05EC8CCCD1D4}" type="pres">
+      <dgm:prSet presAssocID="{A03DBBB1-8EFC-4D6B-B004-EEB0E8B542DA}" presName="sibTrans" presStyleCnt="0"/>
+      <dgm:spPr/>
+    </dgm:pt>
+    <dgm:pt modelId="{3A35E088-BB8E-4D1B-A02D-166C92EDFCFA}" type="pres">
+      <dgm:prSet presAssocID="{5604A66B-D8EB-4080-AF10-18555A4408D1}" presName="textNode" presStyleLbl="node1" presStyleIdx="1" presStyleCnt="6">
+        <dgm:presLayoutVars>
+          <dgm:bulletEnabled val="1"/>
+        </dgm:presLayoutVars>
+      </dgm:prSet>
+      <dgm:spPr/>
+    </dgm:pt>
+    <dgm:pt modelId="{958738BB-8084-47EF-9069-FF255387C2E7}" type="pres">
+      <dgm:prSet presAssocID="{0A70B360-C839-4FA8-A4CA-B94A05C18172}" presName="sibTrans" presStyleCnt="0"/>
+      <dgm:spPr/>
+    </dgm:pt>
+    <dgm:pt modelId="{9C1DAC3F-FD53-4F9B-95F9-39D4A69AF5FA}" type="pres">
+      <dgm:prSet presAssocID="{033FA196-D399-41E9-B701-E1E8F15A27DF}" presName="textNode" presStyleLbl="node1" presStyleIdx="2" presStyleCnt="6">
+        <dgm:presLayoutVars>
+          <dgm:bulletEnabled val="1"/>
+        </dgm:presLayoutVars>
+      </dgm:prSet>
+      <dgm:spPr/>
+    </dgm:pt>
+    <dgm:pt modelId="{DCC6A584-C960-4424-AF68-69302278067F}" type="pres">
+      <dgm:prSet presAssocID="{44AEE0EF-B606-4250-85BB-D3DD5B84030F}" presName="sibTrans" presStyleCnt="0"/>
+      <dgm:spPr/>
+    </dgm:pt>
+    <dgm:pt modelId="{1FE91EF7-A279-44BD-A04C-A4A1538228B5}" type="pres">
+      <dgm:prSet presAssocID="{A2231D13-9892-4647-A340-948F9E635F3F}" presName="textNode" presStyleLbl="node1" presStyleIdx="3" presStyleCnt="6">
+        <dgm:presLayoutVars>
+          <dgm:bulletEnabled val="1"/>
+        </dgm:presLayoutVars>
+      </dgm:prSet>
+      <dgm:spPr/>
+    </dgm:pt>
+    <dgm:pt modelId="{29F6A122-29E4-4AC7-B5A7-D1BC38E5D24E}" type="pres">
+      <dgm:prSet presAssocID="{658850A3-A2D0-4764-8F44-2327F9628D8E}" presName="sibTrans" presStyleCnt="0"/>
+      <dgm:spPr/>
+    </dgm:pt>
+    <dgm:pt modelId="{1168554E-AC7C-458F-A981-F191BFFC548C}" type="pres">
+      <dgm:prSet presAssocID="{02D83235-B9E8-4C4F-A658-A273EF3C65CD}" presName="textNode" presStyleLbl="node1" presStyleIdx="4" presStyleCnt="6">
+        <dgm:presLayoutVars>
+          <dgm:bulletEnabled val="1"/>
+        </dgm:presLayoutVars>
+      </dgm:prSet>
+      <dgm:spPr/>
+    </dgm:pt>
+    <dgm:pt modelId="{041C9A3D-28A4-41AE-AC08-457E2CDA7A3A}" type="pres">
+      <dgm:prSet presAssocID="{C38DEA3D-3BD8-4CF7-826A-4F55AB6EA0B9}" presName="sibTrans" presStyleCnt="0"/>
+      <dgm:spPr/>
+    </dgm:pt>
+    <dgm:pt modelId="{75361385-C9E3-4303-9FA4-AFE3B317D60B}" type="pres">
+      <dgm:prSet presAssocID="{A737A7A5-523E-4CDB-94CC-32037395ECFC}" presName="textNode" presStyleLbl="node1" presStyleIdx="5" presStyleCnt="6">
+        <dgm:presLayoutVars>
+          <dgm:bulletEnabled val="1"/>
+        </dgm:presLayoutVars>
+      </dgm:prSet>
+      <dgm:spPr/>
+    </dgm:pt>
+  </dgm:ptLst>
+  <dgm:cxnLst>
+    <dgm:cxn modelId="{912CD92D-6F9B-45E0-AD83-11FEBDDDCD65}" type="presOf" srcId="{A2231D13-9892-4647-A340-948F9E635F3F}" destId="{1FE91EF7-A279-44BD-A04C-A4A1538228B5}" srcOrd="0" destOrd="0" presId="urn:microsoft.com/office/officeart/2005/8/layout/hProcess9"/>
+    <dgm:cxn modelId="{D5D0A55C-4E5F-431C-8C42-694C6A0BBD55}" type="presOf" srcId="{E09D69F1-83A1-4262-BF1E-582D2FE1E818}" destId="{8FD3C57E-B26D-418E-9791-99574964FEAA}" srcOrd="0" destOrd="0" presId="urn:microsoft.com/office/officeart/2005/8/layout/hProcess9"/>
+    <dgm:cxn modelId="{86EA5A51-F1EC-4C76-9178-72049953B888}" srcId="{54ED84A7-5BC0-47C8-AC2D-A5F818EA97D8}" destId="{033FA196-D399-41E9-B701-E1E8F15A27DF}" srcOrd="2" destOrd="0" parTransId="{A3F8E8FD-6C78-4333-B545-42702163C682}" sibTransId="{44AEE0EF-B606-4250-85BB-D3DD5B84030F}"/>
+    <dgm:cxn modelId="{60B3D954-9D57-4983-821D-AFB0BD0467D5}" srcId="{54ED84A7-5BC0-47C8-AC2D-A5F818EA97D8}" destId="{A2231D13-9892-4647-A340-948F9E635F3F}" srcOrd="3" destOrd="0" parTransId="{1F4D6E0F-CCA8-46EB-8E98-2D1DEC8FC197}" sibTransId="{658850A3-A2D0-4764-8F44-2327F9628D8E}"/>
+    <dgm:cxn modelId="{43726C77-8FEF-4BDF-B17F-0F2C02263398}" srcId="{54ED84A7-5BC0-47C8-AC2D-A5F818EA97D8}" destId="{A737A7A5-523E-4CDB-94CC-32037395ECFC}" srcOrd="5" destOrd="0" parTransId="{D0855ACC-4048-459D-B8DB-C13F814805DE}" sibTransId="{E8F9B60C-4821-46DD-AC35-BA2EBBD0C7B7}"/>
+    <dgm:cxn modelId="{560B9689-05D2-4DF6-8270-0B9016B6CC2C}" type="presOf" srcId="{54ED84A7-5BC0-47C8-AC2D-A5F818EA97D8}" destId="{CA1D5615-313E-4537-A64D-FAB114E23519}" srcOrd="0" destOrd="0" presId="urn:microsoft.com/office/officeart/2005/8/layout/hProcess9"/>
+    <dgm:cxn modelId="{DA7D5A93-9879-49BD-B9FC-CDFA9D73A3DD}" srcId="{54ED84A7-5BC0-47C8-AC2D-A5F818EA97D8}" destId="{02D83235-B9E8-4C4F-A658-A273EF3C65CD}" srcOrd="4" destOrd="0" parTransId="{A9F91AEE-9055-46B7-BDDE-0ED2C8120822}" sibTransId="{C38DEA3D-3BD8-4CF7-826A-4F55AB6EA0B9}"/>
+    <dgm:cxn modelId="{A58D2DAA-B95E-4B75-936E-FFD396EBAB2B}" type="presOf" srcId="{5604A66B-D8EB-4080-AF10-18555A4408D1}" destId="{3A35E088-BB8E-4D1B-A02D-166C92EDFCFA}" srcOrd="0" destOrd="0" presId="urn:microsoft.com/office/officeart/2005/8/layout/hProcess9"/>
+    <dgm:cxn modelId="{BC3247AB-EC64-4F55-AF41-EDB701E02953}" type="presOf" srcId="{A737A7A5-523E-4CDB-94CC-32037395ECFC}" destId="{75361385-C9E3-4303-9FA4-AFE3B317D60B}" srcOrd="0" destOrd="0" presId="urn:microsoft.com/office/officeart/2005/8/layout/hProcess9"/>
+    <dgm:cxn modelId="{A7632CCE-2C46-4F61-BA2B-A68175BF03E5}" type="presOf" srcId="{02D83235-B9E8-4C4F-A658-A273EF3C65CD}" destId="{1168554E-AC7C-458F-A981-F191BFFC548C}" srcOrd="0" destOrd="0" presId="urn:microsoft.com/office/officeart/2005/8/layout/hProcess9"/>
+    <dgm:cxn modelId="{48DA1BDF-A931-400A-BD0F-6A4235B57F83}" srcId="{54ED84A7-5BC0-47C8-AC2D-A5F818EA97D8}" destId="{E09D69F1-83A1-4262-BF1E-582D2FE1E818}" srcOrd="0" destOrd="0" parTransId="{56BEA9F5-5B5F-4859-B9A1-1515DE3DF445}" sibTransId="{A03DBBB1-8EFC-4D6B-B004-EEB0E8B542DA}"/>
+    <dgm:cxn modelId="{144C3DF7-09D4-409A-A646-14EEE5120354}" type="presOf" srcId="{033FA196-D399-41E9-B701-E1E8F15A27DF}" destId="{9C1DAC3F-FD53-4F9B-95F9-39D4A69AF5FA}" srcOrd="0" destOrd="0" presId="urn:microsoft.com/office/officeart/2005/8/layout/hProcess9"/>
+    <dgm:cxn modelId="{B73C6DF8-0CAD-471A-8642-F3DD074BCAA2}" srcId="{54ED84A7-5BC0-47C8-AC2D-A5F818EA97D8}" destId="{5604A66B-D8EB-4080-AF10-18555A4408D1}" srcOrd="1" destOrd="0" parTransId="{ECD3FEBE-4113-4A65-90F8-1F098F532A41}" sibTransId="{0A70B360-C839-4FA8-A4CA-B94A05C18172}"/>
+    <dgm:cxn modelId="{BD715CFD-ACB4-480E-A17A-27B4DA46E90A}" type="presParOf" srcId="{CA1D5615-313E-4537-A64D-FAB114E23519}" destId="{B11908C9-4E3A-41FC-ABF2-0739056ED29B}" srcOrd="0" destOrd="0" presId="urn:microsoft.com/office/officeart/2005/8/layout/hProcess9"/>
+    <dgm:cxn modelId="{AF921AFB-EF7D-4061-B607-0A76131CFCD7}" type="presParOf" srcId="{CA1D5615-313E-4537-A64D-FAB114E23519}" destId="{444983D7-CB36-4FAB-AE19-D4AA48F6EBF3}" srcOrd="1" destOrd="0" presId="urn:microsoft.com/office/officeart/2005/8/layout/hProcess9"/>
+    <dgm:cxn modelId="{AFFBAC12-DF40-4E3E-8315-260CAA375A7F}" type="presParOf" srcId="{444983D7-CB36-4FAB-AE19-D4AA48F6EBF3}" destId="{8FD3C57E-B26D-418E-9791-99574964FEAA}" srcOrd="0" destOrd="0" presId="urn:microsoft.com/office/officeart/2005/8/layout/hProcess9"/>
+    <dgm:cxn modelId="{D564CBD0-8845-441B-B807-4EFB1668941C}" type="presParOf" srcId="{444983D7-CB36-4FAB-AE19-D4AA48F6EBF3}" destId="{65F3CCB6-45CF-43C0-9943-05EC8CCCD1D4}" srcOrd="1" destOrd="0" presId="urn:microsoft.com/office/officeart/2005/8/layout/hProcess9"/>
+    <dgm:cxn modelId="{88FE4491-8A7F-41C7-AEFC-7AC94AAB017D}" type="presParOf" srcId="{444983D7-CB36-4FAB-AE19-D4AA48F6EBF3}" destId="{3A35E088-BB8E-4D1B-A02D-166C92EDFCFA}" srcOrd="2" destOrd="0" presId="urn:microsoft.com/office/officeart/2005/8/layout/hProcess9"/>
+    <dgm:cxn modelId="{88FA4EAE-10E7-4F97-859C-C95B49F7B278}" type="presParOf" srcId="{444983D7-CB36-4FAB-AE19-D4AA48F6EBF3}" destId="{958738BB-8084-47EF-9069-FF255387C2E7}" srcOrd="3" destOrd="0" presId="urn:microsoft.com/office/officeart/2005/8/layout/hProcess9"/>
+    <dgm:cxn modelId="{3372FFF7-CF17-47A1-9916-DA3A14DED5F0}" type="presParOf" srcId="{444983D7-CB36-4FAB-AE19-D4AA48F6EBF3}" destId="{9C1DAC3F-FD53-4F9B-95F9-39D4A69AF5FA}" srcOrd="4" destOrd="0" presId="urn:microsoft.com/office/officeart/2005/8/layout/hProcess9"/>
+    <dgm:cxn modelId="{543FAE43-B408-4FBC-AC38-1EF3F1E2AEDE}" type="presParOf" srcId="{444983D7-CB36-4FAB-AE19-D4AA48F6EBF3}" destId="{DCC6A584-C960-4424-AF68-69302278067F}" srcOrd="5" destOrd="0" presId="urn:microsoft.com/office/officeart/2005/8/layout/hProcess9"/>
+    <dgm:cxn modelId="{A1716077-6FDE-46E0-AF46-15C4AF276836}" type="presParOf" srcId="{444983D7-CB36-4FAB-AE19-D4AA48F6EBF3}" destId="{1FE91EF7-A279-44BD-A04C-A4A1538228B5}" srcOrd="6" destOrd="0" presId="urn:microsoft.com/office/officeart/2005/8/layout/hProcess9"/>
+    <dgm:cxn modelId="{50E9A4F7-8119-45B5-AAB7-4C682144534C}" type="presParOf" srcId="{444983D7-CB36-4FAB-AE19-D4AA48F6EBF3}" destId="{29F6A122-29E4-4AC7-B5A7-D1BC38E5D24E}" srcOrd="7" destOrd="0" presId="urn:microsoft.com/office/officeart/2005/8/layout/hProcess9"/>
+    <dgm:cxn modelId="{50D90E63-E4CC-47DC-875F-8E2488C72658}" type="presParOf" srcId="{444983D7-CB36-4FAB-AE19-D4AA48F6EBF3}" destId="{1168554E-AC7C-458F-A981-F191BFFC548C}" srcOrd="8" destOrd="0" presId="urn:microsoft.com/office/officeart/2005/8/layout/hProcess9"/>
+    <dgm:cxn modelId="{40DDF3C5-EFAD-4848-A145-17A623E19799}" type="presParOf" srcId="{444983D7-CB36-4FAB-AE19-D4AA48F6EBF3}" destId="{041C9A3D-28A4-41AE-AC08-457E2CDA7A3A}" srcOrd="9" destOrd="0" presId="urn:microsoft.com/office/officeart/2005/8/layout/hProcess9"/>
+    <dgm:cxn modelId="{14E5C8FB-FAB8-4FA6-9865-DE1829F8545D}" type="presParOf" srcId="{444983D7-CB36-4FAB-AE19-D4AA48F6EBF3}" destId="{75361385-C9E3-4303-9FA4-AFE3B317D60B}" srcOrd="10" destOrd="0" presId="urn:microsoft.com/office/officeart/2005/8/layout/hProcess9"/>
+  </dgm:cxnLst>
+  <dgm:bg/>
+  <dgm:whole/>
+  <dgm:extLst>
+    <a:ext uri="http://schemas.microsoft.com/office/drawing/2008/diagram">
+      <dsp:dataModelExt xmlns:dsp="http://schemas.microsoft.com/office/drawing/2008/diagram" relId="rId6" minVer="http://schemas.openxmlformats.org/drawingml/2006/diagram"/>
+    </a:ext>
+  </dgm:extLst>
+</dgm:dataModel>
+</file>
+
+<file path=ppt/diagrams/drawing1.xml><?xml version="1.0" encoding="utf-8"?>
+<dsp:drawing xmlns:dgm="http://schemas.openxmlformats.org/drawingml/2006/diagram" xmlns:dsp="http://schemas.microsoft.com/office/drawing/2008/diagram" xmlns:a="http://schemas.openxmlformats.org/drawingml/2006/main">
+  <dsp:spTree>
+    <dsp:nvGrpSpPr>
+      <dsp:cNvPr id="0" name=""/>
+      <dsp:cNvGrpSpPr/>
+    </dsp:nvGrpSpPr>
+    <dsp:grpSpPr/>
+    <dsp:sp modelId="{B11908C9-4E3A-41FC-ABF2-0739056ED29B}">
+      <dsp:nvSpPr>
+        <dsp:cNvPr id="0" name=""/>
+        <dsp:cNvSpPr/>
+      </dsp:nvSpPr>
+      <dsp:spPr>
+        <a:xfrm>
+          <a:off x="668812" y="0"/>
+          <a:ext cx="7579871" cy="3933597"/>
+        </a:xfrm>
+        <a:prstGeom prst="rightArrow">
+          <a:avLst/>
+        </a:prstGeom>
+        <a:solidFill>
+          <a:schemeClr val="accent2">
+            <a:tint val="40000"/>
+            <a:hueOff val="0"/>
+            <a:satOff val="0"/>
+            <a:lumOff val="0"/>
+            <a:alphaOff val="0"/>
+          </a:schemeClr>
+        </a:solidFill>
+        <a:ln>
+          <a:noFill/>
+        </a:ln>
+        <a:effectLst/>
+      </dsp:spPr>
+      <dsp:style>
+        <a:lnRef idx="0">
+          <a:scrgbClr r="0" g="0" b="0"/>
+        </a:lnRef>
+        <a:fillRef idx="1">
+          <a:scrgbClr r="0" g="0" b="0"/>
+        </a:fillRef>
+        <a:effectRef idx="0">
+          <a:scrgbClr r="0" g="0" b="0"/>
+        </a:effectRef>
+        <a:fontRef idx="minor"/>
+      </dsp:style>
+    </dsp:sp>
+    <dsp:sp modelId="{8FD3C57E-B26D-418E-9791-99574964FEAA}">
+      <dsp:nvSpPr>
+        <dsp:cNvPr id="0" name=""/>
+        <dsp:cNvSpPr/>
+      </dsp:nvSpPr>
+      <dsp:spPr>
+        <a:xfrm>
+          <a:off x="108" y="1180079"/>
+          <a:ext cx="1304967" cy="1573438"/>
+        </a:xfrm>
+        <a:prstGeom prst="roundRect">
+          <a:avLst/>
+        </a:prstGeom>
+        <a:solidFill>
+          <a:schemeClr val="accent2">
+            <a:hueOff val="0"/>
+            <a:satOff val="0"/>
+            <a:lumOff val="0"/>
+            <a:alphaOff val="0"/>
+          </a:schemeClr>
+        </a:solidFill>
+        <a:ln w="15875" cap="flat" cmpd="sng" algn="ctr">
+          <a:solidFill>
+            <a:schemeClr val="lt1">
+              <a:hueOff val="0"/>
+              <a:satOff val="0"/>
+              <a:lumOff val="0"/>
+              <a:alphaOff val="0"/>
+            </a:schemeClr>
+          </a:solidFill>
+          <a:prstDash val="solid"/>
+        </a:ln>
+        <a:effectLst/>
+      </dsp:spPr>
+      <dsp:style>
+        <a:lnRef idx="2">
+          <a:scrgbClr r="0" g="0" b="0"/>
+        </a:lnRef>
+        <a:fillRef idx="1">
+          <a:scrgbClr r="0" g="0" b="0"/>
+        </a:fillRef>
+        <a:effectRef idx="0">
+          <a:scrgbClr r="0" g="0" b="0"/>
+        </a:effectRef>
+        <a:fontRef idx="minor">
+          <a:schemeClr val="lt1"/>
+        </a:fontRef>
+      </dsp:style>
+      <dsp:txBody>
+        <a:bodyPr spcFirstLastPara="0" vert="horz" wrap="square" lIns="57150" tIns="57150" rIns="57150" bIns="57150" numCol="1" spcCol="1270" anchor="ctr" anchorCtr="0">
+          <a:noAutofit/>
+        </a:bodyPr>
+        <a:lstStyle/>
+        <a:p>
+          <a:pPr marL="0" lvl="0" indent="0" algn="ctr" defTabSz="666750">
+            <a:lnSpc>
+              <a:spcPct val="90000"/>
+            </a:lnSpc>
+            <a:spcBef>
+              <a:spcPct val="0"/>
+            </a:spcBef>
+            <a:spcAft>
+              <a:spcPct val="35000"/>
+            </a:spcAft>
+            <a:buNone/>
+          </a:pPr>
+          <a:r>
+            <a:rPr lang="en-AU" sz="1500" kern="1200" dirty="0"/>
+            <a:t>Business problem framing</a:t>
+          </a:r>
+        </a:p>
+      </dsp:txBody>
+      <dsp:txXfrm>
+        <a:off x="63811" y="1243782"/>
+        <a:ext cx="1177561" cy="1446032"/>
+      </dsp:txXfrm>
+    </dsp:sp>
+    <dsp:sp modelId="{3A35E088-BB8E-4D1B-A02D-166C92EDFCFA}">
+      <dsp:nvSpPr>
+        <dsp:cNvPr id="0" name=""/>
+        <dsp:cNvSpPr/>
+      </dsp:nvSpPr>
+      <dsp:spPr>
+        <a:xfrm>
+          <a:off x="1522571" y="1180079"/>
+          <a:ext cx="1304967" cy="1573438"/>
+        </a:xfrm>
+        <a:prstGeom prst="roundRect">
+          <a:avLst/>
+        </a:prstGeom>
+        <a:solidFill>
+          <a:schemeClr val="accent3">
+            <a:hueOff val="0"/>
+            <a:satOff val="0"/>
+            <a:lumOff val="0"/>
+            <a:alphaOff val="0"/>
+          </a:schemeClr>
+        </a:solidFill>
+        <a:ln w="15875" cap="flat" cmpd="sng" algn="ctr">
+          <a:solidFill>
+            <a:schemeClr val="lt1">
+              <a:hueOff val="0"/>
+              <a:satOff val="0"/>
+              <a:lumOff val="0"/>
+              <a:alphaOff val="0"/>
+            </a:schemeClr>
+          </a:solidFill>
+          <a:prstDash val="solid"/>
+        </a:ln>
+        <a:effectLst/>
+      </dsp:spPr>
+      <dsp:style>
+        <a:lnRef idx="2">
+          <a:scrgbClr r="0" g="0" b="0"/>
+        </a:lnRef>
+        <a:fillRef idx="1">
+          <a:scrgbClr r="0" g="0" b="0"/>
+        </a:fillRef>
+        <a:effectRef idx="0">
+          <a:scrgbClr r="0" g="0" b="0"/>
+        </a:effectRef>
+        <a:fontRef idx="minor">
+          <a:schemeClr val="lt1"/>
+        </a:fontRef>
+      </dsp:style>
+      <dsp:txBody>
+        <a:bodyPr spcFirstLastPara="0" vert="horz" wrap="square" lIns="57150" tIns="57150" rIns="57150" bIns="57150" numCol="1" spcCol="1270" anchor="ctr" anchorCtr="0">
+          <a:noAutofit/>
+        </a:bodyPr>
+        <a:lstStyle/>
+        <a:p>
+          <a:pPr marL="0" lvl="0" indent="0" algn="ctr" defTabSz="666750">
+            <a:lnSpc>
+              <a:spcPct val="90000"/>
+            </a:lnSpc>
+            <a:spcBef>
+              <a:spcPct val="0"/>
+            </a:spcBef>
+            <a:spcAft>
+              <a:spcPct val="35000"/>
+            </a:spcAft>
+            <a:buNone/>
+          </a:pPr>
+          <a:r>
+            <a:rPr lang="en-AU" sz="1500" kern="1200" dirty="0"/>
+            <a:t>Data Sourcing &amp; understanding</a:t>
+          </a:r>
+        </a:p>
+      </dsp:txBody>
+      <dsp:txXfrm>
+        <a:off x="1586274" y="1243782"/>
+        <a:ext cx="1177561" cy="1446032"/>
+      </dsp:txXfrm>
+    </dsp:sp>
+    <dsp:sp modelId="{9C1DAC3F-FD53-4F9B-95F9-39D4A69AF5FA}">
+      <dsp:nvSpPr>
+        <dsp:cNvPr id="0" name=""/>
+        <dsp:cNvSpPr/>
+      </dsp:nvSpPr>
+      <dsp:spPr>
+        <a:xfrm>
+          <a:off x="3045033" y="1180079"/>
+          <a:ext cx="1304967" cy="1573438"/>
+        </a:xfrm>
+        <a:prstGeom prst="roundRect">
+          <a:avLst/>
+        </a:prstGeom>
+        <a:solidFill>
+          <a:schemeClr val="accent4">
+            <a:hueOff val="0"/>
+            <a:satOff val="0"/>
+            <a:lumOff val="0"/>
+            <a:alphaOff val="0"/>
+          </a:schemeClr>
+        </a:solidFill>
+        <a:ln w="15875" cap="flat" cmpd="sng" algn="ctr">
+          <a:solidFill>
+            <a:schemeClr val="lt1">
+              <a:hueOff val="0"/>
+              <a:satOff val="0"/>
+              <a:lumOff val="0"/>
+              <a:alphaOff val="0"/>
+            </a:schemeClr>
+          </a:solidFill>
+          <a:prstDash val="solid"/>
+        </a:ln>
+        <a:effectLst/>
+      </dsp:spPr>
+      <dsp:style>
+        <a:lnRef idx="2">
+          <a:scrgbClr r="0" g="0" b="0"/>
+        </a:lnRef>
+        <a:fillRef idx="1">
+          <a:scrgbClr r="0" g="0" b="0"/>
+        </a:fillRef>
+        <a:effectRef idx="0">
+          <a:scrgbClr r="0" g="0" b="0"/>
+        </a:effectRef>
+        <a:fontRef idx="minor">
+          <a:schemeClr val="lt1"/>
+        </a:fontRef>
+      </dsp:style>
+      <dsp:txBody>
+        <a:bodyPr spcFirstLastPara="0" vert="horz" wrap="square" lIns="57150" tIns="57150" rIns="57150" bIns="57150" numCol="1" spcCol="1270" anchor="ctr" anchorCtr="0">
+          <a:noAutofit/>
+        </a:bodyPr>
+        <a:lstStyle/>
+        <a:p>
+          <a:pPr marL="0" lvl="0" indent="0" algn="ctr" defTabSz="666750">
+            <a:lnSpc>
+              <a:spcPct val="90000"/>
+            </a:lnSpc>
+            <a:spcBef>
+              <a:spcPct val="0"/>
+            </a:spcBef>
+            <a:spcAft>
+              <a:spcPct val="35000"/>
+            </a:spcAft>
+            <a:buNone/>
+          </a:pPr>
+          <a:r>
+            <a:rPr lang="en-AU" sz="1500" kern="1200" dirty="0"/>
+            <a:t>Data cleaning &amp; handling</a:t>
+          </a:r>
+        </a:p>
+      </dsp:txBody>
+      <dsp:txXfrm>
+        <a:off x="3108736" y="1243782"/>
+        <a:ext cx="1177561" cy="1446032"/>
+      </dsp:txXfrm>
+    </dsp:sp>
+    <dsp:sp modelId="{1FE91EF7-A279-44BD-A04C-A4A1538228B5}">
+      <dsp:nvSpPr>
+        <dsp:cNvPr id="0" name=""/>
+        <dsp:cNvSpPr/>
+      </dsp:nvSpPr>
+      <dsp:spPr>
+        <a:xfrm>
+          <a:off x="4567495" y="1180079"/>
+          <a:ext cx="1304967" cy="1573438"/>
+        </a:xfrm>
+        <a:prstGeom prst="roundRect">
+          <a:avLst/>
+        </a:prstGeom>
+        <a:solidFill>
+          <a:schemeClr val="accent5">
+            <a:hueOff val="0"/>
+            <a:satOff val="0"/>
+            <a:lumOff val="0"/>
+            <a:alphaOff val="0"/>
+          </a:schemeClr>
+        </a:solidFill>
+        <a:ln w="15875" cap="flat" cmpd="sng" algn="ctr">
+          <a:solidFill>
+            <a:schemeClr val="lt1">
+              <a:hueOff val="0"/>
+              <a:satOff val="0"/>
+              <a:lumOff val="0"/>
+              <a:alphaOff val="0"/>
+            </a:schemeClr>
+          </a:solidFill>
+          <a:prstDash val="solid"/>
+        </a:ln>
+        <a:effectLst/>
+      </dsp:spPr>
+      <dsp:style>
+        <a:lnRef idx="2">
+          <a:scrgbClr r="0" g="0" b="0"/>
+        </a:lnRef>
+        <a:fillRef idx="1">
+          <a:scrgbClr r="0" g="0" b="0"/>
+        </a:fillRef>
+        <a:effectRef idx="0">
+          <a:scrgbClr r="0" g="0" b="0"/>
+        </a:effectRef>
+        <a:fontRef idx="minor">
+          <a:schemeClr val="lt1"/>
+        </a:fontRef>
+      </dsp:style>
+      <dsp:txBody>
+        <a:bodyPr spcFirstLastPara="0" vert="horz" wrap="square" lIns="57150" tIns="57150" rIns="57150" bIns="57150" numCol="1" spcCol="1270" anchor="ctr" anchorCtr="0">
+          <a:noAutofit/>
+        </a:bodyPr>
+        <a:lstStyle/>
+        <a:p>
+          <a:pPr marL="0" lvl="0" indent="0" algn="ctr" defTabSz="666750">
+            <a:lnSpc>
+              <a:spcPct val="90000"/>
+            </a:lnSpc>
+            <a:spcBef>
+              <a:spcPct val="0"/>
+            </a:spcBef>
+            <a:spcAft>
+              <a:spcPct val="35000"/>
+            </a:spcAft>
+            <a:buNone/>
+          </a:pPr>
+          <a:r>
+            <a:rPr lang="en-AU" sz="1500" kern="1200" dirty="0"/>
+            <a:t>Exploratory</a:t>
+          </a:r>
+        </a:p>
+        <a:p>
+          <a:pPr marL="0" lvl="0" indent="0" algn="ctr" defTabSz="666750">
+            <a:lnSpc>
+              <a:spcPct val="90000"/>
+            </a:lnSpc>
+            <a:spcBef>
+              <a:spcPct val="0"/>
+            </a:spcBef>
+            <a:spcAft>
+              <a:spcPct val="35000"/>
+            </a:spcAft>
+            <a:buNone/>
+          </a:pPr>
+          <a:r>
+            <a:rPr lang="en-AU" sz="1500" kern="1200" dirty="0"/>
+            <a:t>Analysis - univariates </a:t>
+          </a:r>
+        </a:p>
+      </dsp:txBody>
+      <dsp:txXfrm>
+        <a:off x="4631198" y="1243782"/>
+        <a:ext cx="1177561" cy="1446032"/>
+      </dsp:txXfrm>
+    </dsp:sp>
+    <dsp:sp modelId="{1168554E-AC7C-458F-A981-F191BFFC548C}">
+      <dsp:nvSpPr>
+        <dsp:cNvPr id="0" name=""/>
+        <dsp:cNvSpPr/>
+      </dsp:nvSpPr>
+      <dsp:spPr>
+        <a:xfrm>
+          <a:off x="6089957" y="1180079"/>
+          <a:ext cx="1304967" cy="1573438"/>
+        </a:xfrm>
+        <a:prstGeom prst="roundRect">
+          <a:avLst/>
+        </a:prstGeom>
+        <a:solidFill>
+          <a:schemeClr val="accent6">
+            <a:hueOff val="0"/>
+            <a:satOff val="0"/>
+            <a:lumOff val="0"/>
+            <a:alphaOff val="0"/>
+          </a:schemeClr>
+        </a:solidFill>
+        <a:ln w="15875" cap="flat" cmpd="sng" algn="ctr">
+          <a:solidFill>
+            <a:schemeClr val="lt1">
+              <a:hueOff val="0"/>
+              <a:satOff val="0"/>
+              <a:lumOff val="0"/>
+              <a:alphaOff val="0"/>
+            </a:schemeClr>
+          </a:solidFill>
+          <a:prstDash val="solid"/>
+        </a:ln>
+        <a:effectLst/>
+      </dsp:spPr>
+      <dsp:style>
+        <a:lnRef idx="2">
+          <a:scrgbClr r="0" g="0" b="0"/>
+        </a:lnRef>
+        <a:fillRef idx="1">
+          <a:scrgbClr r="0" g="0" b="0"/>
+        </a:fillRef>
+        <a:effectRef idx="0">
+          <a:scrgbClr r="0" g="0" b="0"/>
+        </a:effectRef>
+        <a:fontRef idx="minor">
+          <a:schemeClr val="lt1"/>
+        </a:fontRef>
+      </dsp:style>
+      <dsp:txBody>
+        <a:bodyPr spcFirstLastPara="0" vert="horz" wrap="square" lIns="57150" tIns="57150" rIns="57150" bIns="57150" numCol="1" spcCol="1270" anchor="ctr" anchorCtr="0">
+          <a:noAutofit/>
+        </a:bodyPr>
+        <a:lstStyle/>
+        <a:p>
+          <a:pPr marL="0" lvl="0" indent="0" algn="ctr" defTabSz="666750">
+            <a:lnSpc>
+              <a:spcPct val="90000"/>
+            </a:lnSpc>
+            <a:spcBef>
+              <a:spcPct val="0"/>
+            </a:spcBef>
+            <a:spcAft>
+              <a:spcPct val="35000"/>
+            </a:spcAft>
+            <a:buNone/>
+          </a:pPr>
+          <a:r>
+            <a:rPr lang="en-AU" sz="1500" kern="1200" dirty="0"/>
+            <a:t>Exploratory analysis of Target variable relationships</a:t>
+          </a:r>
+        </a:p>
+      </dsp:txBody>
+      <dsp:txXfrm>
+        <a:off x="6153660" y="1243782"/>
+        <a:ext cx="1177561" cy="1446032"/>
+      </dsp:txXfrm>
+    </dsp:sp>
+    <dsp:sp modelId="{75361385-C9E3-4303-9FA4-AFE3B317D60B}">
+      <dsp:nvSpPr>
+        <dsp:cNvPr id="0" name=""/>
+        <dsp:cNvSpPr/>
+      </dsp:nvSpPr>
+      <dsp:spPr>
+        <a:xfrm>
+          <a:off x="7612419" y="1180079"/>
+          <a:ext cx="1304967" cy="1573438"/>
+        </a:xfrm>
+        <a:prstGeom prst="roundRect">
+          <a:avLst/>
+        </a:prstGeom>
+        <a:solidFill>
+          <a:schemeClr val="accent2">
+            <a:hueOff val="0"/>
+            <a:satOff val="0"/>
+            <a:lumOff val="0"/>
+            <a:alphaOff val="0"/>
+          </a:schemeClr>
+        </a:solidFill>
+        <a:ln w="15875" cap="flat" cmpd="sng" algn="ctr">
+          <a:solidFill>
+            <a:schemeClr val="lt1">
+              <a:hueOff val="0"/>
+              <a:satOff val="0"/>
+              <a:lumOff val="0"/>
+              <a:alphaOff val="0"/>
+            </a:schemeClr>
+          </a:solidFill>
+          <a:prstDash val="solid"/>
+        </a:ln>
+        <a:effectLst/>
+      </dsp:spPr>
+      <dsp:style>
+        <a:lnRef idx="2">
+          <a:scrgbClr r="0" g="0" b="0"/>
+        </a:lnRef>
+        <a:fillRef idx="1">
+          <a:scrgbClr r="0" g="0" b="0"/>
+        </a:fillRef>
+        <a:effectRef idx="0">
+          <a:scrgbClr r="0" g="0" b="0"/>
+        </a:effectRef>
+        <a:fontRef idx="minor">
+          <a:schemeClr val="lt1"/>
+        </a:fontRef>
+      </dsp:style>
+      <dsp:txBody>
+        <a:bodyPr spcFirstLastPara="0" vert="horz" wrap="square" lIns="57150" tIns="57150" rIns="57150" bIns="57150" numCol="1" spcCol="1270" anchor="ctr" anchorCtr="0">
+          <a:noAutofit/>
+        </a:bodyPr>
+        <a:lstStyle/>
+        <a:p>
+          <a:pPr marL="0" lvl="0" indent="0" algn="ctr" defTabSz="666750">
+            <a:lnSpc>
+              <a:spcPct val="90000"/>
+            </a:lnSpc>
+            <a:spcBef>
+              <a:spcPct val="0"/>
+            </a:spcBef>
+            <a:spcAft>
+              <a:spcPct val="35000"/>
+            </a:spcAft>
+            <a:buNone/>
+          </a:pPr>
+          <a:r>
+            <a:rPr lang="en-AU" sz="1500" kern="1200" dirty="0"/>
+            <a:t>Summary of findings, insights &amp; recommendations</a:t>
+          </a:r>
+        </a:p>
+      </dsp:txBody>
+      <dsp:txXfrm>
+        <a:off x="7676122" y="1243782"/>
+        <a:ext cx="1177561" cy="1446032"/>
+      </dsp:txXfrm>
+    </dsp:sp>
+  </dsp:spTree>
+</dsp:drawing>
+</file>
+
+<file path=ppt/diagrams/layout1.xml><?xml version="1.0" encoding="utf-8"?>
+<dgm:layoutDef xmlns:dgm="http://schemas.openxmlformats.org/drawingml/2006/diagram" xmlns:a="http://schemas.openxmlformats.org/drawingml/2006/main" uniqueId="urn:microsoft.com/office/officeart/2005/8/layout/hProcess9">
+  <dgm:title val=""/>
+  <dgm:desc val=""/>
+  <dgm:catLst>
+    <dgm:cat type="process" pri="5000"/>
+    <dgm:cat type="convert" pri="13000"/>
+  </dgm:catLst>
+  <dgm:sampData useDef="1">
+    <dgm:dataModel>
+      <dgm:ptLst/>
+      <dgm:bg/>
+      <dgm:whole/>
+    </dgm:dataModel>
+  </dgm:sampData>
+  <dgm:styleData>
+    <dgm:dataModel>
+      <dgm:ptLst>
+        <dgm:pt modelId="0" type="doc"/>
+        <dgm:pt modelId="1"/>
+        <dgm:pt modelId="2"/>
+      </dgm:ptLst>
+      <dgm:cxnLst>
+        <dgm:cxn modelId="3" srcId="0" destId="1" srcOrd="0" destOrd="0"/>
+        <dgm:cxn modelId="4" srcId="0" destId="2" srcOrd="1" destOrd="0"/>
+      </dgm:cxnLst>
+      <dgm:bg/>
+      <dgm:whole/>
+    </dgm:dataModel>
+  </dgm:styleData>
+  <dgm:clrData>
+    <dgm:dataModel>
+      <dgm:ptLst>
+        <dgm:pt modelId="0" type="doc"/>
+        <dgm:pt modelId="1"/>
+        <dgm:pt modelId="2"/>
+        <dgm:pt modelId="3"/>
+        <dgm:pt modelId="4"/>
+      </dgm:ptLst>
+      <dgm:cxnLst>
+        <dgm:cxn modelId="5" srcId="0" destId="1" srcOrd="0" destOrd="0"/>
+        <dgm:cxn modelId="6" srcId="0" destId="2" srcOrd="1" destOrd="0"/>
+        <dgm:cxn modelId="7" srcId="0" destId="3" srcOrd="2" destOrd="0"/>
+        <dgm:cxn modelId="8" srcId="0" destId="4" srcOrd="3" destOrd="0"/>
+      </dgm:cxnLst>
+      <dgm:bg/>
+      <dgm:whole/>
+    </dgm:dataModel>
+  </dgm:clrData>
+  <dgm:layoutNode name="CompostProcess">
+    <dgm:varLst>
+      <dgm:dir/>
+      <dgm:resizeHandles val="exact"/>
+    </dgm:varLst>
+    <dgm:alg type="composite">
+      <dgm:param type="horzAlign" val="ctr"/>
+      <dgm:param type="vertAlign" val="mid"/>
+    </dgm:alg>
+    <dgm:shape xmlns:r="http://schemas.openxmlformats.org/officeDocument/2006/relationships" r:blip="">
+      <dgm:adjLst/>
+    </dgm:shape>
+    <dgm:presOf/>
+    <dgm:constrLst>
+      <dgm:constr type="w" for="ch" forName="arrow" refType="w" fact="0.85"/>
+      <dgm:constr type="h" for="ch" forName="arrow" refType="h"/>
+      <dgm:constr type="ctrX" for="ch" forName="arrow" refType="w" fact="0.5"/>
+      <dgm:constr type="ctrY" for="ch" forName="arrow" refType="h" fact="0.5"/>
+      <dgm:constr type="w" for="ch" forName="linearProcess" refType="w"/>
+      <dgm:constr type="h" for="ch" forName="linearProcess" refType="h" fact="0.4"/>
+      <dgm:constr type="ctrX" for="ch" forName="linearProcess" refType="w" fact="0.5"/>
+      <dgm:constr type="ctrY" for="ch" forName="linearProcess" refType="h" fact="0.5"/>
+    </dgm:constrLst>
+    <dgm:ruleLst/>
+    <dgm:layoutNode name="arrow" styleLbl="bgShp">
+      <dgm:alg type="sp"/>
+      <dgm:choose name="Name0">
+        <dgm:if name="Name1" func="var" arg="dir" op="equ" val="norm">
+          <dgm:shape xmlns:r="http://schemas.openxmlformats.org/officeDocument/2006/relationships" type="rightArrow" r:blip="">
+            <dgm:adjLst/>
+          </dgm:shape>
+        </dgm:if>
+        <dgm:else name="Name2">
+          <dgm:shape xmlns:r="http://schemas.openxmlformats.org/officeDocument/2006/relationships" type="leftArrow" r:blip="">
+            <dgm:adjLst/>
+          </dgm:shape>
+        </dgm:else>
+      </dgm:choose>
+      <dgm:presOf/>
+      <dgm:constrLst/>
+      <dgm:ruleLst/>
+    </dgm:layoutNode>
+    <dgm:layoutNode name="linearProcess">
+      <dgm:choose name="Name3">
+        <dgm:if name="Name4" func="var" arg="dir" op="equ" val="norm">
+          <dgm:alg type="lin"/>
+        </dgm:if>
+        <dgm:else name="Name5">
+          <dgm:alg type="lin">
+            <dgm:param type="linDir" val="fromR"/>
+          </dgm:alg>
+        </dgm:else>
+      </dgm:choose>
+      <dgm:shape xmlns:r="http://schemas.openxmlformats.org/officeDocument/2006/relationships" r:blip="">
+        <dgm:adjLst/>
+      </dgm:shape>
+      <dgm:presOf/>
+      <dgm:constrLst>
+        <dgm:constr type="userA" for="ch" ptType="node" refType="w"/>
+        <dgm:constr type="h" for="ch" ptType="node" refType="h"/>
+        <dgm:constr type="w" for="ch" ptType="node" op="equ"/>
+        <dgm:constr type="w" for="ch" forName="sibTrans" refType="w" fact="0.05"/>
+        <dgm:constr type="primFontSz" for="ch" ptType="node" op="equ" val="65"/>
+      </dgm:constrLst>
+      <dgm:ruleLst/>
+      <dgm:forEach name="Name6" axis="ch" ptType="node">
+        <dgm:layoutNode name="textNode" styleLbl="node1">
+          <dgm:varLst>
+            <dgm:bulletEnabled val="1"/>
+          </dgm:varLst>
+          <dgm:alg type="tx"/>
+          <dgm:shape xmlns:r="http://schemas.openxmlformats.org/officeDocument/2006/relationships" type="roundRect" r:blip="">
+            <dgm:adjLst/>
+          </dgm:shape>
+          <dgm:presOf axis="desOrSelf" ptType="node"/>
+          <dgm:constrLst>
+            <dgm:constr type="userA"/>
+            <dgm:constr type="w" refType="userA" fact="0.3"/>
+            <dgm:constr type="tMarg" refType="primFontSz" fact="0.3"/>
+            <dgm:constr type="bMarg" refType="primFontSz" fact="0.3"/>
+            <dgm:constr type="lMarg" refType="primFontSz" fact="0.3"/>
+            <dgm:constr type="rMarg" refType="primFontSz" fact="0.3"/>
+          </dgm:constrLst>
+          <dgm:ruleLst>
+            <dgm:rule type="w" val="NaN" fact="1" max="NaN"/>
+            <dgm:rule type="primFontSz" val="5" fact="NaN" max="NaN"/>
+          </dgm:ruleLst>
+        </dgm:layoutNode>
+        <dgm:forEach name="Name7" axis="followSib" ptType="sibTrans" cnt="1">
+          <dgm:layoutNode name="sibTrans">
+            <dgm:alg type="sp"/>
+            <dgm:shape xmlns:r="http://schemas.openxmlformats.org/officeDocument/2006/relationships" r:blip="">
+              <dgm:adjLst/>
+            </dgm:shape>
+            <dgm:presOf/>
+            <dgm:constrLst/>
+            <dgm:ruleLst/>
+          </dgm:layoutNode>
+        </dgm:forEach>
+      </dgm:forEach>
+    </dgm:layoutNode>
+  </dgm:layoutNode>
+</dgm:layoutDef>
+</file>
+
+<file path=ppt/diagrams/quickStyle1.xml><?xml version="1.0" encoding="utf-8"?>
+<dgm:styleDef xmlns:dgm="http://schemas.openxmlformats.org/drawingml/2006/diagram" xmlns:a="http://schemas.openxmlformats.org/drawingml/2006/main" uniqueId="urn:microsoft.com/office/officeart/2005/8/quickstyle/simple1">
+  <dgm:title val=""/>
+  <dgm:desc val=""/>
+  <dgm:catLst>
+    <dgm:cat type="simple" pri="10100"/>
+  </dgm:catLst>
+  <dgm:scene3d>
+    <a:camera prst="orthographicFront"/>
+    <a:lightRig rig="threePt" dir="t"/>
+  </dgm:scene3d>
+  <dgm:styleLbl name="node0">
+    <dgm:scene3d>
+      <a:camera prst="orthographicFront"/>
+      <a:lightRig rig="threePt" dir="t"/>
+    </dgm:scene3d>
+    <dgm:sp3d/>
+    <dgm:txPr/>
+    <dgm:style>
+      <a:lnRef idx="2">
+        <a:scrgbClr r="0" g="0" b="0"/>
+      </a:lnRef>
+      <a:fillRef idx="1">
+        <a:scrgbClr r="0" g="0" b="0"/>
+      </a:fillRef>
+      <a:effectRef idx="0">
+        <a:scrgbClr r="0" g="0" b="0"/>
+      </a:effectRef>
+      <a:fontRef idx="minor">
+        <a:schemeClr val="lt1"/>
+      </a:fontRef>
+    </dgm:style>
+  </dgm:styleLbl>
+  <dgm:styleLbl name="lnNode1">
+    <dgm:scene3d>
+      <a:camera prst="orthographicFront"/>
+      <a:lightRig rig="threePt" dir="t"/>
+    </dgm:scene3d>
+    <dgm:sp3d/>
+    <dgm:txPr/>
+    <dgm:style>
+      <a:lnRef idx="2">
+        <a:scrgbClr r="0" g="0" b="0"/>
+      </a:lnRef>
+      <a:fillRef idx="1">
+        <a:scrgbClr r="0" g="0" b="0"/>
+      </a:fillRef>
+      <a:effectRef idx="0">
+        <a:scrgbClr r="0" g="0" b="0"/>
+      </a:effectRef>
+      <a:fontRef idx="minor">
+        <a:schemeClr val="lt1"/>
+      </a:fontRef>
+    </dgm:style>
+  </dgm:styleLbl>
+  <dgm:styleLbl name="vennNode1">
+    <dgm:scene3d>
+      <a:camera prst="orthographicFront"/>
+      <a:lightRig rig="threePt" dir="t"/>
+    </dgm:scene3d>
+    <dgm:sp3d/>
+    <dgm:txPr/>
+    <dgm:style>
+      <a:lnRef idx="2">
+        <a:scrgbClr r="0" g="0" b="0"/>
+      </a:lnRef>
+      <a:fillRef idx="1">
+        <a:scrgbClr r="0" g="0" b="0"/>
+      </a:fillRef>
+      <a:effectRef idx="0">
+        <a:scrgbClr r="0" g="0" b="0"/>
+      </a:effectRef>
+      <a:fontRef idx="minor">
+        <a:schemeClr val="tx1"/>
+      </a:fontRef>
+    </dgm:style>
+  </dgm:styleLbl>
+  <dgm:styleLbl name="alignNode1">
+    <dgm:scene3d>
+      <a:camera prst="orthographicFront"/>
+      <a:lightRig rig="threePt" dir="t"/>
+    </dgm:scene3d>
+    <dgm:sp3d/>
+    <dgm:txPr/>
+    <dgm:style>
+      <a:lnRef idx="2">
+        <a:scrgbClr r="0" g="0" b="0"/>
+      </a:lnRef>
+      <a:fillRef idx="1">
+        <a:scrgbClr r="0" g="0" b="0"/>
+      </a:fillRef>
+      <a:effectRef idx="0">
+        <a:scrgbClr r="0" g="0" b="0"/>
+      </a:effectRef>
+      <a:fontRef idx="minor">
+        <a:schemeClr val="lt1"/>
+      </a:fontRef>
+    </dgm:style>
+  </dgm:styleLbl>
+  <dgm:styleLbl name="node1">
+    <dgm:scene3d>
+      <a:camera prst="orthographicFront"/>
+      <a:lightRig rig="threePt" dir="t"/>
+    </dgm:scene3d>
+    <dgm:sp3d/>
+    <dgm:txPr/>
+    <dgm:style>
+      <a:lnRef idx="2">
+        <a:scrgbClr r="0" g="0" b="0"/>
+      </a:lnRef>
+      <a:fillRef idx="1">
+        <a:scrgbClr r="0" g="0" b="0"/>
+      </a:fillRef>
+      <a:effectRef idx="0">
+        <a:scrgbClr r="0" g="0" b="0"/>
+      </a:effectRef>
+      <a:fontRef idx="minor">
+        <a:schemeClr val="lt1"/>
+      </a:fontRef>
+    </dgm:style>
+  </dgm:styleLbl>
+  <dgm:styleLbl name="node2">
+    <dgm:scene3d>
+      <a:camera prst="orthographicFront"/>
+      <a:lightRig rig="threePt" dir="t"/>
+    </dgm:scene3d>
+    <dgm:sp3d/>
+    <dgm:txPr/>
+    <dgm:style>
+      <a:lnRef idx="2">
+        <a:scrgbClr r="0" g="0" b="0"/>
+      </a:lnRef>
+      <a:fillRef idx="1">
+        <a:scrgbClr r="0" g="0" b="0"/>
+      </a:fillRef>
+      <a:effectRef idx="0">
+        <a:scrgbClr r="0" g="0" b="0"/>
+      </a:effectRef>
+      <a:fontRef idx="minor">
+        <a:schemeClr val="lt1"/>
+      </a:fontRef>
+    </dgm:style>
+  </dgm:styleLbl>
+  <dgm:styleLbl name="node3">
+    <dgm:scene3d>
+      <a:camera prst="orthographicFront"/>
+      <a:lightRig rig="threePt" dir="t"/>
+    </dgm:scene3d>
+    <dgm:sp3d/>
+    <dgm:txPr/>
+    <dgm:style>
+      <a:lnRef idx="2">
+        <a:scrgbClr r="0" g="0" b="0"/>
+      </a:lnRef>
+      <a:fillRef idx="1">
+        <a:scrgbClr r="0" g="0" b="0"/>
+      </a:fillRef>
+      <a:effectRef idx="0">
+        <a:scrgbClr r="0" g="0" b="0"/>
+      </a:effectRef>
+      <a:fontRef idx="minor">
+        <a:schemeClr val="lt1"/>
+      </a:fontRef>
+    </dgm:style>
+  </dgm:styleLbl>
+  <dgm:styleLbl name="node4">
+    <dgm:scene3d>
+      <a:camera prst="orthographicFront"/>
+      <a:lightRig rig="threePt" dir="t"/>
+    </dgm:scene3d>
+    <dgm:sp3d/>
+    <dgm:txPr/>
+    <dgm:style>
+      <a:lnRef idx="2">
+        <a:scrgbClr r="0" g="0" b="0"/>
+      </a:lnRef>
+      <a:fillRef idx="1">
+        <a:scrgbClr r="0" g="0" b="0"/>
+      </a:fillRef>
+      <a:effectRef idx="0">
+        <a:scrgbClr r="0" g="0" b="0"/>
+      </a:effectRef>
+      <a:fontRef idx="minor">
+        <a:schemeClr val="lt1"/>
+      </a:fontRef>
+    </dgm:style>
+  </dgm:styleLbl>
+  <dgm:styleLbl name="fgImgPlace1">
+    <dgm:scene3d>
+      <a:camera prst="orthographicFront"/>
+      <a:lightRig rig="threePt" dir="t"/>
+    </dgm:scene3d>
+    <dgm:sp3d/>
+    <dgm:txPr/>
+    <dgm:style>
+      <a:lnRef idx="2">
+        <a:scrgbClr r="0" g="0" b="0"/>
+      </a:lnRef>
+      <a:fillRef idx="1">
+        <a:scrgbClr r="0" g="0" b="0"/>
+      </a:fillRef>
+      <a:effectRef idx="0">
+        <a:scrgbClr r="0" g="0" b="0"/>
+      </a:effectRef>
+      <a:fontRef idx="minor"/>
+    </dgm:style>
+  </dgm:styleLbl>
+  <dgm:styleLbl name="alignImgPlace1">
+    <dgm:scene3d>
+      <a:camera prst="orthographicFront"/>
+      <a:lightRig rig="threePt" dir="t"/>
+    </dgm:scene3d>
+    <dgm:sp3d/>
+    <dgm:txPr/>
+    <dgm:style>
+      <a:lnRef idx="2">
+        <a:scrgbClr r="0" g="0" b="0"/>
+      </a:lnRef>
+      <a:fillRef idx="1">
+        <a:scrgbClr r="0" g="0" b="0"/>
+      </a:fillRef>
+      <a:effectRef idx="0">
+        <a:scrgbClr r="0" g="0" b="0"/>
+      </a:effectRef>
+      <a:fontRef idx="minor"/>
+    </dgm:style>
+  </dgm:styleLbl>
+  <dgm:styleLbl name="bgImgPlace1">
+    <dgm:scene3d>
+      <a:camera prst="orthographicFront"/>
+      <a:lightRig rig="threePt" dir="t"/>
+    </dgm:scene3d>
+    <dgm:sp3d/>
+    <dgm:txPr/>
+    <dgm:style>
+      <a:lnRef idx="2">
+        <a:scrgbClr r="0" g="0" b="0"/>
+      </a:lnRef>
+      <a:fillRef idx="1">
+        <a:scrgbClr r="0" g="0" b="0"/>
+      </a:fillRef>
+      <a:effectRef idx="0">
+        <a:scrgbClr r="0" g="0" b="0"/>
+      </a:effectRef>
+      <a:fontRef idx="minor"/>
+    </dgm:style>
+  </dgm:styleLbl>
+  <dgm:styleLbl name="sibTrans2D1">
+    <dgm:scene3d>
+      <a:camera prst="orthographicFront"/>
+      <a:lightRig rig="threePt" dir="t"/>
+    </dgm:scene3d>
+    <dgm:sp3d/>
+    <dgm:txPr/>
+    <dgm:style>
+      <a:lnRef idx="0">
+        <a:scrgbClr r="0" g="0" b="0"/>
+      </a:lnRef>
+      <a:fillRef idx="1">
+        <a:scrgbClr r="0" g="0" b="0"/>
+      </a:fillRef>
+      <a:effectRef idx="0">
+        <a:scrgbClr r="0" g="0" b="0"/>
+      </a:effectRef>
+      <a:fontRef idx="minor">
+        <a:schemeClr val="lt1"/>
+      </a:fontRef>
+    </dgm:style>
+  </dgm:styleLbl>
+  <dgm:styleLbl name="fgSibTrans2D1">
+    <dgm:scene3d>
+      <a:camera prst="orthographicFront"/>
+      <a:lightRig rig="threePt" dir="t"/>
+    </dgm:scene3d>
+    <dgm:sp3d/>
+    <dgm:txPr/>
+    <dgm:style>
+      <a:lnRef idx="0">
+        <a:scrgbClr r="0" g="0" b="0"/>
+      </a:lnRef>
+      <a:fillRef idx="1">
+        <a:scrgbClr r="0" g="0" b="0"/>
+      </a:fillRef>
+      <a:effectRef idx="0">
+        <a:scrgbClr r="0" g="0" b="0"/>
+      </a:effectRef>
+      <a:fontRef idx="minor">
+        <a:schemeClr val="lt1"/>
+      </a:fontRef>
+    </dgm:style>
+  </dgm:styleLbl>
+  <dgm:styleLbl name="bgSibTrans2D1">
+    <dgm:scene3d>
+      <a:camera prst="orthographicFront"/>
+      <a:lightRig rig="threePt" dir="t"/>
+    </dgm:scene3d>
+    <dgm:sp3d/>
+    <dgm:txPr/>
+    <dgm:style>
+      <a:lnRef idx="0">
+        <a:scrgbClr r="0" g="0" b="0"/>
+      </a:lnRef>
+      <a:fillRef idx="1">
+        <a:scrgbClr r="0" g="0" b="0"/>
+      </a:fillRef>
+      <a:effectRef idx="0">
+        <a:scrgbClr r="0" g="0" b="0"/>
+      </a:effectRef>
+      <a:fontRef idx="minor">
+        <a:schemeClr val="lt1"/>
+      </a:fontRef>
+    </dgm:style>
+  </dgm:styleLbl>
+  <dgm:styleLbl name="sibTrans1D1">
+    <dgm:scene3d>
+      <a:camera prst="orthographicFront"/>
+      <a:lightRig rig="threePt" dir="t"/>
+    </dgm:scene3d>
+    <dgm:sp3d/>
+    <dgm:txPr/>
+    <dgm:style>
+      <a:lnRef idx="1">
+        <a:scrgbClr r="0" g="0" b="0"/>
+      </a:lnRef>
+      <a:fillRef idx="0">
+        <a:scrgbClr r="0" g="0" b="0"/>
+      </a:fillRef>
+      <a:effectRef idx="0">
+        <a:scrgbClr r="0" g="0" b="0"/>
+      </a:effectRef>
+      <a:fontRef idx="minor"/>
+    </dgm:style>
+  </dgm:styleLbl>
+  <dgm:styleLbl name="callout">
+    <dgm:scene3d>
+      <a:camera prst="orthographicFront"/>
+      <a:lightRig rig="threePt" dir="t"/>
+    </dgm:scene3d>
+    <dgm:sp3d/>
+    <dgm:txPr/>
+    <dgm:style>
+      <a:lnRef idx="2">
+        <a:scrgbClr r="0" g="0" b="0"/>
+      </a:lnRef>
+      <a:fillRef idx="1">
+        <a:scrgbClr r="0" g="0" b="0"/>
+      </a:fillRef>
+      <a:effectRef idx="0">
+        <a:scrgbClr r="0" g="0" b="0"/>
+      </a:effectRef>
+      <a:fontRef idx="minor"/>
+    </dgm:style>
+  </dgm:styleLbl>
+  <dgm:styleLbl name="asst0">
+    <dgm:scene3d>
+      <a:camera prst="orthographicFront"/>
+      <a:lightRig rig="threePt" dir="t"/>
+    </dgm:scene3d>
+    <dgm:sp3d/>
+    <dgm:txPr/>
+    <dgm:style>
+      <a:lnRef idx="2">
+        <a:scrgbClr r="0" g="0" b="0"/>
+      </a:lnRef>
+      <a:fillRef idx="1">
+        <a:scrgbClr r="0" g="0" b="0"/>
+      </a:fillRef>
+      <a:effectRef idx="0">
+        <a:scrgbClr r="0" g="0" b="0"/>
+      </a:effectRef>
+      <a:fontRef idx="minor">
+        <a:schemeClr val="lt1"/>
+      </a:fontRef>
+    </dgm:style>
+  </dgm:styleLbl>
+  <dgm:styleLbl name="asst1">
+    <dgm:scene3d>
+      <a:camera prst="orthographicFront"/>
+      <a:lightRig rig="threePt" dir="t"/>
+    </dgm:scene3d>
+    <dgm:sp3d/>
+    <dgm:txPr/>
+    <dgm:style>
+      <a:lnRef idx="2">
+        <a:scrgbClr r="0" g="0" b="0"/>
+      </a:lnRef>
+      <a:fillRef idx="1">
+        <a:scrgbClr r="0" g="0" b="0"/>
+      </a:fillRef>
+      <a:effectRef idx="0">
+        <a:scrgbClr r="0" g="0" b="0"/>
+      </a:effectRef>
+      <a:fontRef idx="minor">
+        <a:schemeClr val="lt1"/>
+      </a:fontRef>
+    </dgm:style>
+  </dgm:styleLbl>
+  <dgm:styleLbl name="asst2">
+    <dgm:scene3d>
+      <a:camera prst="orthographicFront"/>
+      <a:lightRig rig="threePt" dir="t"/>
+    </dgm:scene3d>
+    <dgm:sp3d/>
+    <dgm:txPr/>
+    <dgm:style>
+      <a:lnRef idx="2">
+        <a:scrgbClr r="0" g="0" b="0"/>
+      </a:lnRef>
+      <a:fillRef idx="1">
+        <a:scrgbClr r="0" g="0" b="0"/>
+      </a:fillRef>
+      <a:effectRef idx="0">
+        <a:scrgbClr r="0" g="0" b="0"/>
+      </a:effectRef>
+      <a:fontRef idx="minor">
+        <a:schemeClr val="lt1"/>
+      </a:fontRef>
+    </dgm:style>
+  </dgm:styleLbl>
+  <dgm:styleLbl name="asst3">
+    <dgm:scene3d>
+      <a:camera prst="orthographicFront"/>
+      <a:lightRig rig="threePt" dir="t"/>
+    </dgm:scene3d>
+    <dgm:sp3d/>
+    <dgm:txPr/>
+    <dgm:style>
+      <a:lnRef idx="2">
+        <a:scrgbClr r="0" g="0" b="0"/>
+      </a:lnRef>
+      <a:fillRef idx="1">
+        <a:scrgbClr r="0" g="0" b="0"/>
+      </a:fillRef>
+      <a:effectRef idx="0">
+        <a:scrgbClr r="0" g="0" b="0"/>
+      </a:effectRef>
+      <a:fontRef idx="minor">
+        <a:schemeClr val="lt1"/>
+      </a:fontRef>
+    </dgm:style>
+  </dgm:styleLbl>
+  <dgm:styleLbl name="asst4">
+    <dgm:scene3d>
+      <a:camera prst="orthographicFront"/>
+      <a:lightRig rig="threePt" dir="t"/>
+    </dgm:scene3d>
+    <dgm:sp3d/>
+    <dgm:txPr/>
+    <dgm:style>
+      <a:lnRef idx="2">
+        <a:scrgbClr r="0" g="0" b="0"/>
+      </a:lnRef>
+      <a:fillRef idx="1">
+        <a:scrgbClr r="0" g="0" b="0"/>
+      </a:fillRef>
+      <a:effectRef idx="0">
+        <a:scrgbClr r="0" g="0" b="0"/>
+      </a:effectRef>
+      <a:fontRef idx="minor">
+        <a:schemeClr val="lt1"/>
+      </a:fontRef>
+    </dgm:style>
+  </dgm:styleLbl>
+  <dgm:styleLbl name="parChTrans2D1">
+    <dgm:scene3d>
+      <a:camera prst="orthographicFront"/>
+      <a:lightRig rig="threePt" dir="t"/>
+    </dgm:scene3d>
+    <dgm:sp3d/>
+    <dgm:txPr/>
+    <dgm:style>
+      <a:lnRef idx="2">
+        <a:scrgbClr r="0" g="0" b="0"/>
+      </a:lnRef>
+      <a:fillRef idx="1">
+        <a:scrgbClr r="0" g="0" b="0"/>
+      </a:fillRef>
+      <a:effectRef idx="0">
+        <a:scrgbClr r="0" g="0" b="0"/>
+      </a:effectRef>
+      <a:fontRef idx="minor">
+        <a:schemeClr val="lt1"/>
+      </a:fontRef>
+    </dgm:style>
+  </dgm:styleLbl>
+  <dgm:styleLbl name="parChTrans2D2">
+    <dgm:scene3d>
+      <a:camera prst="orthographicFront"/>
+      <a:lightRig rig="threePt" dir="t"/>
+    </dgm:scene3d>
+    <dgm:sp3d/>
+    <dgm:txPr/>
+    <dgm:style>
+      <a:lnRef idx="2">
+        <a:scrgbClr r="0" g="0" b="0"/>
+      </a:lnRef>
+      <a:fillRef idx="1">
+        <a:scrgbClr r="0" g="0" b="0"/>
+      </a:fillRef>
+      <a:effectRef idx="0">
+        <a:scrgbClr r="0" g="0" b="0"/>
+      </a:effectRef>
+      <a:fontRef idx="minor">
+        <a:schemeClr val="lt1"/>
+      </a:fontRef>
+    </dgm:style>
+  </dgm:styleLbl>
+  <dgm:styleLbl name="parChTrans2D3">
+    <dgm:scene3d>
+      <a:camera prst="orthographicFront"/>
+      <a:lightRig rig="threePt" dir="t"/>
+    </dgm:scene3d>
+    <dgm:sp3d/>
+    <dgm:txPr/>
+    <dgm:style>
+      <a:lnRef idx="2">
+        <a:scrgbClr r="0" g="0" b="0"/>
+      </a:lnRef>
+      <a:fillRef idx="1">
+        <a:scrgbClr r="0" g="0" b="0"/>
+      </a:fillRef>
+      <a:effectRef idx="0">
+        <a:scrgbClr r="0" g="0" b="0"/>
+      </a:effectRef>
+      <a:fontRef idx="minor">
+        <a:schemeClr val="lt1"/>
+      </a:fontRef>
+    </dgm:style>
+  </dgm:styleLbl>
+  <dgm:styleLbl name="parChTrans2D4">
+    <dgm:scene3d>
+      <a:camera prst="orthographicFront"/>
+      <a:lightRig rig="threePt" dir="t"/>
+    </dgm:scene3d>
+    <dgm:sp3d/>
+    <dgm:txPr/>
+    <dgm:style>
+      <a:lnRef idx="2">
+        <a:scrgbClr r="0" g="0" b="0"/>
+      </a:lnRef>
+      <a:fillRef idx="1">
+        <a:scrgbClr r="0" g="0" b="0"/>
+      </a:fillRef>
+      <a:effectRef idx="0">
+        <a:scrgbClr r="0" g="0" b="0"/>
+      </a:effectRef>
+      <a:fontRef idx="minor">
+        <a:schemeClr val="lt1"/>
+      </a:fontRef>
+    </dgm:style>
+  </dgm:styleLbl>
+  <dgm:styleLbl name="parChTrans1D1">
+    <dgm:scene3d>
+      <a:camera prst="orthographicFront"/>
+      <a:lightRig rig="threePt" dir="t"/>
+    </dgm:scene3d>
+    <dgm:sp3d/>
+    <dgm:txPr/>
+    <dgm:style>
+      <a:lnRef idx="2">
+        <a:scrgbClr r="0" g="0" b="0"/>
+      </a:lnRef>
+      <a:fillRef idx="0">
+        <a:scrgbClr r="0" g="0" b="0"/>
+      </a:fillRef>
+      <a:effectRef idx="0">
+        <a:scrgbClr r="0" g="0" b="0"/>
+      </a:effectRef>
+      <a:fontRef idx="minor"/>
+    </dgm:style>
+  </dgm:styleLbl>
+  <dgm:styleLbl name="parChTrans1D2">
+    <dgm:scene3d>
+      <a:camera prst="orthographicFront"/>
+      <a:lightRig rig="threePt" dir="t"/>
+    </dgm:scene3d>
+    <dgm:sp3d/>
+    <dgm:txPr/>
+    <dgm:style>
+      <a:lnRef idx="2">
+        <a:scrgbClr r="0" g="0" b="0"/>
+      </a:lnRef>
+      <a:fillRef idx="0">
+        <a:scrgbClr r="0" g="0" b="0"/>
+      </a:fillRef>
+      <a:effectRef idx="0">
+        <a:scrgbClr r="0" g="0" b="0"/>
+      </a:effectRef>
+      <a:fontRef idx="minor"/>
+    </dgm:style>
+  </dgm:styleLbl>
+  <dgm:styleLbl name="parChTrans1D3">
+    <dgm:scene3d>
+      <a:camera prst="orthographicFront"/>
+      <a:lightRig rig="threePt" dir="t"/>
+    </dgm:scene3d>
+    <dgm:sp3d/>
+    <dgm:txPr/>
+    <dgm:style>
+      <a:lnRef idx="2">
+        <a:scrgbClr r="0" g="0" b="0"/>
+      </a:lnRef>
+      <a:fillRef idx="0">
+        <a:scrgbClr r="0" g="0" b="0"/>
+      </a:fillRef>
+      <a:effectRef idx="0">
+        <a:scrgbClr r="0" g="0" b="0"/>
+      </a:effectRef>
+      <a:fontRef idx="minor"/>
+    </dgm:style>
+  </dgm:styleLbl>
+  <dgm:styleLbl name="parChTrans1D4">
+    <dgm:scene3d>
+      <a:camera prst="orthographicFront"/>
+      <a:lightRig rig="threePt" dir="t"/>
+    </dgm:scene3d>
+    <dgm:sp3d/>
+    <dgm:txPr/>
+    <dgm:style>
+      <a:lnRef idx="2">
+        <a:scrgbClr r="0" g="0" b="0"/>
+      </a:lnRef>
+      <a:fillRef idx="0">
+        <a:scrgbClr r="0" g="0" b="0"/>
+      </a:fillRef>
+      <a:effectRef idx="0">
+        <a:scrgbClr r="0" g="0" b="0"/>
+      </a:effectRef>
+      <a:fontRef idx="minor"/>
+    </dgm:style>
+  </dgm:styleLbl>
+  <dgm:styleLbl name="fgAcc1">
+    <dgm:scene3d>
+      <a:camera prst="orthographicFront"/>
+      <a:lightRig rig="threePt" dir="t"/>
+    </dgm:scene3d>
+    <dgm:sp3d/>
+    <dgm:txPr/>
+    <dgm:style>
+      <a:lnRef idx="2">
+        <a:scrgbClr r="0" g="0" b="0"/>
+      </a:lnRef>
+      <a:fillRef idx="1">
+        <a:scrgbClr r="0" g="0" b="0"/>
+      </a:fillRef>
+      <a:effectRef idx="0">
+        <a:scrgbClr r="0" g="0" b="0"/>
+      </a:effectRef>
+      <a:fontRef idx="minor"/>
+    </dgm:style>
+  </dgm:styleLbl>
+  <dgm:styleLbl name="conFgAcc1">
+    <dgm:scene3d>
+      <a:camera prst="orthographicFront"/>
+      <a:lightRig rig="threePt" dir="t"/>
+    </dgm:scene3d>
+    <dgm:sp3d/>
+    <dgm:txPr/>
+    <dgm:style>
+      <a:lnRef idx="2">
+        <a:scrgbClr r="0" g="0" b="0"/>
+      </a:lnRef>
+      <a:fillRef idx="1">
+        <a:scrgbClr r="0" g="0" b="0"/>
+      </a:fillRef>
+      <a:effectRef idx="0">
+        <a:scrgbClr r="0" g="0" b="0"/>
+      </a:effectRef>
+      <a:fontRef idx="minor"/>
+    </dgm:style>
+  </dgm:styleLbl>
+  <dgm:styleLbl name="alignAcc1">
+    <dgm:scene3d>
+      <a:camera prst="orthographicFront"/>
+      <a:lightRig rig="threePt" dir="t"/>
+    </dgm:scene3d>
+    <dgm:sp3d/>
+    <dgm:txPr/>
+    <dgm:style>
+      <a:lnRef idx="2">
+        <a:scrgbClr r="0" g="0" b="0"/>
+      </a:lnRef>
+      <a:fillRef idx="1">
+        <a:scrgbClr r="0" g="0" b="0"/>
+      </a:fillRef>
+      <a:effectRef idx="0">
+        <a:scrgbClr r="0" g="0" b="0"/>
+      </a:effectRef>
+      <a:fontRef idx="minor"/>
+    </dgm:style>
+  </dgm:styleLbl>
+  <dgm:styleLbl name="trAlignAcc1">
+    <dgm:scene3d>
+      <a:camera prst="orthographicFront"/>
+      <a:lightRig rig="threePt" dir="t"/>
+    </dgm:scene3d>
+    <dgm:sp3d/>
+    <dgm:txPr/>
+    <dgm:style>
+      <a:lnRef idx="1">
+        <a:scrgbClr r="0" g="0" b="0"/>
+      </a:lnRef>
+      <a:fillRef idx="1">
+        <a:scrgbClr r="0" g="0" b="0"/>
+      </a:fillRef>
+      <a:effectRef idx="0">
+        <a:scrgbClr r="0" g="0" b="0"/>
+      </a:effectRef>
+      <a:fontRef idx="minor"/>
+    </dgm:style>
+  </dgm:styleLbl>
+  <dgm:styleLbl name="bgAcc1">
+    <dgm:scene3d>
+      <a:camera prst="orthographicFront"/>
+      <a:lightRig rig="threePt" dir="t"/>
+    </dgm:scene3d>
+    <dgm:sp3d/>
+    <dgm:txPr/>
+    <dgm:style>
+      <a:lnRef idx="2">
+        <a:scrgbClr r="0" g="0" b="0"/>
+      </a:lnRef>
+      <a:fillRef idx="1">
+        <a:scrgbClr r="0" g="0" b="0"/>
+      </a:fillRef>
+      <a:effectRef idx="0">
+        <a:scrgbClr r="0" g="0" b="0"/>
+      </a:effectRef>
+      <a:fontRef idx="minor"/>
+    </dgm:style>
+  </dgm:styleLbl>
+  <dgm:styleLbl name="solidFgAcc1">
+    <dgm:scene3d>
+      <a:camera prst="orthographicFront"/>
+      <a:lightRig rig="threePt" dir="t"/>
+    </dgm:scene3d>
+    <dgm:sp3d/>
+    <dgm:txPr/>
+    <dgm:style>
+      <a:lnRef idx="2">
+        <a:scrgbClr r="0" g="0" b="0"/>
+      </a:lnRef>
+      <a:fillRef idx="1">
+        <a:scrgbClr r="0" g="0" b="0"/>
+      </a:fillRef>
+      <a:effectRef idx="0">
+        <a:scrgbClr r="0" g="0" b="0"/>
+      </a:effectRef>
+      <a:fontRef idx="minor"/>
+    </dgm:style>
+  </dgm:styleLbl>
+  <dgm:styleLbl name="solidAlignAcc1">
+    <dgm:scene3d>
+      <a:camera prst="orthographicFront"/>
+      <a:lightRig rig="threePt" dir="t"/>
+    </dgm:scene3d>
+    <dgm:sp3d/>
+    <dgm:txPr/>
+    <dgm:style>
+      <a:lnRef idx="2">
+        <a:scrgbClr r="0" g="0" b="0"/>
+      </a:lnRef>
+      <a:fillRef idx="1">
+        <a:scrgbClr r="0" g="0" b="0"/>
+      </a:fillRef>
+      <a:effectRef idx="0">
+        <a:scrgbClr r="0" g="0" b="0"/>
+      </a:effectRef>
+      <a:fontRef idx="minor"/>
+    </dgm:style>
+  </dgm:styleLbl>
+  <dgm:styleLbl name="solidBgAcc1">
+    <dgm:scene3d>
+      <a:camera prst="orthographicFront"/>
+      <a:lightRig rig="threePt" dir="t"/>
+    </dgm:scene3d>
+    <dgm:sp3d/>
+    <dgm:txPr/>
+    <dgm:style>
+      <a:lnRef idx="2">
+        <a:scrgbClr r="0" g="0" b="0"/>
+      </a:lnRef>
+      <a:fillRef idx="1">
+        <a:scrgbClr r="0" g="0" b="0"/>
+      </a:fillRef>
+      <a:effectRef idx="0">
+        <a:scrgbClr r="0" g="0" b="0"/>
+      </a:effectRef>
+      <a:fontRef idx="minor"/>
+    </dgm:style>
+  </dgm:styleLbl>
+  <dgm:styleLbl name="fgAccFollowNode1">
+    <dgm:scene3d>
+      <a:camera prst="orthographicFront"/>
+      <a:lightRig rig="threePt" dir="t"/>
+    </dgm:scene3d>
+    <dgm:sp3d/>
+    <dgm:txPr/>
+    <dgm:style>
+      <a:lnRef idx="2">
+        <a:scrgbClr r="0" g="0" b="0"/>
+      </a:lnRef>
+      <a:fillRef idx="1">
+        <a:scrgbClr r="0" g="0" b="0"/>
+      </a:fillRef>
+      <a:effectRef idx="0">
+        <a:scrgbClr r="0" g="0" b="0"/>
+      </a:effectRef>
+      <a:fontRef idx="minor"/>
+    </dgm:style>
+  </dgm:styleLbl>
+  <dgm:styleLbl name="alignAccFollowNode1">
+    <dgm:scene3d>
+      <a:camera prst="orthographicFront"/>
+      <a:lightRig rig="threePt" dir="t"/>
+    </dgm:scene3d>
+    <dgm:sp3d/>
+    <dgm:txPr/>
+    <dgm:style>
+      <a:lnRef idx="2">
+        <a:scrgbClr r="0" g="0" b="0"/>
+      </a:lnRef>
+      <a:fillRef idx="1">
+        <a:scrgbClr r="0" g="0" b="0"/>
+      </a:fillRef>
+      <a:effectRef idx="0">
+        <a:scrgbClr r="0" g="0" b="0"/>
+      </a:effectRef>
+      <a:fontRef idx="minor"/>
+    </dgm:style>
+  </dgm:styleLbl>
+  <dgm:styleLbl name="bgAccFollowNode1">
+    <dgm:scene3d>
+      <a:camera prst="orthographicFront"/>
+      <a:lightRig rig="threePt" dir="t"/>
+    </dgm:scene3d>
+    <dgm:sp3d/>
+    <dgm:txPr/>
+    <dgm:style>
+      <a:lnRef idx="2">
+        <a:scrgbClr r="0" g="0" b="0"/>
+      </a:lnRef>
+      <a:fillRef idx="1">
+        <a:scrgbClr r="0" g="0" b="0"/>
+      </a:fillRef>
+      <a:effectRef idx="0">
+        <a:scrgbClr r="0" g="0" b="0"/>
+      </a:effectRef>
+      <a:fontRef idx="minor"/>
+    </dgm:style>
+  </dgm:styleLbl>
+  <dgm:styleLbl name="fgAcc0">
+    <dgm:scene3d>
+      <a:camera prst="orthographicFront"/>
+      <a:lightRig rig="threePt" dir="t"/>
+    </dgm:scene3d>
+    <dgm:sp3d/>
+    <dgm:txPr/>
+    <dgm:style>
+      <a:lnRef idx="2">
+        <a:scrgbClr r="0" g="0" b="0"/>
+      </a:lnRef>
+      <a:fillRef idx="1">
+        <a:scrgbClr r="0" g="0" b="0"/>
+      </a:fillRef>
+      <a:effectRef idx="0">
+        <a:scrgbClr r="0" g="0" b="0"/>
+      </a:effectRef>
+      <a:fontRef idx="minor"/>
+    </dgm:style>
+  </dgm:styleLbl>
+  <dgm:styleLbl name="fgAcc2">
+    <dgm:scene3d>
+      <a:camera prst="orthographicFront"/>
+      <a:lightRig rig="threePt" dir="t"/>
+    </dgm:scene3d>
+    <dgm:sp3d/>
+    <dgm:txPr/>
+    <dgm:style>
+      <a:lnRef idx="2">
+        <a:scrgbClr r="0" g="0" b="0"/>
+      </a:lnRef>
+      <a:fillRef idx="1">
+        <a:scrgbClr r="0" g="0" b="0"/>
+      </a:fillRef>
+      <a:effectRef idx="0">
+        <a:scrgbClr r="0" g="0" b="0"/>
+      </a:effectRef>
+      <a:fontRef idx="minor"/>
+    </dgm:style>
+  </dgm:styleLbl>
+  <dgm:styleLbl name="fgAcc3">
+    <dgm:scene3d>
+      <a:camera prst="orthographicFront"/>
+      <a:lightRig rig="threePt" dir="t"/>
+    </dgm:scene3d>
+    <dgm:sp3d/>
+    <dgm:txPr/>
+    <dgm:style>
+      <a:lnRef idx="2">
+        <a:scrgbClr r="0" g="0" b="0"/>
+      </a:lnRef>
+      <a:fillRef idx="1">
+        <a:scrgbClr r="0" g="0" b="0"/>
+      </a:fillRef>
+      <a:effectRef idx="0">
+        <a:scrgbClr r="0" g="0" b="0"/>
+      </a:effectRef>
+      <a:fontRef idx="minor"/>
+    </dgm:style>
+  </dgm:styleLbl>
+  <dgm:styleLbl name="fgAcc4">
+    <dgm:scene3d>
+      <a:camera prst="orthographicFront"/>
+      <a:lightRig rig="threePt" dir="t"/>
+    </dgm:scene3d>
+    <dgm:sp3d/>
+    <dgm:txPr/>
+    <dgm:style>
+      <a:lnRef idx="2">
+        <a:scrgbClr r="0" g="0" b="0"/>
+      </a:lnRef>
+      <a:fillRef idx="1">
+        <a:scrgbClr r="0" g="0" b="0"/>
+      </a:fillRef>
+      <a:effectRef idx="0">
+        <a:scrgbClr r="0" g="0" b="0"/>
+      </a:effectRef>
+      <a:fontRef idx="minor"/>
+    </dgm:style>
+  </dgm:styleLbl>
+  <dgm:styleLbl name="bgShp">
+    <dgm:scene3d>
+      <a:camera prst="orthographicFront"/>
+      <a:lightRig rig="threePt" dir="t"/>
+    </dgm:scene3d>
+    <dgm:sp3d/>
+    <dgm:txPr/>
+    <dgm:style>
+      <a:lnRef idx="0">
+        <a:scrgbClr r="0" g="0" b="0"/>
+      </a:lnRef>
+      <a:fillRef idx="1">
+        <a:scrgbClr r="0" g="0" b="0"/>
+      </a:fillRef>
+      <a:effectRef idx="0">
+        <a:scrgbClr r="0" g="0" b="0"/>
+      </a:effectRef>
+      <a:fontRef idx="minor"/>
+    </dgm:style>
+  </dgm:styleLbl>
+  <dgm:styleLbl name="dkBgShp">
+    <dgm:scene3d>
+      <a:camera prst="orthographicFront"/>
+      <a:lightRig rig="threePt" dir="t"/>
+    </dgm:scene3d>
+    <dgm:sp3d/>
+    <dgm:txPr/>
+    <dgm:style>
+      <a:lnRef idx="0">
+        <a:scrgbClr r="0" g="0" b="0"/>
+      </a:lnRef>
+      <a:fillRef idx="1">
+        <a:scrgbClr r="0" g="0" b="0"/>
+      </a:fillRef>
+      <a:effectRef idx="0">
+        <a:scrgbClr r="0" g="0" b="0"/>
+      </a:effectRef>
+      <a:fontRef idx="minor"/>
+    </dgm:style>
+  </dgm:styleLbl>
+  <dgm:styleLbl name="trBgShp">
+    <dgm:scene3d>
+      <a:camera prst="orthographicFront"/>
+      <a:lightRig rig="threePt" dir="t"/>
+    </dgm:scene3d>
+    <dgm:sp3d/>
+    <dgm:txPr/>
+    <dgm:style>
+      <a:lnRef idx="0">
+        <a:scrgbClr r="0" g="0" b="0"/>
+      </a:lnRef>
+      <a:fillRef idx="1">
+        <a:scrgbClr r="0" g="0" b="0"/>
+      </a:fillRef>
+      <a:effectRef idx="0">
+        <a:scrgbClr r="0" g="0" b="0"/>
+      </a:effectRef>
+      <a:fontRef idx="minor"/>
+    </dgm:style>
+  </dgm:styleLbl>
+  <dgm:styleLbl name="fgShp">
+    <dgm:scene3d>
+      <a:camera prst="orthographicFront"/>
+      <a:lightRig rig="threePt" dir="t"/>
+    </dgm:scene3d>
+    <dgm:sp3d/>
+    <dgm:txPr/>
+    <dgm:style>
+      <a:lnRef idx="2">
+        <a:scrgbClr r="0" g="0" b="0"/>
+      </a:lnRef>
+      <a:fillRef idx="1">
+        <a:scrgbClr r="0" g="0" b="0"/>
+      </a:fillRef>
+      <a:effectRef idx="0">
+        <a:scrgbClr r="0" g="0" b="0"/>
+      </a:effectRef>
+      <a:fontRef idx="minor"/>
+    </dgm:style>
+  </dgm:styleLbl>
+  <dgm:styleLbl name="revTx">
+    <dgm:scene3d>
+      <a:camera prst="orthographicFront"/>
+      <a:lightRig rig="threePt" dir="t"/>
+    </dgm:scene3d>
+    <dgm:sp3d/>
+    <dgm:txPr/>
+    <dgm:style>
+      <a:lnRef idx="0">
+        <a:scrgbClr r="0" g="0" b="0"/>
+      </a:lnRef>
+      <a:fillRef idx="0">
+        <a:scrgbClr r="0" g="0" b="0"/>
+      </a:fillRef>
+      <a:effectRef idx="0">
+        <a:scrgbClr r="0" g="0" b="0"/>
+      </a:effectRef>
+      <a:fontRef idx="minor"/>
+    </dgm:style>
+  </dgm:styleLbl>
+</dgm:styleDef>
+</file>
+
 <file path=ppt/slideLayouts/slideLayout1.xml><?xml version="1.0" encoding="utf-8"?>
 <p:sldLayout xmlns:a="http://schemas.openxmlformats.org/drawingml/2006/main" xmlns:r="http://schemas.openxmlformats.org/officeDocument/2006/relationships" xmlns:p="http://schemas.openxmlformats.org/presentationml/2006/main" showMasterSp="0" type="title" preserve="1">
   <p:cSld name="Title Slide">
@@ -345,7 +3348,7 @@
           <a:p>
             <a:fld id="{FB182A51-A9A2-4F03-BE00-F5898417753D}" type="datetimeFigureOut">
               <a:rPr lang="en-AU" smtClean="0"/>
-              <a:t>9/11/2021</a:t>
+              <a:t>10/11/2021</a:t>
             </a:fld>
             <a:endParaRPr lang="en-AU"/>
           </a:p>
@@ -553,7 +3556,7 @@
           <a:p>
             <a:fld id="{FB182A51-A9A2-4F03-BE00-F5898417753D}" type="datetimeFigureOut">
               <a:rPr lang="en-AU" smtClean="0"/>
-              <a:t>9/11/2021</a:t>
+              <a:t>10/11/2021</a:t>
             </a:fld>
             <a:endParaRPr lang="en-AU"/>
           </a:p>
@@ -809,7 +3812,7 @@
           <a:p>
             <a:fld id="{FB182A51-A9A2-4F03-BE00-F5898417753D}" type="datetimeFigureOut">
               <a:rPr lang="en-AU" smtClean="0"/>
-              <a:t>9/11/2021</a:t>
+              <a:t>10/11/2021</a:t>
             </a:fld>
             <a:endParaRPr lang="en-AU"/>
           </a:p>
@@ -979,7 +3982,7 @@
           <a:p>
             <a:fld id="{FB182A51-A9A2-4F03-BE00-F5898417753D}" type="datetimeFigureOut">
               <a:rPr lang="en-AU" smtClean="0"/>
-              <a:t>9/11/2021</a:t>
+              <a:t>10/11/2021</a:t>
             </a:fld>
             <a:endParaRPr lang="en-AU"/>
           </a:p>
@@ -1322,7 +4325,7 @@
           <a:p>
             <a:fld id="{FB182A51-A9A2-4F03-BE00-F5898417753D}" type="datetimeFigureOut">
               <a:rPr lang="en-AU" smtClean="0"/>
-              <a:t>9/11/2021</a:t>
+              <a:t>10/11/2021</a:t>
             </a:fld>
             <a:endParaRPr lang="en-AU"/>
           </a:p>
@@ -1597,7 +4600,7 @@
           <a:p>
             <a:fld id="{FB182A51-A9A2-4F03-BE00-F5898417753D}" type="datetimeFigureOut">
               <a:rPr lang="en-AU" smtClean="0"/>
-              <a:t>9/11/2021</a:t>
+              <a:t>10/11/2021</a:t>
             </a:fld>
             <a:endParaRPr lang="en-AU"/>
           </a:p>
@@ -1976,7 +4979,7 @@
           <a:p>
             <a:fld id="{FB182A51-A9A2-4F03-BE00-F5898417753D}" type="datetimeFigureOut">
               <a:rPr lang="en-AU" smtClean="0"/>
-              <a:t>9/11/2021</a:t>
+              <a:t>10/11/2021</a:t>
             </a:fld>
             <a:endParaRPr lang="en-AU"/>
           </a:p>
@@ -2094,7 +5097,7 @@
           <a:p>
             <a:fld id="{FB182A51-A9A2-4F03-BE00-F5898417753D}" type="datetimeFigureOut">
               <a:rPr lang="en-AU" smtClean="0"/>
-              <a:t>9/11/2021</a:t>
+              <a:t>10/11/2021</a:t>
             </a:fld>
             <a:endParaRPr lang="en-AU"/>
           </a:p>
@@ -2265,7 +5268,7 @@
           <a:p>
             <a:fld id="{FB182A51-A9A2-4F03-BE00-F5898417753D}" type="datetimeFigureOut">
               <a:rPr lang="en-AU" smtClean="0"/>
-              <a:t>9/11/2021</a:t>
+              <a:t>10/11/2021</a:t>
             </a:fld>
             <a:endParaRPr lang="en-AU"/>
           </a:p>
@@ -2619,7 +5622,7 @@
           <a:p>
             <a:fld id="{FB182A51-A9A2-4F03-BE00-F5898417753D}" type="datetimeFigureOut">
               <a:rPr lang="en-AU" smtClean="0"/>
-              <a:t>9/11/2021</a:t>
+              <a:t>10/11/2021</a:t>
             </a:fld>
             <a:endParaRPr lang="en-AU"/>
           </a:p>
@@ -3001,7 +6004,7 @@
           <a:p>
             <a:fld id="{FB182A51-A9A2-4F03-BE00-F5898417753D}" type="datetimeFigureOut">
               <a:rPr lang="en-AU" smtClean="0"/>
-              <a:t>9/11/2021</a:t>
+              <a:t>10/11/2021</a:t>
             </a:fld>
             <a:endParaRPr lang="en-AU"/>
           </a:p>
@@ -3288,7 +6291,7 @@
           <a:p>
             <a:fld id="{FB182A51-A9A2-4F03-BE00-F5898417753D}" type="datetimeFigureOut">
               <a:rPr lang="en-AU" smtClean="0"/>
-              <a:t>9/11/2021</a:t>
+              <a:t>10/11/2021</a:t>
             </a:fld>
             <a:endParaRPr lang="en-AU"/>
           </a:p>
@@ -3949,6 +6952,359 @@
 </p:sld>
 </file>
 
+<file path=ppt/slides/slide10.xml><?xml version="1.0" encoding="utf-8"?>
+<p:sld xmlns:a="http://schemas.openxmlformats.org/drawingml/2006/main" xmlns:r="http://schemas.openxmlformats.org/officeDocument/2006/relationships" xmlns:p="http://schemas.openxmlformats.org/presentationml/2006/main">
+  <p:cSld>
+    <p:spTree>
+      <p:nvGrpSpPr>
+        <p:cNvPr id="1" name=""/>
+        <p:cNvGrpSpPr/>
+        <p:nvPr/>
+      </p:nvGrpSpPr>
+      <p:grpSpPr>
+        <a:xfrm>
+          <a:off x="0" y="0"/>
+          <a:ext cx="0" cy="0"/>
+          <a:chOff x="0" y="0"/>
+          <a:chExt cx="0" cy="0"/>
+        </a:xfrm>
+      </p:grpSpPr>
+      <p:sp>
+        <p:nvSpPr>
+          <p:cNvPr id="7" name="Title 6">
+            <a:extLst>
+              <a:ext uri="{FF2B5EF4-FFF2-40B4-BE49-F238E27FC236}">
+                <a16:creationId xmlns:a16="http://schemas.microsoft.com/office/drawing/2014/main" id="{AB3CB3D9-D307-40FB-A6EA-7E4EB0B248AB}"/>
+              </a:ext>
+            </a:extLst>
+          </p:cNvPr>
+          <p:cNvSpPr>
+            <a:spLocks noGrp="1"/>
+          </p:cNvSpPr>
+          <p:nvPr>
+            <p:ph type="title"/>
+          </p:nvPr>
+        </p:nvSpPr>
+        <p:spPr/>
+        <p:txBody>
+          <a:bodyPr/>
+          <a:lstStyle/>
+          <a:p>
+            <a:r>
+              <a:rPr lang="en-AU" dirty="0"/>
+              <a:t>Key findings &amp; recommendations</a:t>
+            </a:r>
+          </a:p>
+        </p:txBody>
+      </p:sp>
+      <p:sp>
+        <p:nvSpPr>
+          <p:cNvPr id="4" name="TextBox 3">
+            <a:extLst>
+              <a:ext uri="{FF2B5EF4-FFF2-40B4-BE49-F238E27FC236}">
+                <a16:creationId xmlns:a16="http://schemas.microsoft.com/office/drawing/2014/main" id="{02B71A8F-11E9-4591-81FE-429CACCDD67B}"/>
+              </a:ext>
+            </a:extLst>
+          </p:cNvPr>
+          <p:cNvSpPr txBox="1"/>
+          <p:nvPr/>
+        </p:nvSpPr>
+        <p:spPr>
+          <a:xfrm>
+            <a:off x="1018663" y="2075465"/>
+            <a:ext cx="5897460" cy="3139321"/>
+          </a:xfrm>
+          <a:prstGeom prst="rect">
+            <a:avLst/>
+          </a:prstGeom>
+          <a:noFill/>
+        </p:spPr>
+        <p:txBody>
+          <a:bodyPr wrap="square" rtlCol="0">
+            <a:spAutoFit/>
+          </a:bodyPr>
+          <a:lstStyle/>
+          <a:p>
+            <a:pPr marL="285750" indent="-285750">
+              <a:buFontTx/>
+              <a:buChar char="-"/>
+            </a:pPr>
+            <a:r>
+              <a:rPr lang="en-US" dirty="0"/>
+              <a:t>Any loan applicant with </a:t>
+            </a:r>
+            <a:r>
+              <a:rPr lang="en-US" b="1" dirty="0"/>
+              <a:t>annual income less than 100K </a:t>
+            </a:r>
+            <a:r>
+              <a:rPr lang="en-US" dirty="0"/>
+              <a:t>should go through heightened scrutiny</a:t>
+            </a:r>
+          </a:p>
+          <a:p>
+            <a:pPr marL="285750" indent="-285750">
+              <a:buFontTx/>
+              <a:buChar char="-"/>
+            </a:pPr>
+            <a:r>
+              <a:rPr lang="en-US" dirty="0"/>
+              <a:t>It's </a:t>
+            </a:r>
+            <a:r>
+              <a:rPr lang="en-US" b="1" dirty="0"/>
+              <a:t>risky</a:t>
+            </a:r>
+            <a:r>
+              <a:rPr lang="en-US" dirty="0"/>
+              <a:t> to offer loan to applicants with </a:t>
+            </a:r>
+            <a:r>
+              <a:rPr lang="en-US" b="1" dirty="0"/>
+              <a:t>higher DTI and Loan to income ratio</a:t>
+            </a:r>
+            <a:r>
+              <a:rPr lang="en-US" dirty="0"/>
+              <a:t>.</a:t>
+            </a:r>
+          </a:p>
+          <a:p>
+            <a:pPr marL="285750" indent="-285750">
+              <a:buFontTx/>
+              <a:buChar char="-"/>
+            </a:pPr>
+            <a:r>
+              <a:rPr lang="en-US" dirty="0"/>
+              <a:t>The higher default rate in </a:t>
+            </a:r>
+            <a:r>
+              <a:rPr lang="en-US" b="1" dirty="0"/>
+              <a:t>high interest rate </a:t>
+            </a:r>
+            <a:r>
+              <a:rPr lang="en-US" dirty="0"/>
+              <a:t>category evidently says it's </a:t>
+            </a:r>
+            <a:r>
+              <a:rPr lang="en-US" b="1" dirty="0"/>
+              <a:t>risky to offer high interest </a:t>
+            </a:r>
+            <a:r>
+              <a:rPr lang="en-US" dirty="0"/>
+              <a:t>loan to customers.</a:t>
+            </a:r>
+          </a:p>
+          <a:p>
+            <a:pPr marL="285750" indent="-285750">
+              <a:buFontTx/>
+              <a:buChar char="-"/>
+            </a:pPr>
+            <a:r>
+              <a:rPr lang="en-US" dirty="0"/>
+              <a:t>Any loan applicant who has a credit age  below 5 years should go through heightened scrutiny.</a:t>
+            </a:r>
+          </a:p>
+          <a:p>
+            <a:pPr marL="285750" indent="-285750">
+              <a:buFontTx/>
+              <a:buChar char="-"/>
+            </a:pPr>
+            <a:endParaRPr lang="en-US" dirty="0"/>
+          </a:p>
+          <a:p>
+            <a:endParaRPr lang="en-AU" dirty="0"/>
+          </a:p>
+        </p:txBody>
+      </p:sp>
+    </p:spTree>
+    <p:extLst>
+      <p:ext uri="{BB962C8B-B14F-4D97-AF65-F5344CB8AC3E}">
+        <p14:creationId xmlns:p14="http://schemas.microsoft.com/office/powerpoint/2010/main" val="151704015"/>
+      </p:ext>
+    </p:extLst>
+  </p:cSld>
+  <p:clrMapOvr>
+    <a:masterClrMapping/>
+  </p:clrMapOvr>
+</p:sld>
+</file>
+
+<file path=ppt/slides/slide11.xml><?xml version="1.0" encoding="utf-8"?>
+<p:sld xmlns:a="http://schemas.openxmlformats.org/drawingml/2006/main" xmlns:r="http://schemas.openxmlformats.org/officeDocument/2006/relationships" xmlns:p="http://schemas.openxmlformats.org/presentationml/2006/main">
+  <p:cSld>
+    <p:spTree>
+      <p:nvGrpSpPr>
+        <p:cNvPr id="1" name=""/>
+        <p:cNvGrpSpPr/>
+        <p:nvPr/>
+      </p:nvGrpSpPr>
+      <p:grpSpPr>
+        <a:xfrm>
+          <a:off x="0" y="0"/>
+          <a:ext cx="0" cy="0"/>
+          <a:chOff x="0" y="0"/>
+          <a:chExt cx="0" cy="0"/>
+        </a:xfrm>
+      </p:grpSpPr>
+      <p:sp>
+        <p:nvSpPr>
+          <p:cNvPr id="7" name="Title 6">
+            <a:extLst>
+              <a:ext uri="{FF2B5EF4-FFF2-40B4-BE49-F238E27FC236}">
+                <a16:creationId xmlns:a16="http://schemas.microsoft.com/office/drawing/2014/main" id="{AB3CB3D9-D307-40FB-A6EA-7E4EB0B248AB}"/>
+              </a:ext>
+            </a:extLst>
+          </p:cNvPr>
+          <p:cNvSpPr>
+            <a:spLocks noGrp="1"/>
+          </p:cNvSpPr>
+          <p:nvPr>
+            <p:ph type="title"/>
+          </p:nvPr>
+        </p:nvSpPr>
+        <p:spPr/>
+        <p:txBody>
+          <a:bodyPr/>
+          <a:lstStyle/>
+          <a:p>
+            <a:r>
+              <a:rPr lang="en-AU" dirty="0"/>
+              <a:t>Summary of analysis across all data -1</a:t>
+            </a:r>
+          </a:p>
+        </p:txBody>
+      </p:sp>
+      <p:pic>
+        <p:nvPicPr>
+          <p:cNvPr id="3" name="Picture 2">
+            <a:extLst>
+              <a:ext uri="{FF2B5EF4-FFF2-40B4-BE49-F238E27FC236}">
+                <a16:creationId xmlns:a16="http://schemas.microsoft.com/office/drawing/2014/main" id="{A4438724-79CC-4304-AD2C-DF348FB5E9FE}"/>
+              </a:ext>
+            </a:extLst>
+          </p:cNvPr>
+          <p:cNvPicPr>
+            <a:picLocks noChangeAspect="1"/>
+          </p:cNvPicPr>
+          <p:nvPr/>
+        </p:nvPicPr>
+        <p:blipFill>
+          <a:blip r:embed="rId2"/>
+          <a:stretch>
+            <a:fillRect/>
+          </a:stretch>
+        </p:blipFill>
+        <p:spPr>
+          <a:xfrm>
+            <a:off x="822960" y="1810748"/>
+            <a:ext cx="7424257" cy="4464217"/>
+          </a:xfrm>
+          <a:prstGeom prst="rect">
+            <a:avLst/>
+          </a:prstGeom>
+        </p:spPr>
+      </p:pic>
+    </p:spTree>
+    <p:extLst>
+      <p:ext uri="{BB962C8B-B14F-4D97-AF65-F5344CB8AC3E}">
+        <p14:creationId xmlns:p14="http://schemas.microsoft.com/office/powerpoint/2010/main" val="260428612"/>
+      </p:ext>
+    </p:extLst>
+  </p:cSld>
+  <p:clrMapOvr>
+    <a:masterClrMapping/>
+  </p:clrMapOvr>
+</p:sld>
+</file>
+
+<file path=ppt/slides/slide12.xml><?xml version="1.0" encoding="utf-8"?>
+<p:sld xmlns:a="http://schemas.openxmlformats.org/drawingml/2006/main" xmlns:r="http://schemas.openxmlformats.org/officeDocument/2006/relationships" xmlns:p="http://schemas.openxmlformats.org/presentationml/2006/main">
+  <p:cSld>
+    <p:spTree>
+      <p:nvGrpSpPr>
+        <p:cNvPr id="1" name=""/>
+        <p:cNvGrpSpPr/>
+        <p:nvPr/>
+      </p:nvGrpSpPr>
+      <p:grpSpPr>
+        <a:xfrm>
+          <a:off x="0" y="0"/>
+          <a:ext cx="0" cy="0"/>
+          <a:chOff x="0" y="0"/>
+          <a:chExt cx="0" cy="0"/>
+        </a:xfrm>
+      </p:grpSpPr>
+      <p:sp>
+        <p:nvSpPr>
+          <p:cNvPr id="7" name="Title 6">
+            <a:extLst>
+              <a:ext uri="{FF2B5EF4-FFF2-40B4-BE49-F238E27FC236}">
+                <a16:creationId xmlns:a16="http://schemas.microsoft.com/office/drawing/2014/main" id="{AB3CB3D9-D307-40FB-A6EA-7E4EB0B248AB}"/>
+              </a:ext>
+            </a:extLst>
+          </p:cNvPr>
+          <p:cNvSpPr>
+            <a:spLocks noGrp="1"/>
+          </p:cNvSpPr>
+          <p:nvPr>
+            <p:ph type="title"/>
+          </p:nvPr>
+        </p:nvSpPr>
+        <p:spPr/>
+        <p:txBody>
+          <a:bodyPr/>
+          <a:lstStyle/>
+          <a:p>
+            <a:r>
+              <a:rPr lang="en-AU" dirty="0"/>
+              <a:t>Summary of analysis across all data -2</a:t>
+            </a:r>
+          </a:p>
+        </p:txBody>
+      </p:sp>
+      <p:pic>
+        <p:nvPicPr>
+          <p:cNvPr id="5" name="Picture 4">
+            <a:extLst>
+              <a:ext uri="{FF2B5EF4-FFF2-40B4-BE49-F238E27FC236}">
+                <a16:creationId xmlns:a16="http://schemas.microsoft.com/office/drawing/2014/main" id="{54D8E500-D471-4292-9CB4-2472769722BA}"/>
+              </a:ext>
+            </a:extLst>
+          </p:cNvPr>
+          <p:cNvPicPr>
+            <a:picLocks noChangeAspect="1"/>
+          </p:cNvPicPr>
+          <p:nvPr/>
+        </p:nvPicPr>
+        <p:blipFill>
+          <a:blip r:embed="rId2"/>
+          <a:stretch>
+            <a:fillRect/>
+          </a:stretch>
+        </p:blipFill>
+        <p:spPr>
+          <a:xfrm>
+            <a:off x="1000338" y="1754139"/>
+            <a:ext cx="7143323" cy="4966282"/>
+          </a:xfrm>
+          <a:prstGeom prst="rect">
+            <a:avLst/>
+          </a:prstGeom>
+        </p:spPr>
+      </p:pic>
+    </p:spTree>
+    <p:extLst>
+      <p:ext uri="{BB962C8B-B14F-4D97-AF65-F5344CB8AC3E}">
+        <p14:creationId xmlns:p14="http://schemas.microsoft.com/office/powerpoint/2010/main" val="3255103448"/>
+      </p:ext>
+    </p:extLst>
+  </p:cSld>
+  <p:clrMapOvr>
+    <a:masterClrMapping/>
+  </p:clrMapOvr>
+</p:sld>
+</file>
+
 <file path=ppt/slides/slide2.xml><?xml version="1.0" encoding="utf-8"?>
 <p:sld xmlns:a="http://schemas.openxmlformats.org/drawingml/2006/main" xmlns:r="http://schemas.openxmlformats.org/officeDocument/2006/relationships" xmlns:p="http://schemas.openxmlformats.org/presentationml/2006/main">
   <p:cSld>
@@ -4009,7 +7365,7 @@
         <p:spPr>
           <a:xfrm>
             <a:off x="822960" y="1737361"/>
-            <a:ext cx="7744353" cy="3785652"/>
+            <a:ext cx="7744353" cy="4339650"/>
           </a:xfrm>
           <a:prstGeom prst="rect">
             <a:avLst/>
@@ -4068,7 +7424,7 @@
           <a:p>
             <a:r>
               <a:rPr lang="en-US" b="1" dirty="0"/>
-              <a:t>Objective: </a:t>
+              <a:t>Business Objective: </a:t>
             </a:r>
           </a:p>
           <a:p>
@@ -4078,7 +7434,7 @@
             </a:pPr>
             <a:r>
               <a:rPr lang="en-US" dirty="0"/>
-              <a:t>Identify driving factors(strong indicators) behind loan defaults.</a:t>
+              <a:t>Improve loan approval process to balance revenue from customer who fully pay their loans and financial loss due to customers defaulting</a:t>
             </a:r>
           </a:p>
           <a:p>
@@ -4086,10 +7442,10 @@
               <a:buFont typeface="Arial" panose="020B0604020202020204" pitchFamily="34" charset="0"/>
               <a:buChar char="•"/>
             </a:pPr>
-            <a:r>
-              <a:rPr lang="en-US" dirty="0"/>
-              <a:t>identify risky loan applicants.</a:t>
-            </a:r>
+            <a:endParaRPr lang="en-US" dirty="0"/>
+          </a:p>
+          <a:p>
+            <a:endParaRPr lang="en-US" b="1" dirty="0"/>
           </a:p>
           <a:p>
             <a:endParaRPr lang="en-US" sz="1400" dirty="0">
@@ -4131,255 +7487,6 @@
           <a:chExt cx="0" cy="0"/>
         </a:xfrm>
       </p:grpSpPr>
-      <p:sp>
-        <p:nvSpPr>
-          <p:cNvPr id="2" name="Title 1">
-            <a:extLst>
-              <a:ext uri="{FF2B5EF4-FFF2-40B4-BE49-F238E27FC236}">
-                <a16:creationId xmlns:a16="http://schemas.microsoft.com/office/drawing/2014/main" id="{C2938C08-651A-4275-A680-4C9FB5BDE7FD}"/>
-              </a:ext>
-            </a:extLst>
-          </p:cNvPr>
-          <p:cNvSpPr>
-            <a:spLocks noGrp="1"/>
-          </p:cNvSpPr>
-          <p:nvPr>
-            <p:ph type="title"/>
-          </p:nvPr>
-        </p:nvSpPr>
-        <p:spPr>
-          <a:xfrm>
-            <a:off x="822960" y="286605"/>
-            <a:ext cx="7543800" cy="1119574"/>
-          </a:xfrm>
-        </p:spPr>
-        <p:txBody>
-          <a:bodyPr/>
-          <a:lstStyle/>
-          <a:p>
-            <a:r>
-              <a:rPr lang="en-US" dirty="0"/>
-              <a:t>Problem statement</a:t>
-            </a:r>
-          </a:p>
-        </p:txBody>
-      </p:sp>
-      <p:sp>
-        <p:nvSpPr>
-          <p:cNvPr id="3" name="TextBox 2">
-            <a:extLst>
-              <a:ext uri="{FF2B5EF4-FFF2-40B4-BE49-F238E27FC236}">
-                <a16:creationId xmlns:a16="http://schemas.microsoft.com/office/drawing/2014/main" id="{8410CC92-EA88-4B3C-B0FF-803964217A90}"/>
-              </a:ext>
-            </a:extLst>
-          </p:cNvPr>
-          <p:cNvSpPr txBox="1"/>
-          <p:nvPr/>
-        </p:nvSpPr>
-        <p:spPr>
-          <a:xfrm>
-            <a:off x="822960" y="1836649"/>
-            <a:ext cx="7191487" cy="3970318"/>
-          </a:xfrm>
-          <a:prstGeom prst="rect">
-            <a:avLst/>
-          </a:prstGeom>
-          <a:noFill/>
-        </p:spPr>
-        <p:txBody>
-          <a:bodyPr wrap="square" rtlCol="0">
-            <a:spAutoFit/>
-          </a:bodyPr>
-          <a:lstStyle/>
-          <a:p>
-            <a:r>
-              <a:rPr lang="en-US" sz="1800" dirty="0"/>
-              <a:t>To do, exploratory data analysis to </a:t>
-            </a:r>
-            <a:r>
-              <a:rPr lang="en-AU" dirty="0"/>
-              <a:t>the </a:t>
-            </a:r>
-            <a:r>
-              <a:rPr lang="en-US" sz="1800" dirty="0"/>
-              <a:t>past loan applicant’s dataset to understand consumer attributes and loan attributes that influence loan defaults.</a:t>
-            </a:r>
-            <a:endParaRPr lang="en-AU" dirty="0"/>
-          </a:p>
-          <a:p>
-            <a:endParaRPr lang="en-AU" dirty="0"/>
-          </a:p>
-          <a:p>
-            <a:pPr algn="l" rtl="0"/>
-            <a:r>
-              <a:rPr lang="en-US" b="0" i="0" dirty="0">
-                <a:solidFill>
-                  <a:srgbClr val="091E42"/>
-                </a:solidFill>
-                <a:effectLst/>
-                <a:latin typeface="freight-text-pro"/>
-              </a:rPr>
-              <a:t>When a person applies for a loan,</a:t>
-            </a:r>
-            <a:r>
-              <a:rPr lang="en-US" b="1" i="0" dirty="0">
-                <a:solidFill>
-                  <a:srgbClr val="091E42"/>
-                </a:solidFill>
-                <a:effectLst/>
-                <a:latin typeface="freight-text-pro"/>
-              </a:rPr>
-              <a:t> </a:t>
-            </a:r>
-            <a:r>
-              <a:rPr lang="en-US" b="0" i="0" dirty="0">
-                <a:solidFill>
-                  <a:srgbClr val="091E42"/>
-                </a:solidFill>
-                <a:effectLst/>
-                <a:latin typeface="freight-text-pro"/>
-              </a:rPr>
-              <a:t>there are</a:t>
-            </a:r>
-            <a:r>
-              <a:rPr lang="en-US" b="1" i="0" dirty="0">
-                <a:solidFill>
-                  <a:srgbClr val="091E42"/>
-                </a:solidFill>
-                <a:effectLst/>
-                <a:latin typeface="freight-text-pro"/>
-              </a:rPr>
-              <a:t> two types of decisions</a:t>
-            </a:r>
-            <a:r>
-              <a:rPr lang="en-US" b="0" i="0" dirty="0">
-                <a:solidFill>
-                  <a:srgbClr val="091E42"/>
-                </a:solidFill>
-                <a:effectLst/>
-                <a:latin typeface="freight-text-pro"/>
-              </a:rPr>
-              <a:t> that could be taken by the company:</a:t>
-            </a:r>
-          </a:p>
-          <a:p>
-            <a:pPr marL="285750" indent="-285750" algn="l" rtl="0">
-              <a:buFont typeface="Arial" panose="020B0604020202020204" pitchFamily="34" charset="0"/>
-              <a:buChar char="•"/>
-            </a:pPr>
-            <a:r>
-              <a:rPr lang="en-US" b="1" i="0" dirty="0">
-                <a:solidFill>
-                  <a:srgbClr val="091E42"/>
-                </a:solidFill>
-                <a:effectLst/>
-                <a:latin typeface="freight-text-pro"/>
-              </a:rPr>
-              <a:t>Loan accepted</a:t>
-            </a:r>
-            <a:endParaRPr lang="en-US" b="0" i="0" dirty="0">
-              <a:solidFill>
-                <a:srgbClr val="091E42"/>
-              </a:solidFill>
-              <a:effectLst/>
-              <a:latin typeface="freight-text-pro"/>
-            </a:endParaRPr>
-          </a:p>
-          <a:p>
-            <a:pPr marL="285750" indent="-285750" algn="l" rtl="0">
-              <a:buFont typeface="Arial" panose="020B0604020202020204" pitchFamily="34" charset="0"/>
-              <a:buChar char="•"/>
-            </a:pPr>
-            <a:r>
-              <a:rPr lang="en-US" b="1" i="0" dirty="0">
-                <a:solidFill>
-                  <a:srgbClr val="091E42"/>
-                </a:solidFill>
-                <a:effectLst/>
-                <a:latin typeface="freight-text-pro"/>
-              </a:rPr>
-              <a:t>Loan rejected</a:t>
-            </a:r>
-          </a:p>
-          <a:p>
-            <a:pPr marL="285750" indent="-285750" algn="l" rtl="0">
-              <a:buFont typeface="Arial" panose="020B0604020202020204" pitchFamily="34" charset="0"/>
-              <a:buChar char="•"/>
-            </a:pPr>
-            <a:endParaRPr lang="en-US" b="1" dirty="0">
-              <a:solidFill>
-                <a:srgbClr val="091E42"/>
-              </a:solidFill>
-              <a:latin typeface="freight-text-pro"/>
-            </a:endParaRPr>
-          </a:p>
-          <a:p>
-            <a:pPr algn="l" rtl="0"/>
-            <a:r>
-              <a:rPr lang="en-US" b="1" i="0" dirty="0">
-                <a:solidFill>
-                  <a:srgbClr val="091E42"/>
-                </a:solidFill>
-                <a:effectLst/>
-                <a:latin typeface="freight-text-pro"/>
-              </a:rPr>
-              <a:t>Finding Default!!</a:t>
-            </a:r>
-          </a:p>
-          <a:p>
-            <a:pPr algn="l" rtl="0"/>
-            <a:r>
-              <a:rPr lang="en-US" i="0" dirty="0">
-                <a:solidFill>
-                  <a:srgbClr val="091E42"/>
-                </a:solidFill>
-                <a:effectLst/>
-                <a:latin typeface="freight-text-pro"/>
-              </a:rPr>
-              <a:t>aka defaulters, someone</a:t>
-            </a:r>
-            <a:endParaRPr lang="en-US" b="1" i="0" dirty="0">
-              <a:solidFill>
-                <a:srgbClr val="091E42"/>
-              </a:solidFill>
-              <a:effectLst/>
-              <a:latin typeface="freight-text-pro"/>
-            </a:endParaRPr>
-          </a:p>
-          <a:p>
-            <a:pPr algn="l" rtl="0"/>
-            <a:r>
-              <a:rPr lang="en-US" i="0" dirty="0">
-                <a:solidFill>
-                  <a:srgbClr val="091E42"/>
-                </a:solidFill>
-                <a:effectLst/>
-                <a:latin typeface="freight-text-pro"/>
-              </a:rPr>
-              <a:t>not paying installments.</a:t>
-            </a:r>
-            <a:endParaRPr lang="en-US" b="0" i="0" dirty="0">
-              <a:solidFill>
-                <a:srgbClr val="091E42"/>
-              </a:solidFill>
-              <a:effectLst/>
-              <a:latin typeface="freight-text-pro"/>
-            </a:endParaRPr>
-          </a:p>
-          <a:p>
-            <a:br>
-              <a:rPr lang="en-US" b="0" i="0" dirty="0">
-                <a:solidFill>
-                  <a:srgbClr val="091E42"/>
-                </a:solidFill>
-                <a:effectLst/>
-                <a:latin typeface="freight-text-pro"/>
-              </a:rPr>
-            </a:br>
-            <a:endParaRPr lang="en-AU" dirty="0"/>
-          </a:p>
-        </p:txBody>
-      </p:sp>
       <p:pic>
         <p:nvPicPr>
           <p:cNvPr id="4" name="Picture 3">
@@ -4408,14 +7515,225 @@
         </p:blipFill>
         <p:spPr>
           <a:xfrm>
-            <a:off x="3496234" y="3583416"/>
-            <a:ext cx="5578608" cy="2720153"/>
+            <a:off x="3129093" y="4076580"/>
+            <a:ext cx="4343451" cy="2117885"/>
           </a:xfrm>
           <a:prstGeom prst="rect">
             <a:avLst/>
           </a:prstGeom>
         </p:spPr>
       </p:pic>
+      <p:sp>
+        <p:nvSpPr>
+          <p:cNvPr id="2" name="Title 1">
+            <a:extLst>
+              <a:ext uri="{FF2B5EF4-FFF2-40B4-BE49-F238E27FC236}">
+                <a16:creationId xmlns:a16="http://schemas.microsoft.com/office/drawing/2014/main" id="{C2938C08-651A-4275-A680-4C9FB5BDE7FD}"/>
+              </a:ext>
+            </a:extLst>
+          </p:cNvPr>
+          <p:cNvSpPr>
+            <a:spLocks noGrp="1"/>
+          </p:cNvSpPr>
+          <p:nvPr>
+            <p:ph type="title"/>
+          </p:nvPr>
+        </p:nvSpPr>
+        <p:spPr>
+          <a:xfrm>
+            <a:off x="822960" y="286605"/>
+            <a:ext cx="7543800" cy="1119574"/>
+          </a:xfrm>
+        </p:spPr>
+        <p:txBody>
+          <a:bodyPr/>
+          <a:lstStyle/>
+          <a:p>
+            <a:r>
+              <a:rPr lang="en-US" dirty="0"/>
+              <a:t>Problem statement</a:t>
+            </a:r>
+          </a:p>
+        </p:txBody>
+      </p:sp>
+      <p:sp>
+        <p:nvSpPr>
+          <p:cNvPr id="3" name="TextBox 2">
+            <a:extLst>
+              <a:ext uri="{FF2B5EF4-FFF2-40B4-BE49-F238E27FC236}">
+                <a16:creationId xmlns:a16="http://schemas.microsoft.com/office/drawing/2014/main" id="{8410CC92-EA88-4B3C-B0FF-803964217A90}"/>
+              </a:ext>
+            </a:extLst>
+          </p:cNvPr>
+          <p:cNvSpPr txBox="1"/>
+          <p:nvPr/>
+        </p:nvSpPr>
+        <p:spPr>
+          <a:xfrm>
+            <a:off x="822960" y="1811482"/>
+            <a:ext cx="7191487" cy="3416320"/>
+          </a:xfrm>
+          <a:prstGeom prst="rect">
+            <a:avLst/>
+          </a:prstGeom>
+          <a:noFill/>
+        </p:spPr>
+        <p:txBody>
+          <a:bodyPr wrap="square" rtlCol="0">
+            <a:spAutoFit/>
+          </a:bodyPr>
+          <a:lstStyle/>
+          <a:p>
+            <a:pPr algn="l" rtl="0"/>
+            <a:r>
+              <a:rPr lang="en-US" b="0" i="0" dirty="0">
+                <a:solidFill>
+                  <a:srgbClr val="091E42"/>
+                </a:solidFill>
+                <a:effectLst/>
+                <a:latin typeface="freight-text-pro"/>
+              </a:rPr>
+              <a:t>When a person applies for a loan,</a:t>
+            </a:r>
+            <a:r>
+              <a:rPr lang="en-US" b="1" i="0" dirty="0">
+                <a:solidFill>
+                  <a:srgbClr val="091E42"/>
+                </a:solidFill>
+                <a:effectLst/>
+                <a:latin typeface="freight-text-pro"/>
+              </a:rPr>
+              <a:t> </a:t>
+            </a:r>
+            <a:r>
+              <a:rPr lang="en-US" b="0" i="0" dirty="0">
+                <a:solidFill>
+                  <a:srgbClr val="091E42"/>
+                </a:solidFill>
+                <a:effectLst/>
+                <a:latin typeface="freight-text-pro"/>
+              </a:rPr>
+              <a:t>there are</a:t>
+            </a:r>
+            <a:r>
+              <a:rPr lang="en-US" b="1" i="0" dirty="0">
+                <a:solidFill>
+                  <a:srgbClr val="091E42"/>
+                </a:solidFill>
+                <a:effectLst/>
+                <a:latin typeface="freight-text-pro"/>
+              </a:rPr>
+              <a:t> two types of decisions</a:t>
+            </a:r>
+            <a:r>
+              <a:rPr lang="en-US" b="0" i="0" dirty="0">
+                <a:solidFill>
+                  <a:srgbClr val="091E42"/>
+                </a:solidFill>
+                <a:effectLst/>
+                <a:latin typeface="freight-text-pro"/>
+              </a:rPr>
+              <a:t> that could be taken by the company:</a:t>
+            </a:r>
+          </a:p>
+          <a:p>
+            <a:pPr marL="285750" indent="-285750" algn="l" rtl="0">
+              <a:buFont typeface="Arial" panose="020B0604020202020204" pitchFamily="34" charset="0"/>
+              <a:buChar char="•"/>
+            </a:pPr>
+            <a:r>
+              <a:rPr lang="en-US" b="1" i="0" dirty="0">
+                <a:solidFill>
+                  <a:srgbClr val="091E42"/>
+                </a:solidFill>
+                <a:effectLst/>
+                <a:latin typeface="freight-text-pro"/>
+              </a:rPr>
+              <a:t>Loan accepted</a:t>
+            </a:r>
+            <a:endParaRPr lang="en-US" b="0" i="0" dirty="0">
+              <a:solidFill>
+                <a:srgbClr val="091E42"/>
+              </a:solidFill>
+              <a:effectLst/>
+              <a:latin typeface="freight-text-pro"/>
+            </a:endParaRPr>
+          </a:p>
+          <a:p>
+            <a:pPr marL="285750" indent="-285750" algn="l" rtl="0">
+              <a:buFont typeface="Arial" panose="020B0604020202020204" pitchFamily="34" charset="0"/>
+              <a:buChar char="•"/>
+            </a:pPr>
+            <a:r>
+              <a:rPr lang="en-US" b="1" i="0" dirty="0">
+                <a:solidFill>
+                  <a:srgbClr val="091E42"/>
+                </a:solidFill>
+                <a:effectLst/>
+                <a:latin typeface="freight-text-pro"/>
+              </a:rPr>
+              <a:t>Loan rejected</a:t>
+            </a:r>
+          </a:p>
+          <a:p>
+            <a:pPr marL="285750" indent="-285750" algn="l" rtl="0">
+              <a:buFont typeface="Arial" panose="020B0604020202020204" pitchFamily="34" charset="0"/>
+              <a:buChar char="•"/>
+            </a:pPr>
+            <a:endParaRPr lang="en-US" b="1" dirty="0">
+              <a:solidFill>
+                <a:srgbClr val="091E42"/>
+              </a:solidFill>
+              <a:latin typeface="freight-text-pro"/>
+            </a:endParaRPr>
+          </a:p>
+          <a:p>
+            <a:r>
+              <a:rPr lang="en-US" sz="1800" dirty="0"/>
+              <a:t>Lending Club would like for us to do an exploratory data analysis to </a:t>
+            </a:r>
+            <a:r>
+              <a:rPr lang="en-AU" dirty="0"/>
+              <a:t>the </a:t>
+            </a:r>
+            <a:r>
+              <a:rPr lang="en-US" sz="1800" dirty="0"/>
+              <a:t>past loan applicant’s dataset to understand consumer attributes and loan attributes that drive </a:t>
+            </a:r>
+            <a:r>
+              <a:rPr lang="en-US" sz="1800" b="1" i="1" dirty="0"/>
+              <a:t>loan default behavior </a:t>
+            </a:r>
+            <a:r>
+              <a:rPr lang="en-US" sz="1800" dirty="0"/>
+              <a:t>&amp; thereby the ability to identify risky loan applicants.</a:t>
+            </a:r>
+            <a:endParaRPr lang="en-AU" dirty="0"/>
+          </a:p>
+          <a:p>
+            <a:pPr algn="l" rtl="0"/>
+            <a:endParaRPr lang="en-US" b="0" i="0" dirty="0">
+              <a:solidFill>
+                <a:srgbClr val="091E42"/>
+              </a:solidFill>
+              <a:effectLst/>
+              <a:latin typeface="freight-text-pro"/>
+            </a:endParaRPr>
+          </a:p>
+          <a:p>
+            <a:br>
+              <a:rPr lang="en-US" b="0" i="0" dirty="0">
+                <a:solidFill>
+                  <a:srgbClr val="091E42"/>
+                </a:solidFill>
+                <a:effectLst/>
+                <a:latin typeface="freight-text-pro"/>
+              </a:rPr>
+            </a:br>
+            <a:endParaRPr lang="en-AU" dirty="0"/>
+          </a:p>
+        </p:txBody>
+      </p:sp>
     </p:spTree>
     <p:extLst>
       <p:ext uri="{BB962C8B-B14F-4D97-AF65-F5344CB8AC3E}">
@@ -4448,10 +7766,10 @@
       </p:grpSpPr>
       <p:sp>
         <p:nvSpPr>
-          <p:cNvPr id="7" name="Title 6">
+          <p:cNvPr id="2" name="Title 1">
             <a:extLst>
               <a:ext uri="{FF2B5EF4-FFF2-40B4-BE49-F238E27FC236}">
-                <a16:creationId xmlns:a16="http://schemas.microsoft.com/office/drawing/2014/main" id="{AB3CB3D9-D307-40FB-A6EA-7E4EB0B248AB}"/>
+                <a16:creationId xmlns:a16="http://schemas.microsoft.com/office/drawing/2014/main" id="{54B801E3-AC4D-495E-9D2A-34850E54B90A}"/>
               </a:ext>
             </a:extLst>
           </p:cNvPr>
@@ -4462,134 +7780,50 @@
             <p:ph type="title"/>
           </p:nvPr>
         </p:nvSpPr>
-        <p:spPr>
-          <a:xfrm>
-            <a:off x="822960" y="286605"/>
-            <a:ext cx="7543800" cy="1075764"/>
-          </a:xfrm>
-        </p:spPr>
+        <p:spPr/>
         <p:txBody>
           <a:bodyPr/>
           <a:lstStyle/>
           <a:p>
             <a:r>
               <a:rPr lang="en-AU" dirty="0"/>
-              <a:t>Indicator of loan defaults</a:t>
+              <a:t>Structured process was followed to solve this problem</a:t>
             </a:r>
           </a:p>
         </p:txBody>
       </p:sp>
-      <p:sp>
-        <p:nvSpPr>
-          <p:cNvPr id="5" name="TextBox 4">
+      <p:graphicFrame>
+        <p:nvGraphicFramePr>
+          <p:cNvPr id="3" name="Diagram 2">
             <a:extLst>
               <a:ext uri="{FF2B5EF4-FFF2-40B4-BE49-F238E27FC236}">
-                <a16:creationId xmlns:a16="http://schemas.microsoft.com/office/drawing/2014/main" id="{3A60EAD9-24C2-4D5D-8316-4E8B22F18C30}"/>
+                <a16:creationId xmlns:a16="http://schemas.microsoft.com/office/drawing/2014/main" id="{D65FD5D4-8D7E-41B3-87C1-7FB9A221BF67}"/>
               </a:ext>
             </a:extLst>
           </p:cNvPr>
-          <p:cNvSpPr txBox="1"/>
-          <p:nvPr/>
-        </p:nvSpPr>
-        <p:spPr>
-          <a:xfrm>
-            <a:off x="950353" y="2282510"/>
-            <a:ext cx="2976188" cy="646331"/>
-          </a:xfrm>
-          <a:prstGeom prst="rect">
-            <a:avLst/>
-          </a:prstGeom>
-          <a:noFill/>
-        </p:spPr>
-        <p:txBody>
-          <a:bodyPr wrap="square" rtlCol="0">
-            <a:spAutoFit/>
-          </a:bodyPr>
-          <a:lstStyle/>
-          <a:p>
-            <a:r>
-              <a:rPr lang="en-AU" dirty="0"/>
-              <a:t>Consumer Attributes</a:t>
-            </a:r>
-          </a:p>
-          <a:p>
-            <a:pPr marL="285750" indent="-285750">
-              <a:buFontTx/>
-              <a:buChar char="-"/>
-            </a:pPr>
-            <a:r>
-              <a:rPr lang="en-AU" dirty="0"/>
-              <a:t>Employee Length</a:t>
-            </a:r>
-          </a:p>
-        </p:txBody>
-      </p:sp>
-      <p:sp>
-        <p:nvSpPr>
-          <p:cNvPr id="6" name="TextBox 5">
-            <a:extLst>
-              <a:ext uri="{FF2B5EF4-FFF2-40B4-BE49-F238E27FC236}">
-                <a16:creationId xmlns:a16="http://schemas.microsoft.com/office/drawing/2014/main" id="{4C68F882-69FA-4583-A395-0FF93BC7FBC1}"/>
-              </a:ext>
-            </a:extLst>
-          </p:cNvPr>
-          <p:cNvSpPr txBox="1"/>
-          <p:nvPr/>
-        </p:nvSpPr>
-        <p:spPr>
-          <a:xfrm>
-            <a:off x="4983190" y="2282510"/>
-            <a:ext cx="2976188" cy="1200329"/>
-          </a:xfrm>
-          <a:prstGeom prst="rect">
-            <a:avLst/>
-          </a:prstGeom>
-          <a:noFill/>
-        </p:spPr>
-        <p:txBody>
-          <a:bodyPr wrap="square" rtlCol="0">
-            <a:spAutoFit/>
-          </a:bodyPr>
-          <a:lstStyle/>
-          <a:p>
-            <a:r>
-              <a:rPr lang="en-AU" dirty="0"/>
-              <a:t>Loan Attributes</a:t>
-            </a:r>
-          </a:p>
-          <a:p>
-            <a:pPr marL="285750" indent="-285750">
-              <a:buFontTx/>
-              <a:buChar char="-"/>
-            </a:pPr>
-            <a:r>
-              <a:rPr lang="en-AU" dirty="0"/>
-              <a:t>Loan Purpose</a:t>
-            </a:r>
-          </a:p>
-          <a:p>
-            <a:pPr marL="285750" indent="-285750">
-              <a:buFontTx/>
-              <a:buChar char="-"/>
-            </a:pPr>
-            <a:r>
-              <a:rPr lang="en-AU" dirty="0"/>
-              <a:t>Interest rate</a:t>
-            </a:r>
-          </a:p>
-          <a:p>
-            <a:pPr marL="285750" indent="-285750">
-              <a:buFontTx/>
-              <a:buChar char="-"/>
-            </a:pPr>
-            <a:endParaRPr lang="en-AU" dirty="0"/>
-          </a:p>
-        </p:txBody>
-      </p:sp>
+          <p:cNvGraphicFramePr/>
+          <p:nvPr>
+            <p:extLst>
+              <p:ext uri="{D42A27DB-BD31-4B8C-83A1-F6EECF244321}">
+                <p14:modId xmlns:p14="http://schemas.microsoft.com/office/powerpoint/2010/main" val="2501106864"/>
+              </p:ext>
+            </p:extLst>
+          </p:nvPr>
+        </p:nvGraphicFramePr>
+        <p:xfrm>
+          <a:off x="117447" y="1737361"/>
+          <a:ext cx="8917496" cy="3933597"/>
+        </p:xfrm>
+        <a:graphic>
+          <a:graphicData uri="http://schemas.openxmlformats.org/drawingml/2006/diagram">
+            <dgm:relIds xmlns:dgm="http://schemas.openxmlformats.org/drawingml/2006/diagram" xmlns:r="http://schemas.openxmlformats.org/officeDocument/2006/relationships" r:dm="rId2" r:lo="rId3" r:qs="rId4" r:cs="rId5"/>
+          </a:graphicData>
+        </a:graphic>
+      </p:graphicFrame>
     </p:spTree>
     <p:extLst>
       <p:ext uri="{BB962C8B-B14F-4D97-AF65-F5344CB8AC3E}">
-        <p14:creationId xmlns:p14="http://schemas.microsoft.com/office/powerpoint/2010/main" val="3399604581"/>
+        <p14:creationId xmlns:p14="http://schemas.microsoft.com/office/powerpoint/2010/main" val="1831868558"/>
       </p:ext>
     </p:extLst>
   </p:cSld>
@@ -4632,24 +7866,29 @@
             <p:ph type="title"/>
           </p:nvPr>
         </p:nvSpPr>
-        <p:spPr/>
+        <p:spPr>
+          <a:xfrm>
+            <a:off x="822960" y="286605"/>
+            <a:ext cx="7543800" cy="1075764"/>
+          </a:xfrm>
+        </p:spPr>
         <p:txBody>
           <a:bodyPr/>
           <a:lstStyle/>
           <a:p>
             <a:r>
               <a:rPr lang="en-AU" dirty="0"/>
-              <a:t>Finding and recommendation</a:t>
+              <a:t>Data considered for the EDA</a:t>
             </a:r>
           </a:p>
         </p:txBody>
       </p:sp>
       <p:sp>
         <p:nvSpPr>
-          <p:cNvPr id="4" name="TextBox 3">
+          <p:cNvPr id="5" name="TextBox 4">
             <a:extLst>
               <a:ext uri="{FF2B5EF4-FFF2-40B4-BE49-F238E27FC236}">
-                <a16:creationId xmlns:a16="http://schemas.microsoft.com/office/drawing/2014/main" id="{02B71A8F-11E9-4591-81FE-429CACCDD67B}"/>
+                <a16:creationId xmlns:a16="http://schemas.microsoft.com/office/drawing/2014/main" id="{3A60EAD9-24C2-4D5D-8316-4E8B22F18C30}"/>
               </a:ext>
             </a:extLst>
           </p:cNvPr>
@@ -4658,8 +7897,8 @@
         </p:nvSpPr>
         <p:spPr>
           <a:xfrm>
-            <a:off x="1018663" y="2075465"/>
-            <a:ext cx="5897460" cy="3139321"/>
+            <a:off x="183132" y="2053824"/>
+            <a:ext cx="3566760" cy="3170099"/>
           </a:xfrm>
           <a:prstGeom prst="rect">
             <a:avLst/>
@@ -4672,21 +7911,19 @@
           </a:bodyPr>
           <a:lstStyle/>
           <a:p>
+            <a:r>
+              <a:rPr lang="en-AU" sz="2000" b="1" dirty="0"/>
+              <a:t>Consumer Attributes</a:t>
+            </a:r>
+          </a:p>
+          <a:p>
             <a:pPr marL="285750" indent="-285750">
               <a:buFontTx/>
               <a:buChar char="-"/>
             </a:pPr>
             <a:r>
-              <a:rPr lang="en-US" dirty="0"/>
-              <a:t>Any loan applicant with </a:t>
-            </a:r>
-            <a:r>
-              <a:rPr lang="en-US" b="1" dirty="0"/>
-              <a:t>annual income less than 100K </a:t>
-            </a:r>
-            <a:r>
-              <a:rPr lang="en-US" dirty="0"/>
-              <a:t>should go through heightened scrutiny</a:t>
+              <a:rPr lang="en-AU" dirty="0"/>
+              <a:t>Annual income</a:t>
             </a:r>
           </a:p>
           <a:p>
@@ -4695,24 +7932,8 @@
               <a:buChar char="-"/>
             </a:pPr>
             <a:r>
-              <a:rPr lang="en-US" dirty="0"/>
-              <a:t>It's </a:t>
-            </a:r>
-            <a:r>
-              <a:rPr lang="en-US" b="1" dirty="0"/>
-              <a:t>risky</a:t>
-            </a:r>
-            <a:r>
-              <a:rPr lang="en-US" dirty="0"/>
-              <a:t> to offer loan to applicants with </a:t>
-            </a:r>
-            <a:r>
-              <a:rPr lang="en-US" b="1" dirty="0"/>
-              <a:t>higher DTI and Loan to income ratio</a:t>
-            </a:r>
-            <a:r>
-              <a:rPr lang="en-US" dirty="0"/>
-              <a:t>.</a:t>
+              <a:rPr lang="en-AU" dirty="0"/>
+              <a:t>Employment  Length</a:t>
             </a:r>
           </a:p>
           <a:p>
@@ -4721,24 +7942,8 @@
               <a:buChar char="-"/>
             </a:pPr>
             <a:r>
-              <a:rPr lang="en-US" dirty="0"/>
-              <a:t>The higher default rate in </a:t>
-            </a:r>
-            <a:r>
-              <a:rPr lang="en-US" b="1" dirty="0"/>
-              <a:t>high interest rate </a:t>
-            </a:r>
-            <a:r>
-              <a:rPr lang="en-US" dirty="0"/>
-              <a:t>category evidently says it's </a:t>
-            </a:r>
-            <a:r>
-              <a:rPr lang="en-US" b="1" dirty="0"/>
-              <a:t>risky to offer high interest </a:t>
-            </a:r>
-            <a:r>
-              <a:rPr lang="en-US" dirty="0"/>
-              <a:t>loan to customers.</a:t>
+              <a:rPr lang="en-AU" dirty="0"/>
+              <a:t>Home ownership</a:t>
             </a:r>
           </a:p>
           <a:p>
@@ -4747,8 +7952,8 @@
               <a:buChar char="-"/>
             </a:pPr>
             <a:r>
-              <a:rPr lang="en-US" dirty="0"/>
-              <a:t>Any loan applicant who has a credit age  below 5 years should go through heightened scrutiny.</a:t>
+              <a:rPr lang="en-AU" dirty="0"/>
+              <a:t>Debt-to-income ratio</a:t>
             </a:r>
           </a:p>
           <a:p>
@@ -4756,9 +7961,559 @@
               <a:buFontTx/>
               <a:buChar char="-"/>
             </a:pPr>
-            <a:endParaRPr lang="en-US" dirty="0"/>
-          </a:p>
-          <a:p>
+            <a:r>
+              <a:rPr lang="en-AU" dirty="0"/>
+              <a:t>Past delinquencies/bankruptcies</a:t>
+            </a:r>
+          </a:p>
+          <a:p>
+            <a:pPr marL="285750" indent="-285750">
+              <a:buFontTx/>
+              <a:buChar char="-"/>
+            </a:pPr>
+            <a:r>
+              <a:rPr lang="en-AU" dirty="0"/>
+              <a:t>Earliest credit line open</a:t>
+            </a:r>
+          </a:p>
+          <a:p>
+            <a:pPr marL="285750" indent="-285750">
+              <a:buFontTx/>
+              <a:buChar char="-"/>
+            </a:pPr>
+            <a:r>
+              <a:rPr lang="en-AU" dirty="0"/>
+              <a:t>State/Postcode</a:t>
+            </a:r>
+          </a:p>
+          <a:p>
+            <a:pPr marL="285750" indent="-285750">
+              <a:buFontTx/>
+              <a:buChar char="-"/>
+            </a:pPr>
+            <a:r>
+              <a:rPr lang="en-AU" dirty="0"/>
+              <a:t>Revolving balance &amp; utilisation</a:t>
+            </a:r>
+          </a:p>
+          <a:p>
+            <a:pPr marL="285750" indent="-285750">
+              <a:buFontTx/>
+              <a:buChar char="-"/>
+            </a:pPr>
+            <a:r>
+              <a:rPr lang="en-AU" dirty="0"/>
+              <a:t>Employment title</a:t>
+            </a:r>
+          </a:p>
+          <a:p>
+            <a:pPr marL="285750" indent="-285750">
+              <a:buFontTx/>
+              <a:buChar char="-"/>
+            </a:pPr>
+            <a:endParaRPr lang="en-AU" dirty="0"/>
+          </a:p>
+        </p:txBody>
+      </p:sp>
+      <p:sp>
+        <p:nvSpPr>
+          <p:cNvPr id="6" name="TextBox 5">
+            <a:extLst>
+              <a:ext uri="{FF2B5EF4-FFF2-40B4-BE49-F238E27FC236}">
+                <a16:creationId xmlns:a16="http://schemas.microsoft.com/office/drawing/2014/main" id="{4C68F882-69FA-4583-A395-0FF93BC7FBC1}"/>
+              </a:ext>
+            </a:extLst>
+          </p:cNvPr>
+          <p:cNvSpPr txBox="1"/>
+          <p:nvPr/>
+        </p:nvSpPr>
+        <p:spPr>
+          <a:xfrm>
+            <a:off x="3906016" y="2053824"/>
+            <a:ext cx="2976188" cy="3416320"/>
+          </a:xfrm>
+          <a:prstGeom prst="rect">
+            <a:avLst/>
+          </a:prstGeom>
+          <a:noFill/>
+        </p:spPr>
+        <p:txBody>
+          <a:bodyPr wrap="square" rtlCol="0">
+            <a:spAutoFit/>
+          </a:bodyPr>
+          <a:lstStyle/>
+          <a:p>
+            <a:r>
+              <a:rPr lang="en-AU" sz="2000" b="1" dirty="0"/>
+              <a:t>Loan Attributes</a:t>
+            </a:r>
+          </a:p>
+          <a:p>
+            <a:pPr marL="285750" indent="-285750">
+              <a:buFontTx/>
+              <a:buChar char="-"/>
+            </a:pPr>
+            <a:r>
+              <a:rPr lang="en-AU" dirty="0"/>
+              <a:t>Loan amount</a:t>
+            </a:r>
+          </a:p>
+          <a:p>
+            <a:pPr marL="285750" indent="-285750">
+              <a:buFontTx/>
+              <a:buChar char="-"/>
+            </a:pPr>
+            <a:r>
+              <a:rPr lang="en-AU" dirty="0"/>
+              <a:t>Funded amount</a:t>
+            </a:r>
+          </a:p>
+          <a:p>
+            <a:pPr marL="285750" indent="-285750">
+              <a:buFontTx/>
+              <a:buChar char="-"/>
+            </a:pPr>
+            <a:r>
+              <a:rPr lang="en-AU" dirty="0"/>
+              <a:t>Instalment</a:t>
+            </a:r>
+          </a:p>
+          <a:p>
+            <a:pPr marL="285750" indent="-285750">
+              <a:buFontTx/>
+              <a:buChar char="-"/>
+            </a:pPr>
+            <a:r>
+              <a:rPr lang="en-AU" dirty="0"/>
+              <a:t>Interest rate</a:t>
+            </a:r>
+          </a:p>
+          <a:p>
+            <a:pPr marL="285750" indent="-285750">
+              <a:buFontTx/>
+              <a:buChar char="-"/>
+            </a:pPr>
+            <a:r>
+              <a:rPr lang="en-AU" dirty="0"/>
+              <a:t>Term</a:t>
+            </a:r>
+          </a:p>
+          <a:p>
+            <a:pPr marL="285750" indent="-285750">
+              <a:buFontTx/>
+              <a:buChar char="-"/>
+            </a:pPr>
+            <a:r>
+              <a:rPr lang="en-AU" dirty="0"/>
+              <a:t>Grade</a:t>
+            </a:r>
+          </a:p>
+          <a:p>
+            <a:pPr marL="285750" indent="-285750">
+              <a:buFontTx/>
+              <a:buChar char="-"/>
+            </a:pPr>
+            <a:r>
+              <a:rPr lang="en-AU" dirty="0"/>
+              <a:t>Verification status</a:t>
+            </a:r>
+          </a:p>
+          <a:p>
+            <a:pPr marL="285750" indent="-285750">
+              <a:buFontTx/>
+              <a:buChar char="-"/>
+            </a:pPr>
+            <a:r>
+              <a:rPr lang="en-AU" dirty="0"/>
+              <a:t>Title</a:t>
+            </a:r>
+          </a:p>
+          <a:p>
+            <a:pPr marL="285750" indent="-285750">
+              <a:buFontTx/>
+              <a:buChar char="-"/>
+            </a:pPr>
+            <a:r>
+              <a:rPr lang="en-AU" dirty="0"/>
+              <a:t>Loan Purpose</a:t>
+            </a:r>
+          </a:p>
+          <a:p>
+            <a:pPr marL="285750" indent="-285750">
+              <a:buFontTx/>
+              <a:buChar char="-"/>
+            </a:pPr>
+            <a:endParaRPr lang="en-AU" dirty="0"/>
+          </a:p>
+          <a:p>
+            <a:pPr marL="285750" indent="-285750">
+              <a:buFontTx/>
+              <a:buChar char="-"/>
+            </a:pPr>
+            <a:endParaRPr lang="en-AU" dirty="0"/>
+          </a:p>
+        </p:txBody>
+      </p:sp>
+      <p:sp>
+        <p:nvSpPr>
+          <p:cNvPr id="2" name="Right Brace 1">
+            <a:extLst>
+              <a:ext uri="{FF2B5EF4-FFF2-40B4-BE49-F238E27FC236}">
+                <a16:creationId xmlns:a16="http://schemas.microsoft.com/office/drawing/2014/main" id="{1A99D15B-4B08-4E4D-AFBC-1C9E0AAA8C47}"/>
+              </a:ext>
+            </a:extLst>
+          </p:cNvPr>
+          <p:cNvSpPr/>
+          <p:nvPr/>
+        </p:nvSpPr>
+        <p:spPr>
+          <a:xfrm rot="5400000">
+            <a:off x="2894736" y="3430064"/>
+            <a:ext cx="427839" cy="3652321"/>
+          </a:xfrm>
+          <a:prstGeom prst="rightBrace">
+            <a:avLst/>
+          </a:prstGeom>
+        </p:spPr>
+        <p:style>
+          <a:lnRef idx="1">
+            <a:schemeClr val="accent1"/>
+          </a:lnRef>
+          <a:fillRef idx="0">
+            <a:schemeClr val="accent1"/>
+          </a:fillRef>
+          <a:effectRef idx="0">
+            <a:schemeClr val="accent1"/>
+          </a:effectRef>
+          <a:fontRef idx="minor">
+            <a:schemeClr val="tx1"/>
+          </a:fontRef>
+        </p:style>
+        <p:txBody>
+          <a:bodyPr rtlCol="0" anchor="ctr"/>
+          <a:lstStyle/>
+          <a:p>
+            <a:pPr algn="ctr"/>
+            <a:endParaRPr lang="en-AU"/>
+          </a:p>
+        </p:txBody>
+      </p:sp>
+      <p:sp>
+        <p:nvSpPr>
+          <p:cNvPr id="8" name="TextBox 7">
+            <a:extLst>
+              <a:ext uri="{FF2B5EF4-FFF2-40B4-BE49-F238E27FC236}">
+                <a16:creationId xmlns:a16="http://schemas.microsoft.com/office/drawing/2014/main" id="{D583E2D7-D179-4E2F-8FEC-56952734BBB9}"/>
+              </a:ext>
+            </a:extLst>
+          </p:cNvPr>
+          <p:cNvSpPr txBox="1"/>
+          <p:nvPr/>
+        </p:nvSpPr>
+        <p:spPr>
+          <a:xfrm>
+            <a:off x="6878666" y="2053824"/>
+            <a:ext cx="1690568" cy="1508105"/>
+          </a:xfrm>
+          <a:prstGeom prst="rect">
+            <a:avLst/>
+          </a:prstGeom>
+          <a:noFill/>
+        </p:spPr>
+        <p:txBody>
+          <a:bodyPr wrap="square" rtlCol="0">
+            <a:spAutoFit/>
+          </a:bodyPr>
+          <a:lstStyle/>
+          <a:p>
+            <a:r>
+              <a:rPr lang="en-AU" sz="2000" b="1" dirty="0"/>
+              <a:t>Loan Status</a:t>
+            </a:r>
+          </a:p>
+          <a:p>
+            <a:pPr marL="285750" indent="-285750">
+              <a:buFontTx/>
+              <a:buChar char="-"/>
+            </a:pPr>
+            <a:r>
+              <a:rPr lang="en-AU" dirty="0"/>
+              <a:t>Fully Paid</a:t>
+            </a:r>
+          </a:p>
+          <a:p>
+            <a:pPr marL="285750" indent="-285750">
+              <a:buFontTx/>
+              <a:buChar char="-"/>
+            </a:pPr>
+            <a:r>
+              <a:rPr lang="en-AU" dirty="0">
+                <a:solidFill>
+                  <a:srgbClr val="FF0000"/>
+                </a:solidFill>
+              </a:rPr>
+              <a:t>Charge-off</a:t>
+            </a:r>
+          </a:p>
+          <a:p>
+            <a:pPr marL="285750" indent="-285750">
+              <a:buFontTx/>
+              <a:buChar char="-"/>
+            </a:pPr>
+            <a:endParaRPr lang="en-AU" dirty="0"/>
+          </a:p>
+          <a:p>
+            <a:pPr marL="285750" indent="-285750">
+              <a:buFontTx/>
+              <a:buChar char="-"/>
+            </a:pPr>
+            <a:endParaRPr lang="en-AU" dirty="0"/>
+          </a:p>
+        </p:txBody>
+      </p:sp>
+      <p:sp>
+        <p:nvSpPr>
+          <p:cNvPr id="9" name="TextBox 8">
+            <a:extLst>
+              <a:ext uri="{FF2B5EF4-FFF2-40B4-BE49-F238E27FC236}">
+                <a16:creationId xmlns:a16="http://schemas.microsoft.com/office/drawing/2014/main" id="{ED61C809-0A90-424F-87D2-244A4B442013}"/>
+              </a:ext>
+            </a:extLst>
+          </p:cNvPr>
+          <p:cNvSpPr txBox="1"/>
+          <p:nvPr/>
+        </p:nvSpPr>
+        <p:spPr>
+          <a:xfrm>
+            <a:off x="933366" y="5470144"/>
+            <a:ext cx="5438435" cy="954107"/>
+          </a:xfrm>
+          <a:prstGeom prst="rect">
+            <a:avLst/>
+          </a:prstGeom>
+          <a:noFill/>
+        </p:spPr>
+        <p:txBody>
+          <a:bodyPr wrap="square" rtlCol="0">
+            <a:spAutoFit/>
+          </a:bodyPr>
+          <a:lstStyle/>
+          <a:p>
+            <a:r>
+              <a:rPr lang="en-AU" sz="2000" b="1" dirty="0"/>
+              <a:t>Input variables of interest for analysis</a:t>
+            </a:r>
+            <a:endParaRPr lang="en-AU" dirty="0"/>
+          </a:p>
+          <a:p>
+            <a:pPr marL="285750" indent="-285750">
+              <a:buFontTx/>
+              <a:buChar char="-"/>
+            </a:pPr>
+            <a:endParaRPr lang="en-AU" dirty="0"/>
+          </a:p>
+          <a:p>
+            <a:pPr marL="285750" indent="-285750">
+              <a:buFontTx/>
+              <a:buChar char="-"/>
+            </a:pPr>
+            <a:endParaRPr lang="en-AU" dirty="0"/>
+          </a:p>
+        </p:txBody>
+      </p:sp>
+      <p:cxnSp>
+        <p:nvCxnSpPr>
+          <p:cNvPr id="4" name="Straight Connector 3">
+            <a:extLst>
+              <a:ext uri="{FF2B5EF4-FFF2-40B4-BE49-F238E27FC236}">
+                <a16:creationId xmlns:a16="http://schemas.microsoft.com/office/drawing/2014/main" id="{F017D82B-0B7A-48FC-9F4D-1275774A5FBE}"/>
+              </a:ext>
+            </a:extLst>
+          </p:cNvPr>
+          <p:cNvCxnSpPr/>
+          <p:nvPr/>
+        </p:nvCxnSpPr>
+        <p:spPr>
+          <a:xfrm>
+            <a:off x="6371801" y="2299063"/>
+            <a:ext cx="0" cy="2625634"/>
+          </a:xfrm>
+          <a:prstGeom prst="line">
+            <a:avLst/>
+          </a:prstGeom>
+        </p:spPr>
+        <p:style>
+          <a:lnRef idx="3">
+            <a:schemeClr val="accent2"/>
+          </a:lnRef>
+          <a:fillRef idx="0">
+            <a:schemeClr val="accent2"/>
+          </a:fillRef>
+          <a:effectRef idx="2">
+            <a:schemeClr val="accent2"/>
+          </a:effectRef>
+          <a:fontRef idx="minor">
+            <a:schemeClr val="tx1"/>
+          </a:fontRef>
+        </p:style>
+      </p:cxnSp>
+      <p:sp>
+        <p:nvSpPr>
+          <p:cNvPr id="10" name="Right Brace 9">
+            <a:extLst>
+              <a:ext uri="{FF2B5EF4-FFF2-40B4-BE49-F238E27FC236}">
+                <a16:creationId xmlns:a16="http://schemas.microsoft.com/office/drawing/2014/main" id="{D4FA94D5-A825-4295-A0AC-C619E44FE2BE}"/>
+              </a:ext>
+            </a:extLst>
+          </p:cNvPr>
+          <p:cNvSpPr/>
+          <p:nvPr/>
+        </p:nvSpPr>
+        <p:spPr>
+          <a:xfrm rot="5400000">
+            <a:off x="7451426" y="4629205"/>
+            <a:ext cx="427839" cy="1254036"/>
+          </a:xfrm>
+          <a:prstGeom prst="rightBrace">
+            <a:avLst/>
+          </a:prstGeom>
+        </p:spPr>
+        <p:style>
+          <a:lnRef idx="1">
+            <a:schemeClr val="accent1"/>
+          </a:lnRef>
+          <a:fillRef idx="0">
+            <a:schemeClr val="accent1"/>
+          </a:fillRef>
+          <a:effectRef idx="0">
+            <a:schemeClr val="accent1"/>
+          </a:effectRef>
+          <a:fontRef idx="minor">
+            <a:schemeClr val="tx1"/>
+          </a:fontRef>
+        </p:style>
+        <p:txBody>
+          <a:bodyPr rtlCol="0" anchor="ctr"/>
+          <a:lstStyle/>
+          <a:p>
+            <a:pPr algn="ctr"/>
+            <a:endParaRPr lang="en-AU"/>
+          </a:p>
+        </p:txBody>
+      </p:sp>
+      <p:sp>
+        <p:nvSpPr>
+          <p:cNvPr id="11" name="TextBox 10">
+            <a:extLst>
+              <a:ext uri="{FF2B5EF4-FFF2-40B4-BE49-F238E27FC236}">
+                <a16:creationId xmlns:a16="http://schemas.microsoft.com/office/drawing/2014/main" id="{3E8BC64C-3F4A-46AD-BF9D-6C05DC8C0039}"/>
+              </a:ext>
+            </a:extLst>
+          </p:cNvPr>
+          <p:cNvSpPr txBox="1"/>
+          <p:nvPr/>
+        </p:nvSpPr>
+        <p:spPr>
+          <a:xfrm>
+            <a:off x="6025961" y="5470143"/>
+            <a:ext cx="3352138" cy="954107"/>
+          </a:xfrm>
+          <a:prstGeom prst="rect">
+            <a:avLst/>
+          </a:prstGeom>
+          <a:noFill/>
+        </p:spPr>
+        <p:txBody>
+          <a:bodyPr wrap="square" rtlCol="0">
+            <a:spAutoFit/>
+          </a:bodyPr>
+          <a:lstStyle/>
+          <a:p>
+            <a:r>
+              <a:rPr lang="en-AU" sz="2000" b="1" dirty="0"/>
+              <a:t>Target variable for analysis</a:t>
+            </a:r>
+            <a:endParaRPr lang="en-AU" dirty="0"/>
+          </a:p>
+          <a:p>
+            <a:pPr marL="285750" indent="-285750">
+              <a:buFontTx/>
+              <a:buChar char="-"/>
+            </a:pPr>
+            <a:endParaRPr lang="en-AU" dirty="0"/>
+          </a:p>
+          <a:p>
+            <a:pPr marL="285750" indent="-285750">
+              <a:buFontTx/>
+              <a:buChar char="-"/>
+            </a:pPr>
+            <a:endParaRPr lang="en-AU" dirty="0"/>
+          </a:p>
+        </p:txBody>
+      </p:sp>
+      <p:sp>
+        <p:nvSpPr>
+          <p:cNvPr id="12" name="TextBox 11">
+            <a:extLst>
+              <a:ext uri="{FF2B5EF4-FFF2-40B4-BE49-F238E27FC236}">
+                <a16:creationId xmlns:a16="http://schemas.microsoft.com/office/drawing/2014/main" id="{0FA50E79-8BAC-4FA7-9ADB-7E6C8BE47EB2}"/>
+              </a:ext>
+            </a:extLst>
+          </p:cNvPr>
+          <p:cNvSpPr txBox="1"/>
+          <p:nvPr/>
+        </p:nvSpPr>
+        <p:spPr>
+          <a:xfrm>
+            <a:off x="6842435" y="3165287"/>
+            <a:ext cx="1980837" cy="1785104"/>
+          </a:xfrm>
+          <a:prstGeom prst="rect">
+            <a:avLst/>
+          </a:prstGeom>
+          <a:noFill/>
+        </p:spPr>
+        <p:txBody>
+          <a:bodyPr wrap="square" rtlCol="0">
+            <a:spAutoFit/>
+          </a:bodyPr>
+          <a:lstStyle/>
+          <a:p>
+            <a:r>
+              <a:rPr lang="en-AU" sz="2000" b="1" dirty="0"/>
+              <a:t>Default Flag</a:t>
+            </a:r>
+          </a:p>
+          <a:p>
+            <a:pPr marL="285750" indent="-285750">
+              <a:buFontTx/>
+              <a:buChar char="-"/>
+            </a:pPr>
+            <a:r>
+              <a:rPr lang="en-AU" dirty="0"/>
+              <a:t>Loans for which status was </a:t>
+            </a:r>
+            <a:r>
+              <a:rPr lang="en-AU" dirty="0">
+                <a:solidFill>
+                  <a:srgbClr val="FF0000"/>
+                </a:solidFill>
+              </a:rPr>
+              <a:t>Charge-off</a:t>
+            </a:r>
+          </a:p>
+          <a:p>
+            <a:pPr marL="285750" indent="-285750">
+              <a:buFontTx/>
+              <a:buChar char="-"/>
+            </a:pPr>
+            <a:endParaRPr lang="en-AU" dirty="0"/>
+          </a:p>
+          <a:p>
+            <a:pPr marL="285750" indent="-285750">
+              <a:buFontTx/>
+              <a:buChar char="-"/>
+            </a:pPr>
             <a:endParaRPr lang="en-AU" dirty="0"/>
           </a:p>
         </p:txBody>
@@ -4766,7 +8521,7 @@
     </p:spTree>
     <p:extLst>
       <p:ext uri="{BB962C8B-B14F-4D97-AF65-F5344CB8AC3E}">
-        <p14:creationId xmlns:p14="http://schemas.microsoft.com/office/powerpoint/2010/main" val="151704015"/>
+        <p14:creationId xmlns:p14="http://schemas.microsoft.com/office/powerpoint/2010/main" val="3399604581"/>
       </p:ext>
     </p:extLst>
   </p:cSld>
@@ -4816,12 +8571,21 @@
           </a:xfrm>
         </p:spPr>
         <p:txBody>
-          <a:bodyPr/>
+          <a:bodyPr>
+            <a:normAutofit fontScale="90000"/>
+          </a:bodyPr>
           <a:lstStyle/>
           <a:p>
             <a:r>
               <a:rPr lang="en-AU" dirty="0"/>
-              <a:t>Data Analysis- Numerical</a:t>
+              <a:t>Data analysis illustration -</a:t>
+            </a:r>
+            <a:br>
+              <a:rPr lang="en-AU" dirty="0"/>
+            </a:br>
+            <a:r>
+              <a:rPr lang="en-AU" dirty="0"/>
+              <a:t>Numerical variable example#1</a:t>
             </a:r>
           </a:p>
         </p:txBody>
@@ -4840,8 +8604,8 @@
         </p:nvSpPr>
         <p:spPr>
           <a:xfrm>
-            <a:off x="1149292" y="2843868"/>
-            <a:ext cx="5897460" cy="1477328"/>
+            <a:off x="6381749" y="2520018"/>
+            <a:ext cx="2286001" cy="2246769"/>
           </a:xfrm>
           <a:prstGeom prst="rect">
             <a:avLst/>
@@ -4854,20 +8618,11 @@
           </a:bodyPr>
           <a:lstStyle/>
           <a:p>
-            <a:r>
-              <a:rPr lang="en-AU" dirty="0"/>
-              <a:t>Example of numerical variable and how we analysed it, came up with findings, insights &amp; recommendation</a:t>
-            </a:r>
-          </a:p>
-          <a:p>
             <a:pPr marL="285750" indent="-285750">
               <a:buFontTx/>
               <a:buChar char="-"/>
             </a:pPr>
-            <a:r>
-              <a:rPr lang="en-AU" dirty="0"/>
-              <a:t>All related charts form python notebook</a:t>
-            </a:r>
+            <a:endParaRPr lang="en-US" sz="1400" dirty="0"/>
           </a:p>
           <a:p>
             <a:pPr marL="285750" indent="-285750">
@@ -4875,11 +8630,102 @@
               <a:buChar char="-"/>
             </a:pPr>
             <a:r>
-              <a:rPr lang="en-AU" dirty="0"/>
-              <a:t>Write some text box comments</a:t>
-            </a:r>
-          </a:p>
-          <a:p>
+              <a:rPr lang="en-US" sz="1400" dirty="0"/>
+              <a:t> As expected lower incomes have higher default rate, </a:t>
+            </a:r>
+            <a:r>
+              <a:rPr lang="en-US" sz="1400" dirty="0" err="1"/>
+              <a:t>atleast</a:t>
+            </a:r>
+            <a:r>
+              <a:rPr lang="en-US" sz="1400" dirty="0"/>
+              <a:t> until 80k</a:t>
+            </a:r>
+          </a:p>
+          <a:p>
+            <a:pPr marL="285750" indent="-285750">
+              <a:buFontTx/>
+              <a:buChar char="-"/>
+            </a:pPr>
+            <a:r>
+              <a:rPr lang="en-US" sz="1400" dirty="0"/>
+              <a:t>    And then onwards with higher annual income the default rate is on lower side</a:t>
+            </a:r>
+          </a:p>
+          <a:p>
+            <a:endParaRPr lang="en-AU" sz="1400" dirty="0"/>
+          </a:p>
+        </p:txBody>
+      </p:sp>
+      <p:pic>
+        <p:nvPicPr>
+          <p:cNvPr id="3" name="Picture 2">
+            <a:extLst>
+              <a:ext uri="{FF2B5EF4-FFF2-40B4-BE49-F238E27FC236}">
+                <a16:creationId xmlns:a16="http://schemas.microsoft.com/office/drawing/2014/main" id="{DED23923-C4B8-422A-935E-581B3452DACC}"/>
+              </a:ext>
+            </a:extLst>
+          </p:cNvPr>
+          <p:cNvPicPr>
+            <a:picLocks noChangeAspect="1"/>
+          </p:cNvPicPr>
+          <p:nvPr/>
+        </p:nvPicPr>
+        <p:blipFill>
+          <a:blip r:embed="rId2"/>
+          <a:stretch>
+            <a:fillRect/>
+          </a:stretch>
+        </p:blipFill>
+        <p:spPr>
+          <a:xfrm>
+            <a:off x="647700" y="2162175"/>
+            <a:ext cx="5140643" cy="3333750"/>
+          </a:xfrm>
+          <a:prstGeom prst="rect">
+            <a:avLst/>
+          </a:prstGeom>
+          <a:ln>
+            <a:solidFill>
+              <a:schemeClr val="bg1">
+                <a:lumMod val="65000"/>
+              </a:schemeClr>
+            </a:solidFill>
+          </a:ln>
+        </p:spPr>
+      </p:pic>
+      <p:sp>
+        <p:nvSpPr>
+          <p:cNvPr id="6" name="TextBox 5">
+            <a:extLst>
+              <a:ext uri="{FF2B5EF4-FFF2-40B4-BE49-F238E27FC236}">
+                <a16:creationId xmlns:a16="http://schemas.microsoft.com/office/drawing/2014/main" id="{06DCDAD8-1201-422C-904D-F72D7EB3A82C}"/>
+              </a:ext>
+            </a:extLst>
+          </p:cNvPr>
+          <p:cNvSpPr txBox="1"/>
+          <p:nvPr/>
+        </p:nvSpPr>
+        <p:spPr>
+          <a:xfrm>
+            <a:off x="547950" y="1703020"/>
+            <a:ext cx="3252263" cy="400110"/>
+          </a:xfrm>
+          <a:prstGeom prst="rect">
+            <a:avLst/>
+          </a:prstGeom>
+          <a:noFill/>
+        </p:spPr>
+        <p:txBody>
+          <a:bodyPr wrap="square" rtlCol="0">
+            <a:spAutoFit/>
+          </a:bodyPr>
+          <a:lstStyle/>
+          <a:p>
+            <a:r>
+              <a:rPr lang="en-AU" sz="2000" b="1" dirty="0"/>
+              <a:t>Annual Income of customer</a:t>
+            </a:r>
             <a:endParaRPr lang="en-AU" dirty="0"/>
           </a:p>
         </p:txBody>
@@ -4932,17 +8778,26 @@
         </p:nvSpPr>
         <p:spPr>
           <a:xfrm>
-            <a:off x="800100" y="607038"/>
-            <a:ext cx="7543800" cy="906717"/>
+            <a:off x="800100" y="578597"/>
+            <a:ext cx="7543800" cy="912105"/>
           </a:xfrm>
         </p:spPr>
         <p:txBody>
-          <a:bodyPr/>
+          <a:bodyPr>
+            <a:normAutofit fontScale="90000"/>
+          </a:bodyPr>
           <a:lstStyle/>
           <a:p>
             <a:r>
               <a:rPr lang="en-AU" dirty="0"/>
-              <a:t>Data Analysis- Categorical</a:t>
+              <a:t>Data analysis illustration -</a:t>
+            </a:r>
+            <a:br>
+              <a:rPr lang="en-AU" dirty="0"/>
+            </a:br>
+            <a:r>
+              <a:rPr lang="en-AU" dirty="0"/>
+              <a:t>Numerical variable example#2</a:t>
             </a:r>
           </a:p>
         </p:txBody>
@@ -4961,8 +8816,8 @@
         </p:nvSpPr>
         <p:spPr>
           <a:xfrm>
-            <a:off x="1149292" y="2843868"/>
-            <a:ext cx="5897460" cy="1477328"/>
+            <a:off x="5680394" y="2791864"/>
+            <a:ext cx="2286001" cy="1815882"/>
           </a:xfrm>
           <a:prstGeom prst="rect">
             <a:avLst/>
@@ -4975,20 +8830,11 @@
           </a:bodyPr>
           <a:lstStyle/>
           <a:p>
-            <a:r>
-              <a:rPr lang="en-AU" dirty="0"/>
-              <a:t>Example of numerical variable and how we analysed it, came up with findings, insights &amp; recommendation</a:t>
-            </a:r>
-          </a:p>
-          <a:p>
             <a:pPr marL="285750" indent="-285750">
               <a:buFontTx/>
               <a:buChar char="-"/>
             </a:pPr>
-            <a:r>
-              <a:rPr lang="en-AU" dirty="0"/>
-              <a:t>All related charts form python notebook</a:t>
-            </a:r>
+            <a:endParaRPr lang="en-US" sz="1400" dirty="0"/>
           </a:p>
           <a:p>
             <a:pPr marL="285750" indent="-285750">
@@ -4996,11 +8842,94 @@
               <a:buChar char="-"/>
             </a:pPr>
             <a:r>
-              <a:rPr lang="en-AU" dirty="0"/>
-              <a:t>Write some text box comments</a:t>
-            </a:r>
-          </a:p>
-          <a:p>
+              <a:rPr lang="en-US" sz="1400" dirty="0"/>
+              <a:t> As expected, higher the DTI, higher the default rate</a:t>
+            </a:r>
+          </a:p>
+          <a:p>
+            <a:pPr marL="285750" indent="-285750">
+              <a:buFontTx/>
+              <a:buChar char="-"/>
+            </a:pPr>
+            <a:r>
+              <a:rPr lang="en-US" sz="1400" dirty="0"/>
+              <a:t>    Thus it's risky to offer loan to customers with high DTI, especially &gt;10</a:t>
+            </a:r>
+          </a:p>
+          <a:p>
+            <a:endParaRPr lang="en-AU" sz="1400" dirty="0"/>
+          </a:p>
+        </p:txBody>
+      </p:sp>
+      <p:pic>
+        <p:nvPicPr>
+          <p:cNvPr id="4" name="Picture 3">
+            <a:extLst>
+              <a:ext uri="{FF2B5EF4-FFF2-40B4-BE49-F238E27FC236}">
+                <a16:creationId xmlns:a16="http://schemas.microsoft.com/office/drawing/2014/main" id="{1F5BA08A-A9FB-4AAC-8DF3-EA260A5EFADF}"/>
+              </a:ext>
+            </a:extLst>
+          </p:cNvPr>
+          <p:cNvPicPr>
+            <a:picLocks noChangeAspect="1"/>
+          </p:cNvPicPr>
+          <p:nvPr/>
+        </p:nvPicPr>
+        <p:blipFill>
+          <a:blip r:embed="rId2"/>
+          <a:stretch>
+            <a:fillRect/>
+          </a:stretch>
+        </p:blipFill>
+        <p:spPr>
+          <a:xfrm>
+            <a:off x="701241" y="1850145"/>
+            <a:ext cx="4275937" cy="4429258"/>
+          </a:xfrm>
+          <a:prstGeom prst="rect">
+            <a:avLst/>
+          </a:prstGeom>
+          <a:ln>
+            <a:solidFill>
+              <a:schemeClr val="bg1">
+                <a:lumMod val="65000"/>
+              </a:schemeClr>
+            </a:solidFill>
+          </a:ln>
+        </p:spPr>
+      </p:pic>
+      <p:sp>
+        <p:nvSpPr>
+          <p:cNvPr id="9" name="TextBox 8">
+            <a:extLst>
+              <a:ext uri="{FF2B5EF4-FFF2-40B4-BE49-F238E27FC236}">
+                <a16:creationId xmlns:a16="http://schemas.microsoft.com/office/drawing/2014/main" id="{B0CE2003-EFFF-40D5-9197-473F8DF6AEDC}"/>
+              </a:ext>
+            </a:extLst>
+          </p:cNvPr>
+          <p:cNvSpPr txBox="1"/>
+          <p:nvPr/>
+        </p:nvSpPr>
+        <p:spPr>
+          <a:xfrm>
+            <a:off x="5091637" y="1850145"/>
+            <a:ext cx="3800693" cy="400110"/>
+          </a:xfrm>
+          <a:prstGeom prst="rect">
+            <a:avLst/>
+          </a:prstGeom>
+          <a:noFill/>
+        </p:spPr>
+        <p:txBody>
+          <a:bodyPr wrap="square" rtlCol="0">
+            <a:spAutoFit/>
+          </a:bodyPr>
+          <a:lstStyle/>
+          <a:p>
+            <a:r>
+              <a:rPr lang="en-AU" sz="2000" b="1" dirty="0"/>
+              <a:t>Debt to income ratio of customer</a:t>
+            </a:r>
             <a:endParaRPr lang="en-AU" dirty="0"/>
           </a:p>
         </p:txBody>
@@ -5008,7 +8937,7 @@
     </p:spTree>
     <p:extLst>
       <p:ext uri="{BB962C8B-B14F-4D97-AF65-F5344CB8AC3E}">
-        <p14:creationId xmlns:p14="http://schemas.microsoft.com/office/powerpoint/2010/main" val="1485716438"/>
+        <p14:creationId xmlns:p14="http://schemas.microsoft.com/office/powerpoint/2010/main" val="21872929"/>
       </p:ext>
     </p:extLst>
   </p:cSld>
@@ -5051,12 +8980,29 @@
             <p:ph type="title"/>
           </p:nvPr>
         </p:nvSpPr>
-        <p:spPr/>
+        <p:spPr>
+          <a:xfrm>
+            <a:off x="800100" y="607038"/>
+            <a:ext cx="7543800" cy="906717"/>
+          </a:xfrm>
+        </p:spPr>
         <p:txBody>
-          <a:bodyPr/>
+          <a:bodyPr>
+            <a:normAutofit fontScale="90000"/>
+          </a:bodyPr>
           <a:lstStyle/>
           <a:p>
-            <a:endParaRPr lang="en-AU" dirty="0"/>
+            <a:r>
+              <a:rPr lang="en-AU" dirty="0"/>
+              <a:t>Data analysis illustration -</a:t>
+            </a:r>
+            <a:br>
+              <a:rPr lang="en-AU" dirty="0"/>
+            </a:br>
+            <a:r>
+              <a:rPr lang="en-AU" dirty="0"/>
+              <a:t>Categorical variable example#1</a:t>
+            </a:r>
           </a:p>
         </p:txBody>
       </p:sp>
@@ -5074,8 +9020,8 @@
         </p:nvSpPr>
         <p:spPr>
           <a:xfrm>
-            <a:off x="491878" y="2508308"/>
-            <a:ext cx="8205964" cy="369332"/>
+            <a:off x="5616518" y="2305049"/>
+            <a:ext cx="3134666" cy="1169551"/>
           </a:xfrm>
           <a:prstGeom prst="rect">
             <a:avLst/>
@@ -5083,22 +9029,302 @@
           <a:noFill/>
         </p:spPr>
         <p:txBody>
-          <a:bodyPr wrap="none" rtlCol="0">
+          <a:bodyPr wrap="square" rtlCol="0">
             <a:spAutoFit/>
           </a:bodyPr>
           <a:lstStyle/>
           <a:p>
-            <a:r>
-              <a:rPr lang="en-AU" dirty="0"/>
-              <a:t>Final summary slide – can be the same as the summary table in the python note book</a:t>
-            </a:r>
+            <a:pPr marL="285750" indent="-285750">
+              <a:buFontTx/>
+              <a:buChar char="-"/>
+            </a:pPr>
+            <a:endParaRPr lang="en-US" sz="1400" dirty="0"/>
+          </a:p>
+          <a:p>
+            <a:pPr marL="285750" indent="-285750">
+              <a:buFontTx/>
+              <a:buChar char="-"/>
+            </a:pPr>
+            <a:r>
+              <a:rPr lang="en-US" sz="1400" dirty="0"/>
+              <a:t>    Clearly, '60 months' term group has much higher default rate than 36 months</a:t>
+            </a:r>
+          </a:p>
+          <a:p>
+            <a:endParaRPr lang="en-AU" sz="1400" dirty="0"/>
+          </a:p>
+        </p:txBody>
+      </p:sp>
+      <p:pic>
+        <p:nvPicPr>
+          <p:cNvPr id="3" name="Picture 2">
+            <a:extLst>
+              <a:ext uri="{FF2B5EF4-FFF2-40B4-BE49-F238E27FC236}">
+                <a16:creationId xmlns:a16="http://schemas.microsoft.com/office/drawing/2014/main" id="{C3E9FCD9-2DEE-424A-ABA0-A18200D17726}"/>
+              </a:ext>
+            </a:extLst>
+          </p:cNvPr>
+          <p:cNvPicPr>
+            <a:picLocks noChangeAspect="1"/>
+          </p:cNvPicPr>
+          <p:nvPr/>
+        </p:nvPicPr>
+        <p:blipFill>
+          <a:blip r:embed="rId2"/>
+          <a:stretch>
+            <a:fillRect/>
+          </a:stretch>
+        </p:blipFill>
+        <p:spPr>
+          <a:xfrm>
+            <a:off x="392817" y="2305050"/>
+            <a:ext cx="5107870" cy="3062287"/>
+          </a:xfrm>
+          <a:prstGeom prst="rect">
+            <a:avLst/>
+          </a:prstGeom>
+          <a:ln>
+            <a:solidFill>
+              <a:schemeClr val="bg1">
+                <a:lumMod val="65000"/>
+              </a:schemeClr>
+            </a:solidFill>
+          </a:ln>
+        </p:spPr>
+      </p:pic>
+      <p:sp>
+        <p:nvSpPr>
+          <p:cNvPr id="6" name="TextBox 5">
+            <a:extLst>
+              <a:ext uri="{FF2B5EF4-FFF2-40B4-BE49-F238E27FC236}">
+                <a16:creationId xmlns:a16="http://schemas.microsoft.com/office/drawing/2014/main" id="{665212F3-C386-4414-83A2-253DE30A2768}"/>
+              </a:ext>
+            </a:extLst>
+          </p:cNvPr>
+          <p:cNvSpPr txBox="1"/>
+          <p:nvPr/>
+        </p:nvSpPr>
+        <p:spPr>
+          <a:xfrm>
+            <a:off x="2099913" y="1828855"/>
+            <a:ext cx="3252263" cy="400110"/>
+          </a:xfrm>
+          <a:prstGeom prst="rect">
+            <a:avLst/>
+          </a:prstGeom>
+          <a:noFill/>
+        </p:spPr>
+        <p:txBody>
+          <a:bodyPr wrap="square" rtlCol="0">
+            <a:spAutoFit/>
+          </a:bodyPr>
+          <a:lstStyle/>
+          <a:p>
+            <a:r>
+              <a:rPr lang="en-AU" sz="2000" b="1" dirty="0"/>
+              <a:t>Term of loan</a:t>
+            </a:r>
+            <a:endParaRPr lang="en-AU" dirty="0"/>
           </a:p>
         </p:txBody>
       </p:sp>
     </p:spTree>
     <p:extLst>
       <p:ext uri="{BB962C8B-B14F-4D97-AF65-F5344CB8AC3E}">
-        <p14:creationId xmlns:p14="http://schemas.microsoft.com/office/powerpoint/2010/main" val="3255103448"/>
+        <p14:creationId xmlns:p14="http://schemas.microsoft.com/office/powerpoint/2010/main" val="1485716438"/>
+      </p:ext>
+    </p:extLst>
+  </p:cSld>
+  <p:clrMapOvr>
+    <a:masterClrMapping/>
+  </p:clrMapOvr>
+</p:sld>
+</file>
+
+<file path=ppt/slides/slide9.xml><?xml version="1.0" encoding="utf-8"?>
+<p:sld xmlns:a="http://schemas.openxmlformats.org/drawingml/2006/main" xmlns:r="http://schemas.openxmlformats.org/officeDocument/2006/relationships" xmlns:p="http://schemas.openxmlformats.org/presentationml/2006/main">
+  <p:cSld>
+    <p:spTree>
+      <p:nvGrpSpPr>
+        <p:cNvPr id="1" name=""/>
+        <p:cNvGrpSpPr/>
+        <p:nvPr/>
+      </p:nvGrpSpPr>
+      <p:grpSpPr>
+        <a:xfrm>
+          <a:off x="0" y="0"/>
+          <a:ext cx="0" cy="0"/>
+          <a:chOff x="0" y="0"/>
+          <a:chExt cx="0" cy="0"/>
+        </a:xfrm>
+      </p:grpSpPr>
+      <p:sp>
+        <p:nvSpPr>
+          <p:cNvPr id="7" name="Title 6">
+            <a:extLst>
+              <a:ext uri="{FF2B5EF4-FFF2-40B4-BE49-F238E27FC236}">
+                <a16:creationId xmlns:a16="http://schemas.microsoft.com/office/drawing/2014/main" id="{AB3CB3D9-D307-40FB-A6EA-7E4EB0B248AB}"/>
+              </a:ext>
+            </a:extLst>
+          </p:cNvPr>
+          <p:cNvSpPr>
+            <a:spLocks noGrp="1"/>
+          </p:cNvSpPr>
+          <p:nvPr>
+            <p:ph type="title"/>
+          </p:nvPr>
+        </p:nvSpPr>
+        <p:spPr>
+          <a:xfrm>
+            <a:off x="800100" y="607038"/>
+            <a:ext cx="7543800" cy="906717"/>
+          </a:xfrm>
+        </p:spPr>
+        <p:txBody>
+          <a:bodyPr>
+            <a:normAutofit fontScale="90000"/>
+          </a:bodyPr>
+          <a:lstStyle/>
+          <a:p>
+            <a:r>
+              <a:rPr lang="en-AU" dirty="0"/>
+              <a:t>Data analysis illustration -</a:t>
+            </a:r>
+            <a:br>
+              <a:rPr lang="en-AU" dirty="0"/>
+            </a:br>
+            <a:r>
+              <a:rPr lang="en-AU" dirty="0"/>
+              <a:t>Categorical variable example#2</a:t>
+            </a:r>
+          </a:p>
+        </p:txBody>
+      </p:sp>
+      <p:sp>
+        <p:nvSpPr>
+          <p:cNvPr id="8" name="TextBox 7">
+            <a:extLst>
+              <a:ext uri="{FF2B5EF4-FFF2-40B4-BE49-F238E27FC236}">
+                <a16:creationId xmlns:a16="http://schemas.microsoft.com/office/drawing/2014/main" id="{99BE0F2E-B999-487B-82E5-0F284D8437BE}"/>
+              </a:ext>
+            </a:extLst>
+          </p:cNvPr>
+          <p:cNvSpPr txBox="1"/>
+          <p:nvPr/>
+        </p:nvSpPr>
+        <p:spPr>
+          <a:xfrm>
+            <a:off x="5616518" y="2305049"/>
+            <a:ext cx="3134666" cy="3323987"/>
+          </a:xfrm>
+          <a:prstGeom prst="rect">
+            <a:avLst/>
+          </a:prstGeom>
+          <a:noFill/>
+        </p:spPr>
+        <p:txBody>
+          <a:bodyPr wrap="square" rtlCol="0">
+            <a:spAutoFit/>
+          </a:bodyPr>
+          <a:lstStyle/>
+          <a:p>
+            <a:endParaRPr lang="en-US" sz="1400" dirty="0"/>
+          </a:p>
+          <a:p>
+            <a:pPr marL="285750" indent="-285750">
+              <a:buFont typeface="Arial" panose="020B0604020202020204" pitchFamily="34" charset="0"/>
+              <a:buChar char="•"/>
+            </a:pPr>
+            <a:r>
+              <a:rPr lang="en-US" sz="1400" dirty="0"/>
+              <a:t>    It is unclear how the grade and subgrade are calculated, but there is definitely a positive correlation between default rate and grade, subgrade</a:t>
+            </a:r>
+          </a:p>
+          <a:p>
+            <a:pPr marL="285750" indent="-285750">
+              <a:buFont typeface="Arial" panose="020B0604020202020204" pitchFamily="34" charset="0"/>
+              <a:buChar char="•"/>
+            </a:pPr>
+            <a:r>
+              <a:rPr lang="en-US" sz="1400" dirty="0"/>
+              <a:t>    The lending club grade and sub grade are related. The grades are in an ordinal scale where starting scale like A1,B1 have lower default rate which further increases by the end of the ordinal scale. Lower alphabet grade(A,B...), subgrade(A1,B1) have lower default rates</a:t>
+            </a:r>
+          </a:p>
+          <a:p>
+            <a:endParaRPr lang="en-AU" sz="1400" dirty="0"/>
+          </a:p>
+        </p:txBody>
+      </p:sp>
+      <p:pic>
+        <p:nvPicPr>
+          <p:cNvPr id="4" name="Picture 3">
+            <a:extLst>
+              <a:ext uri="{FF2B5EF4-FFF2-40B4-BE49-F238E27FC236}">
+                <a16:creationId xmlns:a16="http://schemas.microsoft.com/office/drawing/2014/main" id="{AC74B09B-5E8E-4B97-86BD-FDCF188558DD}"/>
+              </a:ext>
+            </a:extLst>
+          </p:cNvPr>
+          <p:cNvPicPr>
+            <a:picLocks noChangeAspect="1"/>
+          </p:cNvPicPr>
+          <p:nvPr/>
+        </p:nvPicPr>
+        <p:blipFill>
+          <a:blip r:embed="rId2"/>
+          <a:stretch>
+            <a:fillRect/>
+          </a:stretch>
+        </p:blipFill>
+        <p:spPr>
+          <a:xfrm>
+            <a:off x="260236" y="2075519"/>
+            <a:ext cx="5295900" cy="3547254"/>
+          </a:xfrm>
+          <a:prstGeom prst="rect">
+            <a:avLst/>
+          </a:prstGeom>
+        </p:spPr>
+      </p:pic>
+      <p:sp>
+        <p:nvSpPr>
+          <p:cNvPr id="9" name="TextBox 8">
+            <a:extLst>
+              <a:ext uri="{FF2B5EF4-FFF2-40B4-BE49-F238E27FC236}">
+                <a16:creationId xmlns:a16="http://schemas.microsoft.com/office/drawing/2014/main" id="{ED79F607-260D-43C3-B500-80168267E03B}"/>
+              </a:ext>
+            </a:extLst>
+          </p:cNvPr>
+          <p:cNvSpPr txBox="1"/>
+          <p:nvPr/>
+        </p:nvSpPr>
+        <p:spPr>
+          <a:xfrm>
+            <a:off x="1974079" y="1770132"/>
+            <a:ext cx="3252263" cy="400110"/>
+          </a:xfrm>
+          <a:prstGeom prst="rect">
+            <a:avLst/>
+          </a:prstGeom>
+          <a:noFill/>
+        </p:spPr>
+        <p:txBody>
+          <a:bodyPr wrap="square" rtlCol="0">
+            <a:spAutoFit/>
+          </a:bodyPr>
+          <a:lstStyle/>
+          <a:p>
+            <a:r>
+              <a:rPr lang="en-AU" sz="2000" b="1" dirty="0"/>
+              <a:t>Grade of loan</a:t>
+            </a:r>
+            <a:endParaRPr lang="en-AU" dirty="0"/>
+          </a:p>
+        </p:txBody>
+      </p:sp>
+    </p:spTree>
+    <p:extLst>
+      <p:ext uri="{BB962C8B-B14F-4D97-AF65-F5344CB8AC3E}">
+        <p14:creationId xmlns:p14="http://schemas.microsoft.com/office/powerpoint/2010/main" val="1097442074"/>
       </p:ext>
     </p:extLst>
   </p:cSld>
